--- a/_3 Develop/Develop Pictures.pptx
+++ b/_3 Develop/Develop Pictures.pptx
@@ -5,12 +5,16 @@
     <p:sldMasterId id="2147483648" r:id="rId1"/>
   </p:sldMasterIdLst>
   <p:notesMasterIdLst>
-    <p:notesMasterId r:id="rId5"/>
+    <p:notesMasterId r:id="rId9"/>
   </p:notesMasterIdLst>
   <p:sldIdLst>
-    <p:sldId id="257" r:id="rId2"/>
-    <p:sldId id="261" r:id="rId3"/>
-    <p:sldId id="260" r:id="rId4"/>
+    <p:sldId id="261" r:id="rId2"/>
+    <p:sldId id="262" r:id="rId3"/>
+    <p:sldId id="263" r:id="rId4"/>
+    <p:sldId id="258" r:id="rId5"/>
+    <p:sldId id="264" r:id="rId6"/>
+    <p:sldId id="257" r:id="rId7"/>
+    <p:sldId id="260" r:id="rId8"/>
   </p:sldIdLst>
   <p:sldSz cx="12192000" cy="6858000"/>
   <p:notesSz cx="7315200" cy="9601200"/>
@@ -210,7 +214,7 @@
           <a:p>
             <a:fld id="{90B77117-200D-4C24-9444-A3272AC92708}" type="datetimeFigureOut">
               <a:rPr lang="en-US" smtClean="0"/>
-              <a:t>3/3/2025</a:t>
+              <a:t>3/6/2025</a:t>
             </a:fld>
             <a:endParaRPr lang="en-US"/>
           </a:p>
@@ -482,90 +486,6 @@
   <p:cSld>
     <p:spTree>
       <p:nvGrpSpPr>
-        <p:cNvPr id="1" name=""/>
-        <p:cNvGrpSpPr/>
-        <p:nvPr/>
-      </p:nvGrpSpPr>
-      <p:grpSpPr>
-        <a:xfrm>
-          <a:off x="0" y="0"/>
-          <a:ext cx="0" cy="0"/>
-          <a:chOff x="0" y="0"/>
-          <a:chExt cx="0" cy="0"/>
-        </a:xfrm>
-      </p:grpSpPr>
-      <p:sp>
-        <p:nvSpPr>
-          <p:cNvPr id="2" name="Slide Image Placeholder 1"/>
-          <p:cNvSpPr>
-            <a:spLocks noGrp="1" noRot="1" noChangeAspect="1"/>
-          </p:cNvSpPr>
-          <p:nvPr>
-            <p:ph type="sldImg"/>
-          </p:nvPr>
-        </p:nvSpPr>
-        <p:spPr/>
-      </p:sp>
-      <p:sp>
-        <p:nvSpPr>
-          <p:cNvPr id="3" name="Notes Placeholder 2"/>
-          <p:cNvSpPr>
-            <a:spLocks noGrp="1"/>
-          </p:cNvSpPr>
-          <p:nvPr>
-            <p:ph type="body" idx="1"/>
-          </p:nvPr>
-        </p:nvSpPr>
-        <p:spPr/>
-        <p:txBody>
-          <a:bodyPr/>
-          <a:lstStyle/>
-          <a:p>
-            <a:endParaRPr lang="en-US" dirty="0"/>
-          </a:p>
-        </p:txBody>
-      </p:sp>
-      <p:sp>
-        <p:nvSpPr>
-          <p:cNvPr id="4" name="Slide Number Placeholder 3"/>
-          <p:cNvSpPr>
-            <a:spLocks noGrp="1"/>
-          </p:cNvSpPr>
-          <p:nvPr>
-            <p:ph type="sldNum" sz="quarter" idx="5"/>
-          </p:nvPr>
-        </p:nvSpPr>
-        <p:spPr/>
-        <p:txBody>
-          <a:bodyPr/>
-          <a:lstStyle/>
-          <a:p>
-            <a:fld id="{F5D29D2A-19FD-4990-8A4B-A132B4321E08}" type="slidenum">
-              <a:rPr lang="en-US" smtClean="0"/>
-              <a:t>1</a:t>
-            </a:fld>
-            <a:endParaRPr lang="en-US"/>
-          </a:p>
-        </p:txBody>
-      </p:sp>
-    </p:spTree>
-    <p:extLst>
-      <p:ext uri="{BB962C8B-B14F-4D97-AF65-F5344CB8AC3E}">
-        <p14:creationId xmlns:p14="http://schemas.microsoft.com/office/powerpoint/2010/main" val="1691831145"/>
-      </p:ext>
-    </p:extLst>
-  </p:cSld>
-  <p:clrMapOvr>
-    <a:masterClrMapping/>
-  </p:clrMapOvr>
-</p:notes>
-</file>
-
-<file path=ppt/notesSlides/notesSlide2.xml><?xml version="1.0" encoding="utf-8"?>
-<p:notes xmlns:a="http://schemas.openxmlformats.org/drawingml/2006/main" xmlns:r="http://schemas.openxmlformats.org/officeDocument/2006/relationships" xmlns:p="http://schemas.openxmlformats.org/presentationml/2006/main">
-  <p:cSld>
-    <p:spTree>
-      <p:nvGrpSpPr>
         <p:cNvPr id="1" name="">
           <a:extLst>
             <a:ext uri="{FF2B5EF4-FFF2-40B4-BE49-F238E27FC236}">
@@ -650,7 +570,7 @@
           <a:p>
             <a:fld id="{F5D29D2A-19FD-4990-8A4B-A132B4321E08}" type="slidenum">
               <a:rPr lang="en-US" smtClean="0"/>
-              <a:t>2</a:t>
+              <a:t>1</a:t>
             </a:fld>
             <a:endParaRPr lang="en-US"/>
           </a:p>
@@ -660,6 +580,174 @@
     <p:extLst>
       <p:ext uri="{BB962C8B-B14F-4D97-AF65-F5344CB8AC3E}">
         <p14:creationId xmlns:p14="http://schemas.microsoft.com/office/powerpoint/2010/main" val="4071944040"/>
+      </p:ext>
+    </p:extLst>
+  </p:cSld>
+  <p:clrMapOvr>
+    <a:masterClrMapping/>
+  </p:clrMapOvr>
+</p:notes>
+</file>
+
+<file path=ppt/notesSlides/notesSlide2.xml><?xml version="1.0" encoding="utf-8"?>
+<p:notes xmlns:a="http://schemas.openxmlformats.org/drawingml/2006/main" xmlns:r="http://schemas.openxmlformats.org/officeDocument/2006/relationships" xmlns:p="http://schemas.openxmlformats.org/presentationml/2006/main">
+  <p:cSld>
+    <p:spTree>
+      <p:nvGrpSpPr>
+        <p:cNvPr id="1" name=""/>
+        <p:cNvGrpSpPr/>
+        <p:nvPr/>
+      </p:nvGrpSpPr>
+      <p:grpSpPr>
+        <a:xfrm>
+          <a:off x="0" y="0"/>
+          <a:ext cx="0" cy="0"/>
+          <a:chOff x="0" y="0"/>
+          <a:chExt cx="0" cy="0"/>
+        </a:xfrm>
+      </p:grpSpPr>
+      <p:sp>
+        <p:nvSpPr>
+          <p:cNvPr id="2" name="Slide Image Placeholder 1"/>
+          <p:cNvSpPr>
+            <a:spLocks noGrp="1" noRot="1" noChangeAspect="1"/>
+          </p:cNvSpPr>
+          <p:nvPr>
+            <p:ph type="sldImg"/>
+          </p:nvPr>
+        </p:nvSpPr>
+        <p:spPr/>
+      </p:sp>
+      <p:sp>
+        <p:nvSpPr>
+          <p:cNvPr id="3" name="Notes Placeholder 2"/>
+          <p:cNvSpPr>
+            <a:spLocks noGrp="1"/>
+          </p:cNvSpPr>
+          <p:nvPr>
+            <p:ph type="body" idx="1"/>
+          </p:nvPr>
+        </p:nvSpPr>
+        <p:spPr/>
+        <p:txBody>
+          <a:bodyPr/>
+          <a:lstStyle/>
+          <a:p>
+            <a:endParaRPr lang="en-US" dirty="0"/>
+          </a:p>
+        </p:txBody>
+      </p:sp>
+      <p:sp>
+        <p:nvSpPr>
+          <p:cNvPr id="4" name="Slide Number Placeholder 3"/>
+          <p:cNvSpPr>
+            <a:spLocks noGrp="1"/>
+          </p:cNvSpPr>
+          <p:nvPr>
+            <p:ph type="sldNum" sz="quarter" idx="5"/>
+          </p:nvPr>
+        </p:nvSpPr>
+        <p:spPr/>
+        <p:txBody>
+          <a:bodyPr/>
+          <a:lstStyle/>
+          <a:p>
+            <a:fld id="{F5D29D2A-19FD-4990-8A4B-A132B4321E08}" type="slidenum">
+              <a:rPr lang="en-US" smtClean="0"/>
+              <a:t>2</a:t>
+            </a:fld>
+            <a:endParaRPr lang="en-US"/>
+          </a:p>
+        </p:txBody>
+      </p:sp>
+    </p:spTree>
+    <p:extLst>
+      <p:ext uri="{BB962C8B-B14F-4D97-AF65-F5344CB8AC3E}">
+        <p14:creationId xmlns:p14="http://schemas.microsoft.com/office/powerpoint/2010/main" val="1464720498"/>
+      </p:ext>
+    </p:extLst>
+  </p:cSld>
+  <p:clrMapOvr>
+    <a:masterClrMapping/>
+  </p:clrMapOvr>
+</p:notes>
+</file>
+
+<file path=ppt/notesSlides/notesSlide3.xml><?xml version="1.0" encoding="utf-8"?>
+<p:notes xmlns:a="http://schemas.openxmlformats.org/drawingml/2006/main" xmlns:r="http://schemas.openxmlformats.org/officeDocument/2006/relationships" xmlns:p="http://schemas.openxmlformats.org/presentationml/2006/main">
+  <p:cSld>
+    <p:spTree>
+      <p:nvGrpSpPr>
+        <p:cNvPr id="1" name=""/>
+        <p:cNvGrpSpPr/>
+        <p:nvPr/>
+      </p:nvGrpSpPr>
+      <p:grpSpPr>
+        <a:xfrm>
+          <a:off x="0" y="0"/>
+          <a:ext cx="0" cy="0"/>
+          <a:chOff x="0" y="0"/>
+          <a:chExt cx="0" cy="0"/>
+        </a:xfrm>
+      </p:grpSpPr>
+      <p:sp>
+        <p:nvSpPr>
+          <p:cNvPr id="2" name="Slide Image Placeholder 1"/>
+          <p:cNvSpPr>
+            <a:spLocks noGrp="1" noRot="1" noChangeAspect="1"/>
+          </p:cNvSpPr>
+          <p:nvPr>
+            <p:ph type="sldImg"/>
+          </p:nvPr>
+        </p:nvSpPr>
+        <p:spPr/>
+      </p:sp>
+      <p:sp>
+        <p:nvSpPr>
+          <p:cNvPr id="3" name="Notes Placeholder 2"/>
+          <p:cNvSpPr>
+            <a:spLocks noGrp="1"/>
+          </p:cNvSpPr>
+          <p:nvPr>
+            <p:ph type="body" idx="1"/>
+          </p:nvPr>
+        </p:nvSpPr>
+        <p:spPr/>
+        <p:txBody>
+          <a:bodyPr/>
+          <a:lstStyle/>
+          <a:p>
+            <a:endParaRPr lang="en-US" dirty="0"/>
+          </a:p>
+        </p:txBody>
+      </p:sp>
+      <p:sp>
+        <p:nvSpPr>
+          <p:cNvPr id="4" name="Slide Number Placeholder 3"/>
+          <p:cNvSpPr>
+            <a:spLocks noGrp="1"/>
+          </p:cNvSpPr>
+          <p:nvPr>
+            <p:ph type="sldNum" sz="quarter" idx="5"/>
+          </p:nvPr>
+        </p:nvSpPr>
+        <p:spPr/>
+        <p:txBody>
+          <a:bodyPr/>
+          <a:lstStyle/>
+          <a:p>
+            <a:fld id="{F5D29D2A-19FD-4990-8A4B-A132B4321E08}" type="slidenum">
+              <a:rPr lang="en-US" smtClean="0"/>
+              <a:t>6</a:t>
+            </a:fld>
+            <a:endParaRPr lang="en-US"/>
+          </a:p>
+        </p:txBody>
+      </p:sp>
+    </p:spTree>
+    <p:extLst>
+      <p:ext uri="{BB962C8B-B14F-4D97-AF65-F5344CB8AC3E}">
+        <p14:creationId xmlns:p14="http://schemas.microsoft.com/office/powerpoint/2010/main" val="1691831145"/>
       </p:ext>
     </p:extLst>
   </p:cSld>
@@ -816,7 +904,7 @@
           <a:p>
             <a:fld id="{C0029B18-9E45-4374-8673-2D4794710B00}" type="datetimeFigureOut">
               <a:rPr lang="en-US" smtClean="0"/>
-              <a:t>3/3/2025</a:t>
+              <a:t>3/6/2025</a:t>
             </a:fld>
             <a:endParaRPr lang="en-US"/>
           </a:p>
@@ -1014,7 +1102,7 @@
           <a:p>
             <a:fld id="{C0029B18-9E45-4374-8673-2D4794710B00}" type="datetimeFigureOut">
               <a:rPr lang="en-US" smtClean="0"/>
-              <a:t>3/3/2025</a:t>
+              <a:t>3/6/2025</a:t>
             </a:fld>
             <a:endParaRPr lang="en-US"/>
           </a:p>
@@ -1222,7 +1310,7 @@
           <a:p>
             <a:fld id="{C0029B18-9E45-4374-8673-2D4794710B00}" type="datetimeFigureOut">
               <a:rPr lang="en-US" smtClean="0"/>
-              <a:t>3/3/2025</a:t>
+              <a:t>3/6/2025</a:t>
             </a:fld>
             <a:endParaRPr lang="en-US"/>
           </a:p>
@@ -1420,7 +1508,7 @@
           <a:p>
             <a:fld id="{C0029B18-9E45-4374-8673-2D4794710B00}" type="datetimeFigureOut">
               <a:rPr lang="en-US" smtClean="0"/>
-              <a:t>3/3/2025</a:t>
+              <a:t>3/6/2025</a:t>
             </a:fld>
             <a:endParaRPr lang="en-US"/>
           </a:p>
@@ -1695,7 +1783,7 @@
           <a:p>
             <a:fld id="{C0029B18-9E45-4374-8673-2D4794710B00}" type="datetimeFigureOut">
               <a:rPr lang="en-US" smtClean="0"/>
-              <a:t>3/3/2025</a:t>
+              <a:t>3/6/2025</a:t>
             </a:fld>
             <a:endParaRPr lang="en-US"/>
           </a:p>
@@ -1960,7 +2048,7 @@
           <a:p>
             <a:fld id="{C0029B18-9E45-4374-8673-2D4794710B00}" type="datetimeFigureOut">
               <a:rPr lang="en-US" smtClean="0"/>
-              <a:t>3/3/2025</a:t>
+              <a:t>3/6/2025</a:t>
             </a:fld>
             <a:endParaRPr lang="en-US"/>
           </a:p>
@@ -2372,7 +2460,7 @@
           <a:p>
             <a:fld id="{C0029B18-9E45-4374-8673-2D4794710B00}" type="datetimeFigureOut">
               <a:rPr lang="en-US" smtClean="0"/>
-              <a:t>3/3/2025</a:t>
+              <a:t>3/6/2025</a:t>
             </a:fld>
             <a:endParaRPr lang="en-US"/>
           </a:p>
@@ -2513,7 +2601,7 @@
           <a:p>
             <a:fld id="{C0029B18-9E45-4374-8673-2D4794710B00}" type="datetimeFigureOut">
               <a:rPr lang="en-US" smtClean="0"/>
-              <a:t>3/3/2025</a:t>
+              <a:t>3/6/2025</a:t>
             </a:fld>
             <a:endParaRPr lang="en-US"/>
           </a:p>
@@ -2626,7 +2714,7 @@
           <a:p>
             <a:fld id="{C0029B18-9E45-4374-8673-2D4794710B00}" type="datetimeFigureOut">
               <a:rPr lang="en-US" smtClean="0"/>
-              <a:t>3/3/2025</a:t>
+              <a:t>3/6/2025</a:t>
             </a:fld>
             <a:endParaRPr lang="en-US"/>
           </a:p>
@@ -2937,7 +3025,7 @@
           <a:p>
             <a:fld id="{C0029B18-9E45-4374-8673-2D4794710B00}" type="datetimeFigureOut">
               <a:rPr lang="en-US" smtClean="0"/>
-              <a:t>3/3/2025</a:t>
+              <a:t>3/6/2025</a:t>
             </a:fld>
             <a:endParaRPr lang="en-US"/>
           </a:p>
@@ -3225,7 +3313,7 @@
           <a:p>
             <a:fld id="{C0029B18-9E45-4374-8673-2D4794710B00}" type="datetimeFigureOut">
               <a:rPr lang="en-US" smtClean="0"/>
-              <a:t>3/3/2025</a:t>
+              <a:t>3/6/2025</a:t>
             </a:fld>
             <a:endParaRPr lang="en-US"/>
           </a:p>
@@ -3466,7 +3554,7 @@
           <a:p>
             <a:fld id="{C0029B18-9E45-4374-8673-2D4794710B00}" type="datetimeFigureOut">
               <a:rPr lang="en-US" smtClean="0"/>
-              <a:t>3/3/2025</a:t>
+              <a:t>3/6/2025</a:t>
             </a:fld>
             <a:endParaRPr lang="en-US"/>
           </a:p>
@@ -3871,2862 +3959,6 @@
   <p:cSld>
     <p:spTree>
       <p:nvGrpSpPr>
-        <p:cNvPr id="1" name=""/>
-        <p:cNvGrpSpPr/>
-        <p:nvPr/>
-      </p:nvGrpSpPr>
-      <p:grpSpPr>
-        <a:xfrm>
-          <a:off x="0" y="0"/>
-          <a:ext cx="0" cy="0"/>
-          <a:chOff x="0" y="0"/>
-          <a:chExt cx="0" cy="0"/>
-        </a:xfrm>
-      </p:grpSpPr>
-      <p:pic>
-        <p:nvPicPr>
-          <p:cNvPr id="1026" name="Picture 2" descr="EXPLORING THE FIRST SYMBOL IN THE PTOA LOGO - The Process Technology ...">
-            <a:extLst>
-              <a:ext uri="{FF2B5EF4-FFF2-40B4-BE49-F238E27FC236}">
-                <a16:creationId xmlns:a16="http://schemas.microsoft.com/office/drawing/2014/main" id="{C1BF199C-0DD1-E77A-9215-621190F7CBEE}"/>
-              </a:ext>
-            </a:extLst>
-          </p:cNvPr>
-          <p:cNvPicPr>
-            <a:picLocks noChangeAspect="1" noChangeArrowheads="1"/>
-          </p:cNvPicPr>
-          <p:nvPr/>
-        </p:nvPicPr>
-        <p:blipFill rotWithShape="1">
-          <a:blip r:embed="rId3">
-            <a:extLst>
-              <a:ext uri="{28A0092B-C50C-407E-A947-70E740481C1C}">
-                <a14:useLocalDpi xmlns:a14="http://schemas.microsoft.com/office/drawing/2010/main" val="0"/>
-              </a:ext>
-            </a:extLst>
-          </a:blip>
-          <a:srcRect l="29464" t="30944" r="27210" b="24932"/>
-          <a:stretch/>
-        </p:blipFill>
-        <p:spPr bwMode="auto">
-          <a:xfrm>
-            <a:off x="9543725" y="1813904"/>
-            <a:ext cx="755375" cy="769289"/>
-          </a:xfrm>
-          <a:prstGeom prst="rect">
-            <a:avLst/>
-          </a:prstGeom>
-          <a:noFill/>
-          <a:extLst>
-            <a:ext uri="{909E8E84-426E-40DD-AFC4-6F175D3DCCD1}">
-              <a14:hiddenFill xmlns:a14="http://schemas.microsoft.com/office/drawing/2010/main">
-                <a:solidFill>
-                  <a:srgbClr val="FFFFFF"/>
-                </a:solidFill>
-              </a14:hiddenFill>
-            </a:ext>
-          </a:extLst>
-        </p:spPr>
-      </p:pic>
-      <p:pic>
-        <p:nvPicPr>
-          <p:cNvPr id="18" name="Picture 17">
-            <a:extLst>
-              <a:ext uri="{FF2B5EF4-FFF2-40B4-BE49-F238E27FC236}">
-                <a16:creationId xmlns:a16="http://schemas.microsoft.com/office/drawing/2014/main" id="{8AD9FB9B-5F2F-7D5D-7873-6F87538DA056}"/>
-              </a:ext>
-            </a:extLst>
-          </p:cNvPr>
-          <p:cNvPicPr>
-            <a:picLocks noChangeAspect="1"/>
-          </p:cNvPicPr>
-          <p:nvPr/>
-        </p:nvPicPr>
-        <p:blipFill>
-          <a:blip r:embed="rId4"/>
-          <a:srcRect l="5098" t="6033" r="55743" b="9157"/>
-          <a:stretch/>
-        </p:blipFill>
-        <p:spPr>
-          <a:xfrm>
-            <a:off x="6138604" y="4228599"/>
-            <a:ext cx="806924" cy="1639041"/>
-          </a:xfrm>
-          <a:prstGeom prst="rect">
-            <a:avLst/>
-          </a:prstGeom>
-          <a:ln>
-            <a:solidFill>
-              <a:schemeClr val="tx1"/>
-            </a:solidFill>
-          </a:ln>
-        </p:spPr>
-      </p:pic>
-      <p:cxnSp>
-        <p:nvCxnSpPr>
-          <p:cNvPr id="9" name="Straight Connector 8">
-            <a:extLst>
-              <a:ext uri="{FF2B5EF4-FFF2-40B4-BE49-F238E27FC236}">
-                <a16:creationId xmlns:a16="http://schemas.microsoft.com/office/drawing/2014/main" id="{7FA0724E-FCA0-49FF-089B-75B477362269}"/>
-              </a:ext>
-            </a:extLst>
-          </p:cNvPr>
-          <p:cNvCxnSpPr>
-            <a:cxnSpLocks/>
-          </p:cNvCxnSpPr>
-          <p:nvPr/>
-        </p:nvCxnSpPr>
-        <p:spPr>
-          <a:xfrm flipH="1">
-            <a:off x="3489340" y="3463322"/>
-            <a:ext cx="2826972" cy="18594"/>
-          </a:xfrm>
-          <a:prstGeom prst="line">
-            <a:avLst/>
-          </a:prstGeom>
-          <a:ln>
-            <a:solidFill>
-              <a:schemeClr val="tx1"/>
-            </a:solidFill>
-          </a:ln>
-        </p:spPr>
-        <p:style>
-          <a:lnRef idx="2">
-            <a:schemeClr val="accent1"/>
-          </a:lnRef>
-          <a:fillRef idx="0">
-            <a:schemeClr val="accent1"/>
-          </a:fillRef>
-          <a:effectRef idx="1">
-            <a:schemeClr val="accent1"/>
-          </a:effectRef>
-          <a:fontRef idx="minor">
-            <a:schemeClr val="tx1"/>
-          </a:fontRef>
-        </p:style>
-      </p:cxnSp>
-      <p:sp>
-        <p:nvSpPr>
-          <p:cNvPr id="141" name="Rectangle 140">
-            <a:extLst>
-              <a:ext uri="{FF2B5EF4-FFF2-40B4-BE49-F238E27FC236}">
-                <a16:creationId xmlns:a16="http://schemas.microsoft.com/office/drawing/2014/main" id="{174539FA-1F00-D0F0-2D17-254F4BB98C33}"/>
-              </a:ext>
-            </a:extLst>
-          </p:cNvPr>
-          <p:cNvSpPr/>
-          <p:nvPr/>
-        </p:nvSpPr>
-        <p:spPr>
-          <a:xfrm>
-            <a:off x="2991957" y="523949"/>
-            <a:ext cx="5003079" cy="3356311"/>
-          </a:xfrm>
-          <a:prstGeom prst="rect">
-            <a:avLst/>
-          </a:prstGeom>
-          <a:noFill/>
-          <a:ln w="57150"/>
-        </p:spPr>
-        <p:style>
-          <a:lnRef idx="2">
-            <a:schemeClr val="accent1"/>
-          </a:lnRef>
-          <a:fillRef idx="1">
-            <a:schemeClr val="lt1"/>
-          </a:fillRef>
-          <a:effectRef idx="0">
-            <a:schemeClr val="accent1"/>
-          </a:effectRef>
-          <a:fontRef idx="minor">
-            <a:schemeClr val="dk1"/>
-          </a:fontRef>
-        </p:style>
-        <p:txBody>
-          <a:bodyPr rtlCol="0" anchor="ctr"/>
-          <a:lstStyle/>
-          <a:p>
-            <a:pPr algn="ctr"/>
-            <a:endParaRPr lang="en-US"/>
-          </a:p>
-        </p:txBody>
-      </p:sp>
-      <p:pic>
-        <p:nvPicPr>
-          <p:cNvPr id="13" name="Picture 12">
-            <a:extLst>
-              <a:ext uri="{FF2B5EF4-FFF2-40B4-BE49-F238E27FC236}">
-                <a16:creationId xmlns:a16="http://schemas.microsoft.com/office/drawing/2014/main" id="{A3276A8A-1E32-45C8-2E90-BD1BC67ADA87}"/>
-              </a:ext>
-            </a:extLst>
-          </p:cNvPr>
-          <p:cNvPicPr>
-            <a:picLocks noChangeAspect="1"/>
-          </p:cNvPicPr>
-          <p:nvPr/>
-        </p:nvPicPr>
-        <p:blipFill rotWithShape="1">
-          <a:blip r:embed="rId5"/>
-          <a:srcRect l="63762" t="27733" r="29427" b="58785"/>
-          <a:stretch/>
-        </p:blipFill>
-        <p:spPr>
-          <a:xfrm>
-            <a:off x="3666745" y="1751458"/>
-            <a:ext cx="551038" cy="698092"/>
-          </a:xfrm>
-          <a:prstGeom prst="rect">
-            <a:avLst/>
-          </a:prstGeom>
-          <a:ln>
-            <a:solidFill>
-              <a:schemeClr val="tx1"/>
-            </a:solidFill>
-          </a:ln>
-        </p:spPr>
-      </p:pic>
-      <p:sp>
-        <p:nvSpPr>
-          <p:cNvPr id="7" name="Rectangle 6">
-            <a:extLst>
-              <a:ext uri="{FF2B5EF4-FFF2-40B4-BE49-F238E27FC236}">
-                <a16:creationId xmlns:a16="http://schemas.microsoft.com/office/drawing/2014/main" id="{407683C0-640D-6CD3-5C9D-7F906E2F5FFC}"/>
-              </a:ext>
-            </a:extLst>
-          </p:cNvPr>
-          <p:cNvSpPr/>
-          <p:nvPr/>
-        </p:nvSpPr>
-        <p:spPr>
-          <a:xfrm>
-            <a:off x="4222266" y="4573283"/>
-            <a:ext cx="402336" cy="1280160"/>
-          </a:xfrm>
-          <a:prstGeom prst="rect">
-            <a:avLst/>
-          </a:prstGeom>
-        </p:spPr>
-        <p:style>
-          <a:lnRef idx="2">
-            <a:schemeClr val="dk1"/>
-          </a:lnRef>
-          <a:fillRef idx="1">
-            <a:schemeClr val="lt1"/>
-          </a:fillRef>
-          <a:effectRef idx="0">
-            <a:schemeClr val="dk1"/>
-          </a:effectRef>
-          <a:fontRef idx="minor">
-            <a:schemeClr val="dk1"/>
-          </a:fontRef>
-        </p:style>
-        <p:txBody>
-          <a:bodyPr rtlCol="0" anchor="ctr"/>
-          <a:lstStyle/>
-          <a:p>
-            <a:pPr algn="ctr"/>
-            <a:endParaRPr lang="en-US"/>
-          </a:p>
-        </p:txBody>
-      </p:sp>
-      <p:cxnSp>
-        <p:nvCxnSpPr>
-          <p:cNvPr id="10" name="Straight Connector 9">
-            <a:extLst>
-              <a:ext uri="{FF2B5EF4-FFF2-40B4-BE49-F238E27FC236}">
-                <a16:creationId xmlns:a16="http://schemas.microsoft.com/office/drawing/2014/main" id="{47275D74-0BEA-3EB6-E3D6-08CBDD99C61D}"/>
-              </a:ext>
-            </a:extLst>
-          </p:cNvPr>
-          <p:cNvCxnSpPr>
-            <a:cxnSpLocks/>
-          </p:cNvCxnSpPr>
-          <p:nvPr/>
-        </p:nvCxnSpPr>
-        <p:spPr>
-          <a:xfrm flipH="1">
-            <a:off x="3011151" y="1421277"/>
-            <a:ext cx="2752439" cy="0"/>
-          </a:xfrm>
-          <a:prstGeom prst="line">
-            <a:avLst/>
-          </a:prstGeom>
-          <a:ln>
-            <a:solidFill>
-              <a:srgbClr val="FF0000"/>
-            </a:solidFill>
-          </a:ln>
-        </p:spPr>
-        <p:style>
-          <a:lnRef idx="2">
-            <a:schemeClr val="accent1"/>
-          </a:lnRef>
-          <a:fillRef idx="0">
-            <a:schemeClr val="accent1"/>
-          </a:fillRef>
-          <a:effectRef idx="1">
-            <a:schemeClr val="accent1"/>
-          </a:effectRef>
-          <a:fontRef idx="minor">
-            <a:schemeClr val="tx1"/>
-          </a:fontRef>
-        </p:style>
-      </p:cxnSp>
-      <p:sp>
-        <p:nvSpPr>
-          <p:cNvPr id="12" name="Freeform: Shape 11">
-            <a:extLst>
-              <a:ext uri="{FF2B5EF4-FFF2-40B4-BE49-F238E27FC236}">
-                <a16:creationId xmlns:a16="http://schemas.microsoft.com/office/drawing/2014/main" id="{B0B02798-0516-1636-CFB9-F99BD34D84DF}"/>
-              </a:ext>
-            </a:extLst>
-          </p:cNvPr>
-          <p:cNvSpPr/>
-          <p:nvPr/>
-        </p:nvSpPr>
-        <p:spPr>
-          <a:xfrm>
-            <a:off x="4186902" y="3463322"/>
-            <a:ext cx="137626" cy="1133856"/>
-          </a:xfrm>
-          <a:custGeom>
-            <a:avLst/>
-            <a:gdLst>
-              <a:gd name="connsiteX0" fmla="*/ 137626 w 137626"/>
-              <a:gd name="connsiteY0" fmla="*/ 1133856 h 1133856"/>
-              <a:gd name="connsiteX1" fmla="*/ 3514 w 137626"/>
-              <a:gd name="connsiteY1" fmla="*/ 707136 h 1133856"/>
-              <a:gd name="connsiteX2" fmla="*/ 52282 w 137626"/>
-              <a:gd name="connsiteY2" fmla="*/ 0 h 1133856"/>
-            </a:gdLst>
-            <a:ahLst/>
-            <a:cxnLst>
-              <a:cxn ang="0">
-                <a:pos x="connsiteX0" y="connsiteY0"/>
-              </a:cxn>
-              <a:cxn ang="0">
-                <a:pos x="connsiteX1" y="connsiteY1"/>
-              </a:cxn>
-              <a:cxn ang="0">
-                <a:pos x="connsiteX2" y="connsiteY2"/>
-              </a:cxn>
-            </a:cxnLst>
-            <a:rect l="l" t="t" r="r" b="b"/>
-            <a:pathLst>
-              <a:path w="137626" h="1133856">
-                <a:moveTo>
-                  <a:pt x="137626" y="1133856"/>
-                </a:moveTo>
-                <a:cubicBezTo>
-                  <a:pt x="77682" y="1014984"/>
-                  <a:pt x="17738" y="896112"/>
-                  <a:pt x="3514" y="707136"/>
-                </a:cubicBezTo>
-                <a:cubicBezTo>
-                  <a:pt x="-10710" y="518160"/>
-                  <a:pt x="20786" y="259080"/>
-                  <a:pt x="52282" y="0"/>
-                </a:cubicBezTo>
-              </a:path>
-            </a:pathLst>
-          </a:custGeom>
-          <a:noFill/>
-        </p:spPr>
-        <p:style>
-          <a:lnRef idx="2">
-            <a:schemeClr val="accent1">
-              <a:shade val="15000"/>
-            </a:schemeClr>
-          </a:lnRef>
-          <a:fillRef idx="1">
-            <a:schemeClr val="accent1"/>
-          </a:fillRef>
-          <a:effectRef idx="0">
-            <a:schemeClr val="accent1"/>
-          </a:effectRef>
-          <a:fontRef idx="minor">
-            <a:schemeClr val="lt1"/>
-          </a:fontRef>
-        </p:style>
-        <p:txBody>
-          <a:bodyPr rtlCol="0" anchor="ctr"/>
-          <a:lstStyle/>
-          <a:p>
-            <a:pPr algn="ctr"/>
-            <a:endParaRPr lang="en-US"/>
-          </a:p>
-        </p:txBody>
-      </p:sp>
-      <p:cxnSp>
-        <p:nvCxnSpPr>
-          <p:cNvPr id="27" name="Straight Connector 26">
-            <a:extLst>
-              <a:ext uri="{FF2B5EF4-FFF2-40B4-BE49-F238E27FC236}">
-                <a16:creationId xmlns:a16="http://schemas.microsoft.com/office/drawing/2014/main" id="{235B7315-2829-EC30-1E2E-052D2409CF4D}"/>
-              </a:ext>
-            </a:extLst>
-          </p:cNvPr>
-          <p:cNvCxnSpPr>
-            <a:cxnSpLocks/>
-          </p:cNvCxnSpPr>
-          <p:nvPr/>
-        </p:nvCxnSpPr>
-        <p:spPr>
-          <a:xfrm>
-            <a:off x="5911723" y="3452531"/>
-            <a:ext cx="0" cy="2218186"/>
-          </a:xfrm>
-          <a:prstGeom prst="line">
-            <a:avLst/>
-          </a:prstGeom>
-        </p:spPr>
-        <p:style>
-          <a:lnRef idx="2">
-            <a:schemeClr val="dk1"/>
-          </a:lnRef>
-          <a:fillRef idx="0">
-            <a:schemeClr val="dk1"/>
-          </a:fillRef>
-          <a:effectRef idx="1">
-            <a:schemeClr val="dk1"/>
-          </a:effectRef>
-          <a:fontRef idx="minor">
-            <a:schemeClr val="tx1"/>
-          </a:fontRef>
-        </p:style>
-      </p:cxnSp>
-      <p:sp>
-        <p:nvSpPr>
-          <p:cNvPr id="33" name="Freeform: Shape 32">
-            <a:extLst>
-              <a:ext uri="{FF2B5EF4-FFF2-40B4-BE49-F238E27FC236}">
-                <a16:creationId xmlns:a16="http://schemas.microsoft.com/office/drawing/2014/main" id="{E03837F7-8ED6-61C1-D6EA-7859DF289A0E}"/>
-              </a:ext>
-            </a:extLst>
-          </p:cNvPr>
-          <p:cNvSpPr/>
-          <p:nvPr/>
-        </p:nvSpPr>
-        <p:spPr>
-          <a:xfrm>
-            <a:off x="4624162" y="3452531"/>
-            <a:ext cx="450226" cy="1097280"/>
-          </a:xfrm>
-          <a:custGeom>
-            <a:avLst/>
-            <a:gdLst>
-              <a:gd name="connsiteX0" fmla="*/ 0 w 1214299"/>
-              <a:gd name="connsiteY0" fmla="*/ 704787 h 704787"/>
-              <a:gd name="connsiteX1" fmla="*/ 158496 w 1214299"/>
-              <a:gd name="connsiteY1" fmla="*/ 448755 h 704787"/>
-              <a:gd name="connsiteX2" fmla="*/ 853440 w 1214299"/>
-              <a:gd name="connsiteY2" fmla="*/ 485331 h 704787"/>
-              <a:gd name="connsiteX3" fmla="*/ 1182624 w 1214299"/>
-              <a:gd name="connsiteY3" fmla="*/ 46419 h 704787"/>
-              <a:gd name="connsiteX4" fmla="*/ 1182624 w 1214299"/>
-              <a:gd name="connsiteY4" fmla="*/ 34227 h 704787"/>
-            </a:gdLst>
-            <a:ahLst/>
-            <a:cxnLst>
-              <a:cxn ang="0">
-                <a:pos x="connsiteX0" y="connsiteY0"/>
-              </a:cxn>
-              <a:cxn ang="0">
-                <a:pos x="connsiteX1" y="connsiteY1"/>
-              </a:cxn>
-              <a:cxn ang="0">
-                <a:pos x="connsiteX2" y="connsiteY2"/>
-              </a:cxn>
-              <a:cxn ang="0">
-                <a:pos x="connsiteX3" y="connsiteY3"/>
-              </a:cxn>
-              <a:cxn ang="0">
-                <a:pos x="connsiteX4" y="connsiteY4"/>
-              </a:cxn>
-            </a:cxnLst>
-            <a:rect l="l" t="t" r="r" b="b"/>
-            <a:pathLst>
-              <a:path w="1214299" h="704787">
-                <a:moveTo>
-                  <a:pt x="0" y="704787"/>
-                </a:moveTo>
-                <a:cubicBezTo>
-                  <a:pt x="8128" y="595059"/>
-                  <a:pt x="16256" y="485331"/>
-                  <a:pt x="158496" y="448755"/>
-                </a:cubicBezTo>
-                <a:cubicBezTo>
-                  <a:pt x="300736" y="412179"/>
-                  <a:pt x="682752" y="552387"/>
-                  <a:pt x="853440" y="485331"/>
-                </a:cubicBezTo>
-                <a:cubicBezTo>
-                  <a:pt x="1024128" y="418275"/>
-                  <a:pt x="1127760" y="121603"/>
-                  <a:pt x="1182624" y="46419"/>
-                </a:cubicBezTo>
-                <a:cubicBezTo>
-                  <a:pt x="1237488" y="-28765"/>
-                  <a:pt x="1210056" y="2731"/>
-                  <a:pt x="1182624" y="34227"/>
-                </a:cubicBezTo>
-              </a:path>
-            </a:pathLst>
-          </a:custGeom>
-          <a:noFill/>
-        </p:spPr>
-        <p:style>
-          <a:lnRef idx="2">
-            <a:schemeClr val="accent1">
-              <a:shade val="15000"/>
-            </a:schemeClr>
-          </a:lnRef>
-          <a:fillRef idx="1">
-            <a:schemeClr val="accent1"/>
-          </a:fillRef>
-          <a:effectRef idx="0">
-            <a:schemeClr val="accent1"/>
-          </a:effectRef>
-          <a:fontRef idx="minor">
-            <a:schemeClr val="lt1"/>
-          </a:fontRef>
-        </p:style>
-        <p:txBody>
-          <a:bodyPr rtlCol="0" anchor="ctr"/>
-          <a:lstStyle/>
-          <a:p>
-            <a:pPr algn="ctr"/>
-            <a:endParaRPr lang="en-US"/>
-          </a:p>
-        </p:txBody>
-      </p:sp>
-      <p:cxnSp>
-        <p:nvCxnSpPr>
-          <p:cNvPr id="37" name="Connector: Elbow 36">
-            <a:extLst>
-              <a:ext uri="{FF2B5EF4-FFF2-40B4-BE49-F238E27FC236}">
-                <a16:creationId xmlns:a16="http://schemas.microsoft.com/office/drawing/2014/main" id="{5B24157D-9B96-46D7-A179-65D83199A34F}"/>
-              </a:ext>
-            </a:extLst>
-          </p:cNvPr>
-          <p:cNvCxnSpPr>
-            <a:cxnSpLocks/>
-          </p:cNvCxnSpPr>
-          <p:nvPr/>
-        </p:nvCxnSpPr>
-        <p:spPr>
-          <a:xfrm rot="16200000" flipV="1">
-            <a:off x="2383621" y="2363339"/>
-            <a:ext cx="1733250" cy="478188"/>
-          </a:xfrm>
-          <a:prstGeom prst="bentConnector3">
-            <a:avLst>
-              <a:gd name="adj1" fmla="val 103398"/>
-            </a:avLst>
-          </a:prstGeom>
-        </p:spPr>
-        <p:style>
-          <a:lnRef idx="2">
-            <a:schemeClr val="dk1"/>
-          </a:lnRef>
-          <a:fillRef idx="0">
-            <a:schemeClr val="dk1"/>
-          </a:fillRef>
-          <a:effectRef idx="1">
-            <a:schemeClr val="dk1"/>
-          </a:effectRef>
-          <a:fontRef idx="minor">
-            <a:schemeClr val="tx1"/>
-          </a:fontRef>
-        </p:style>
-      </p:cxnSp>
-      <p:sp>
-        <p:nvSpPr>
-          <p:cNvPr id="41" name="Rectangle 40">
-            <a:extLst>
-              <a:ext uri="{FF2B5EF4-FFF2-40B4-BE49-F238E27FC236}">
-                <a16:creationId xmlns:a16="http://schemas.microsoft.com/office/drawing/2014/main" id="{52DFF9BC-6751-D335-1FF3-FC5E54BDF7AD}"/>
-              </a:ext>
-            </a:extLst>
-          </p:cNvPr>
-          <p:cNvSpPr/>
-          <p:nvPr/>
-        </p:nvSpPr>
-        <p:spPr>
-          <a:xfrm rot="16200000">
-            <a:off x="2874680" y="1551097"/>
-            <a:ext cx="591410" cy="111402"/>
-          </a:xfrm>
-          <a:prstGeom prst="rect">
-            <a:avLst/>
-          </a:prstGeom>
-          <a:solidFill>
-            <a:schemeClr val="accent3">
-              <a:lumMod val="40000"/>
-              <a:lumOff val="60000"/>
-            </a:schemeClr>
-          </a:solidFill>
-        </p:spPr>
-        <p:style>
-          <a:lnRef idx="2">
-            <a:schemeClr val="accent1"/>
-          </a:lnRef>
-          <a:fillRef idx="1">
-            <a:schemeClr val="lt1"/>
-          </a:fillRef>
-          <a:effectRef idx="0">
-            <a:schemeClr val="accent1"/>
-          </a:effectRef>
-          <a:fontRef idx="minor">
-            <a:schemeClr val="dk1"/>
-          </a:fontRef>
-        </p:style>
-        <p:txBody>
-          <a:bodyPr rtlCol="0" anchor="ctr"/>
-          <a:lstStyle/>
-          <a:p>
-            <a:pPr algn="ctr"/>
-            <a:endParaRPr lang="en-US"/>
-          </a:p>
-        </p:txBody>
-      </p:sp>
-      <p:cxnSp>
-        <p:nvCxnSpPr>
-          <p:cNvPr id="122" name="Straight Connector 121">
-            <a:extLst>
-              <a:ext uri="{FF2B5EF4-FFF2-40B4-BE49-F238E27FC236}">
-                <a16:creationId xmlns:a16="http://schemas.microsoft.com/office/drawing/2014/main" id="{6687C1A2-A4C6-0256-11AF-AB7E859A8F70}"/>
-              </a:ext>
-            </a:extLst>
-          </p:cNvPr>
-          <p:cNvCxnSpPr/>
-          <p:nvPr/>
-        </p:nvCxnSpPr>
-        <p:spPr>
-          <a:xfrm flipH="1">
-            <a:off x="5911723" y="4814322"/>
-            <a:ext cx="246634" cy="0"/>
-          </a:xfrm>
-          <a:prstGeom prst="line">
-            <a:avLst/>
-          </a:prstGeom>
-        </p:spPr>
-        <p:style>
-          <a:lnRef idx="2">
-            <a:schemeClr val="dk1"/>
-          </a:lnRef>
-          <a:fillRef idx="0">
-            <a:schemeClr val="dk1"/>
-          </a:fillRef>
-          <a:effectRef idx="1">
-            <a:schemeClr val="dk1"/>
-          </a:effectRef>
-          <a:fontRef idx="minor">
-            <a:schemeClr val="tx1"/>
-          </a:fontRef>
-        </p:style>
-      </p:cxnSp>
-      <p:cxnSp>
-        <p:nvCxnSpPr>
-          <p:cNvPr id="123" name="Straight Connector 122">
-            <a:extLst>
-              <a:ext uri="{FF2B5EF4-FFF2-40B4-BE49-F238E27FC236}">
-                <a16:creationId xmlns:a16="http://schemas.microsoft.com/office/drawing/2014/main" id="{20756254-E288-45F0-2474-2490290936D9}"/>
-              </a:ext>
-            </a:extLst>
-          </p:cNvPr>
-          <p:cNvCxnSpPr>
-            <a:cxnSpLocks/>
-          </p:cNvCxnSpPr>
-          <p:nvPr/>
-        </p:nvCxnSpPr>
-        <p:spPr>
-          <a:xfrm flipH="1">
-            <a:off x="5910017" y="5590130"/>
-            <a:ext cx="289949" cy="15487"/>
-          </a:xfrm>
-          <a:prstGeom prst="line">
-            <a:avLst/>
-          </a:prstGeom>
-        </p:spPr>
-        <p:style>
-          <a:lnRef idx="2">
-            <a:schemeClr val="dk1"/>
-          </a:lnRef>
-          <a:fillRef idx="0">
-            <a:schemeClr val="dk1"/>
-          </a:fillRef>
-          <a:effectRef idx="1">
-            <a:schemeClr val="dk1"/>
-          </a:effectRef>
-          <a:fontRef idx="minor">
-            <a:schemeClr val="tx1"/>
-          </a:fontRef>
-        </p:style>
-      </p:cxnSp>
-      <p:sp>
-        <p:nvSpPr>
-          <p:cNvPr id="126" name="Rectangle 125">
-            <a:extLst>
-              <a:ext uri="{FF2B5EF4-FFF2-40B4-BE49-F238E27FC236}">
-                <a16:creationId xmlns:a16="http://schemas.microsoft.com/office/drawing/2014/main" id="{28C883AD-2E2D-88C5-B65B-3AAC4B7EA0CC}"/>
-              </a:ext>
-            </a:extLst>
-          </p:cNvPr>
-          <p:cNvSpPr/>
-          <p:nvPr/>
-        </p:nvSpPr>
-        <p:spPr>
-          <a:xfrm>
-            <a:off x="3969322" y="4415295"/>
-            <a:ext cx="1036587" cy="85657"/>
-          </a:xfrm>
-          <a:prstGeom prst="rect">
-            <a:avLst/>
-          </a:prstGeom>
-        </p:spPr>
-        <p:style>
-          <a:lnRef idx="2">
-            <a:schemeClr val="accent1"/>
-          </a:lnRef>
-          <a:fillRef idx="1">
-            <a:schemeClr val="lt1"/>
-          </a:fillRef>
-          <a:effectRef idx="0">
-            <a:schemeClr val="accent1"/>
-          </a:effectRef>
-          <a:fontRef idx="minor">
-            <a:schemeClr val="dk1"/>
-          </a:fontRef>
-        </p:style>
-        <p:txBody>
-          <a:bodyPr rtlCol="0" anchor="ctr"/>
-          <a:lstStyle/>
-          <a:p>
-            <a:pPr algn="ctr"/>
-            <a:endParaRPr lang="en-US"/>
-          </a:p>
-        </p:txBody>
-      </p:sp>
-      <p:sp>
-        <p:nvSpPr>
-          <p:cNvPr id="127" name="Freeform: Shape 126">
-            <a:extLst>
-              <a:ext uri="{FF2B5EF4-FFF2-40B4-BE49-F238E27FC236}">
-                <a16:creationId xmlns:a16="http://schemas.microsoft.com/office/drawing/2014/main" id="{B9589D9A-026F-2E58-9D03-29F1B4C4BFEC}"/>
-              </a:ext>
-            </a:extLst>
-          </p:cNvPr>
-          <p:cNvSpPr/>
-          <p:nvPr/>
-        </p:nvSpPr>
-        <p:spPr>
-          <a:xfrm>
-            <a:off x="3998464" y="2473022"/>
-            <a:ext cx="373971" cy="2112453"/>
-          </a:xfrm>
-          <a:custGeom>
-            <a:avLst/>
-            <a:gdLst>
-              <a:gd name="connsiteX0" fmla="*/ 8212 w 403839"/>
-              <a:gd name="connsiteY0" fmla="*/ 0 h 1865376"/>
-              <a:gd name="connsiteX1" fmla="*/ 8212 w 403839"/>
-              <a:gd name="connsiteY1" fmla="*/ 60960 h 1865376"/>
-              <a:gd name="connsiteX2" fmla="*/ 93556 w 403839"/>
-              <a:gd name="connsiteY2" fmla="*/ 316992 h 1865376"/>
-              <a:gd name="connsiteX3" fmla="*/ 386164 w 403839"/>
-              <a:gd name="connsiteY3" fmla="*/ 609600 h 1865376"/>
-              <a:gd name="connsiteX4" fmla="*/ 373972 w 403839"/>
-              <a:gd name="connsiteY4" fmla="*/ 1255776 h 1865376"/>
-              <a:gd name="connsiteX5" fmla="*/ 398356 w 403839"/>
-              <a:gd name="connsiteY5" fmla="*/ 1865376 h 1865376"/>
-            </a:gdLst>
-            <a:ahLst/>
-            <a:cxnLst>
-              <a:cxn ang="0">
-                <a:pos x="connsiteX0" y="connsiteY0"/>
-              </a:cxn>
-              <a:cxn ang="0">
-                <a:pos x="connsiteX1" y="connsiteY1"/>
-              </a:cxn>
-              <a:cxn ang="0">
-                <a:pos x="connsiteX2" y="connsiteY2"/>
-              </a:cxn>
-              <a:cxn ang="0">
-                <a:pos x="connsiteX3" y="connsiteY3"/>
-              </a:cxn>
-              <a:cxn ang="0">
-                <a:pos x="connsiteX4" y="connsiteY4"/>
-              </a:cxn>
-              <a:cxn ang="0">
-                <a:pos x="connsiteX5" y="connsiteY5"/>
-              </a:cxn>
-            </a:cxnLst>
-            <a:rect l="l" t="t" r="r" b="b"/>
-            <a:pathLst>
-              <a:path w="403839" h="1865376">
-                <a:moveTo>
-                  <a:pt x="8212" y="0"/>
-                </a:moveTo>
-                <a:cubicBezTo>
-                  <a:pt x="1100" y="4064"/>
-                  <a:pt x="-6012" y="8128"/>
-                  <a:pt x="8212" y="60960"/>
-                </a:cubicBezTo>
-                <a:cubicBezTo>
-                  <a:pt x="22436" y="113792"/>
-                  <a:pt x="30564" y="225552"/>
-                  <a:pt x="93556" y="316992"/>
-                </a:cubicBezTo>
-                <a:cubicBezTo>
-                  <a:pt x="156548" y="408432"/>
-                  <a:pt x="339428" y="453136"/>
-                  <a:pt x="386164" y="609600"/>
-                </a:cubicBezTo>
-                <a:cubicBezTo>
-                  <a:pt x="432900" y="766064"/>
-                  <a:pt x="371940" y="1046480"/>
-                  <a:pt x="373972" y="1255776"/>
-                </a:cubicBezTo>
-                <a:cubicBezTo>
-                  <a:pt x="376004" y="1465072"/>
-                  <a:pt x="387180" y="1665224"/>
-                  <a:pt x="398356" y="1865376"/>
-                </a:cubicBezTo>
-              </a:path>
-            </a:pathLst>
-          </a:custGeom>
-        </p:spPr>
-        <p:style>
-          <a:lnRef idx="1">
-            <a:schemeClr val="accent4"/>
-          </a:lnRef>
-          <a:fillRef idx="0">
-            <a:schemeClr val="accent4"/>
-          </a:fillRef>
-          <a:effectRef idx="0">
-            <a:schemeClr val="accent4"/>
-          </a:effectRef>
-          <a:fontRef idx="minor">
-            <a:schemeClr val="tx1"/>
-          </a:fontRef>
-        </p:style>
-        <p:txBody>
-          <a:bodyPr rtlCol="0" anchor="ctr"/>
-          <a:lstStyle/>
-          <a:p>
-            <a:pPr algn="ctr"/>
-            <a:endParaRPr lang="en-US"/>
-          </a:p>
-        </p:txBody>
-      </p:sp>
-      <p:sp>
-        <p:nvSpPr>
-          <p:cNvPr id="128" name="Freeform: Shape 127">
-            <a:extLst>
-              <a:ext uri="{FF2B5EF4-FFF2-40B4-BE49-F238E27FC236}">
-                <a16:creationId xmlns:a16="http://schemas.microsoft.com/office/drawing/2014/main" id="{8FCFF8D1-50DC-6828-7B20-B1847CB7C66F}"/>
-              </a:ext>
-            </a:extLst>
-          </p:cNvPr>
-          <p:cNvSpPr/>
-          <p:nvPr/>
-        </p:nvSpPr>
-        <p:spPr>
-          <a:xfrm>
-            <a:off x="4372436" y="3226026"/>
-            <a:ext cx="1910722" cy="2128120"/>
-          </a:xfrm>
-          <a:custGeom>
-            <a:avLst/>
-            <a:gdLst>
-              <a:gd name="connsiteX0" fmla="*/ 0 w 1910722"/>
-              <a:gd name="connsiteY0" fmla="*/ 18329 h 2128120"/>
-              <a:gd name="connsiteX1" fmla="*/ 646176 w 1910722"/>
-              <a:gd name="connsiteY1" fmla="*/ 6137 h 2128120"/>
-              <a:gd name="connsiteX2" fmla="*/ 1182624 w 1910722"/>
-              <a:gd name="connsiteY2" fmla="*/ 103673 h 2128120"/>
-              <a:gd name="connsiteX3" fmla="*/ 1060704 w 1910722"/>
-              <a:gd name="connsiteY3" fmla="*/ 664505 h 2128120"/>
-              <a:gd name="connsiteX4" fmla="*/ 1011936 w 1910722"/>
-              <a:gd name="connsiteY4" fmla="*/ 1615481 h 2128120"/>
-              <a:gd name="connsiteX5" fmla="*/ 1133856 w 1910722"/>
-              <a:gd name="connsiteY5" fmla="*/ 2103161 h 2128120"/>
-              <a:gd name="connsiteX6" fmla="*/ 1853184 w 1910722"/>
-              <a:gd name="connsiteY6" fmla="*/ 2054393 h 2128120"/>
-              <a:gd name="connsiteX7" fmla="*/ 1865376 w 1910722"/>
-              <a:gd name="connsiteY7" fmla="*/ 2030009 h 2128120"/>
-              <a:gd name="connsiteX8" fmla="*/ 1865376 w 1910722"/>
-              <a:gd name="connsiteY8" fmla="*/ 2030009 h 2128120"/>
-              <a:gd name="connsiteX9" fmla="*/ 1804416 w 1910722"/>
-              <a:gd name="connsiteY9" fmla="*/ 2005625 h 2128120"/>
-            </a:gdLst>
-            <a:ahLst/>
-            <a:cxnLst>
-              <a:cxn ang="0">
-                <a:pos x="connsiteX0" y="connsiteY0"/>
-              </a:cxn>
-              <a:cxn ang="0">
-                <a:pos x="connsiteX1" y="connsiteY1"/>
-              </a:cxn>
-              <a:cxn ang="0">
-                <a:pos x="connsiteX2" y="connsiteY2"/>
-              </a:cxn>
-              <a:cxn ang="0">
-                <a:pos x="connsiteX3" y="connsiteY3"/>
-              </a:cxn>
-              <a:cxn ang="0">
-                <a:pos x="connsiteX4" y="connsiteY4"/>
-              </a:cxn>
-              <a:cxn ang="0">
-                <a:pos x="connsiteX5" y="connsiteY5"/>
-              </a:cxn>
-              <a:cxn ang="0">
-                <a:pos x="connsiteX6" y="connsiteY6"/>
-              </a:cxn>
-              <a:cxn ang="0">
-                <a:pos x="connsiteX7" y="connsiteY7"/>
-              </a:cxn>
-              <a:cxn ang="0">
-                <a:pos x="connsiteX8" y="connsiteY8"/>
-              </a:cxn>
-              <a:cxn ang="0">
-                <a:pos x="connsiteX9" y="connsiteY9"/>
-              </a:cxn>
-            </a:cxnLst>
-            <a:rect l="l" t="t" r="r" b="b"/>
-            <a:pathLst>
-              <a:path w="1910722" h="2128120">
-                <a:moveTo>
-                  <a:pt x="0" y="18329"/>
-                </a:moveTo>
-                <a:cubicBezTo>
-                  <a:pt x="224536" y="5121"/>
-                  <a:pt x="449072" y="-8087"/>
-                  <a:pt x="646176" y="6137"/>
-                </a:cubicBezTo>
-                <a:cubicBezTo>
-                  <a:pt x="843280" y="20361"/>
-                  <a:pt x="1113536" y="-6055"/>
-                  <a:pt x="1182624" y="103673"/>
-                </a:cubicBezTo>
-                <a:cubicBezTo>
-                  <a:pt x="1251712" y="213401"/>
-                  <a:pt x="1089152" y="412537"/>
-                  <a:pt x="1060704" y="664505"/>
-                </a:cubicBezTo>
-                <a:cubicBezTo>
-                  <a:pt x="1032256" y="916473"/>
-                  <a:pt x="999744" y="1375705"/>
-                  <a:pt x="1011936" y="1615481"/>
-                </a:cubicBezTo>
-                <a:cubicBezTo>
-                  <a:pt x="1024128" y="1855257"/>
-                  <a:pt x="993648" y="2030009"/>
-                  <a:pt x="1133856" y="2103161"/>
-                </a:cubicBezTo>
-                <a:cubicBezTo>
-                  <a:pt x="1274064" y="2176313"/>
-                  <a:pt x="1731264" y="2066585"/>
-                  <a:pt x="1853184" y="2054393"/>
-                </a:cubicBezTo>
-                <a:cubicBezTo>
-                  <a:pt x="1975104" y="2042201"/>
-                  <a:pt x="1865376" y="2030009"/>
-                  <a:pt x="1865376" y="2030009"/>
-                </a:cubicBezTo>
-                <a:lnTo>
-                  <a:pt x="1865376" y="2030009"/>
-                </a:lnTo>
-                <a:lnTo>
-                  <a:pt x="1804416" y="2005625"/>
-                </a:lnTo>
-              </a:path>
-            </a:pathLst>
-          </a:custGeom>
-        </p:spPr>
-        <p:style>
-          <a:lnRef idx="1">
-            <a:schemeClr val="accent4"/>
-          </a:lnRef>
-          <a:fillRef idx="0">
-            <a:schemeClr val="accent4"/>
-          </a:fillRef>
-          <a:effectRef idx="0">
-            <a:schemeClr val="accent4"/>
-          </a:effectRef>
-          <a:fontRef idx="minor">
-            <a:schemeClr val="tx1"/>
-          </a:fontRef>
-        </p:style>
-        <p:txBody>
-          <a:bodyPr rtlCol="0" anchor="ctr"/>
-          <a:lstStyle/>
-          <a:p>
-            <a:pPr algn="ctr"/>
-            <a:endParaRPr lang="en-US"/>
-          </a:p>
-        </p:txBody>
-      </p:sp>
-      <p:sp>
-        <p:nvSpPr>
-          <p:cNvPr id="129" name="Freeform: Shape 128">
-            <a:extLst>
-              <a:ext uri="{FF2B5EF4-FFF2-40B4-BE49-F238E27FC236}">
-                <a16:creationId xmlns:a16="http://schemas.microsoft.com/office/drawing/2014/main" id="{6AE99D9E-F972-5E61-57B0-6B73255B650D}"/>
-              </a:ext>
-            </a:extLst>
-          </p:cNvPr>
-          <p:cNvSpPr/>
-          <p:nvPr/>
-        </p:nvSpPr>
-        <p:spPr>
-          <a:xfrm>
-            <a:off x="4542214" y="2457573"/>
-            <a:ext cx="903439" cy="2091326"/>
-          </a:xfrm>
-          <a:custGeom>
-            <a:avLst/>
-            <a:gdLst>
-              <a:gd name="connsiteX0" fmla="*/ 890926 w 903439"/>
-              <a:gd name="connsiteY0" fmla="*/ 0 h 1755648"/>
-              <a:gd name="connsiteX1" fmla="*/ 829966 w 903439"/>
-              <a:gd name="connsiteY1" fmla="*/ 292608 h 1755648"/>
-              <a:gd name="connsiteX2" fmla="*/ 330094 w 903439"/>
-              <a:gd name="connsiteY2" fmla="*/ 548640 h 1755648"/>
-              <a:gd name="connsiteX3" fmla="*/ 37486 w 903439"/>
-              <a:gd name="connsiteY3" fmla="*/ 1243584 h 1755648"/>
-              <a:gd name="connsiteX4" fmla="*/ 13102 w 903439"/>
-              <a:gd name="connsiteY4" fmla="*/ 1755648 h 1755648"/>
-            </a:gdLst>
-            <a:ahLst/>
-            <a:cxnLst>
-              <a:cxn ang="0">
-                <a:pos x="connsiteX0" y="connsiteY0"/>
-              </a:cxn>
-              <a:cxn ang="0">
-                <a:pos x="connsiteX1" y="connsiteY1"/>
-              </a:cxn>
-              <a:cxn ang="0">
-                <a:pos x="connsiteX2" y="connsiteY2"/>
-              </a:cxn>
-              <a:cxn ang="0">
-                <a:pos x="connsiteX3" y="connsiteY3"/>
-              </a:cxn>
-              <a:cxn ang="0">
-                <a:pos x="connsiteX4" y="connsiteY4"/>
-              </a:cxn>
-            </a:cxnLst>
-            <a:rect l="l" t="t" r="r" b="b"/>
-            <a:pathLst>
-              <a:path w="903439" h="1755648">
-                <a:moveTo>
-                  <a:pt x="890926" y="0"/>
-                </a:moveTo>
-                <a:cubicBezTo>
-                  <a:pt x="907182" y="100584"/>
-                  <a:pt x="923438" y="201168"/>
-                  <a:pt x="829966" y="292608"/>
-                </a:cubicBezTo>
-                <a:cubicBezTo>
-                  <a:pt x="736494" y="384048"/>
-                  <a:pt x="462174" y="390144"/>
-                  <a:pt x="330094" y="548640"/>
-                </a:cubicBezTo>
-                <a:cubicBezTo>
-                  <a:pt x="198014" y="707136"/>
-                  <a:pt x="90318" y="1042416"/>
-                  <a:pt x="37486" y="1243584"/>
-                </a:cubicBezTo>
-                <a:cubicBezTo>
-                  <a:pt x="-15346" y="1444752"/>
-                  <a:pt x="-1122" y="1600200"/>
-                  <a:pt x="13102" y="1755648"/>
-                </a:cubicBezTo>
-              </a:path>
-            </a:pathLst>
-          </a:custGeom>
-          <a:noFill/>
-          <a:ln>
-            <a:solidFill>
-              <a:srgbClr val="FFC000"/>
-            </a:solidFill>
-          </a:ln>
-        </p:spPr>
-        <p:style>
-          <a:lnRef idx="2">
-            <a:schemeClr val="accent1">
-              <a:shade val="15000"/>
-            </a:schemeClr>
-          </a:lnRef>
-          <a:fillRef idx="1">
-            <a:schemeClr val="accent1"/>
-          </a:fillRef>
-          <a:effectRef idx="0">
-            <a:schemeClr val="accent1"/>
-          </a:effectRef>
-          <a:fontRef idx="minor">
-            <a:schemeClr val="lt1"/>
-          </a:fontRef>
-        </p:style>
-        <p:txBody>
-          <a:bodyPr rtlCol="0" anchor="ctr"/>
-          <a:lstStyle/>
-          <a:p>
-            <a:pPr algn="ctr"/>
-            <a:endParaRPr lang="en-US"/>
-          </a:p>
-        </p:txBody>
-      </p:sp>
-      <p:sp>
-        <p:nvSpPr>
-          <p:cNvPr id="130" name="Freeform: Shape 129">
-            <a:extLst>
-              <a:ext uri="{FF2B5EF4-FFF2-40B4-BE49-F238E27FC236}">
-                <a16:creationId xmlns:a16="http://schemas.microsoft.com/office/drawing/2014/main" id="{07186AF4-C6A6-A809-2B6C-D729963E19A3}"/>
-              </a:ext>
-            </a:extLst>
-          </p:cNvPr>
-          <p:cNvSpPr/>
-          <p:nvPr/>
-        </p:nvSpPr>
-        <p:spPr>
-          <a:xfrm>
-            <a:off x="5148991" y="2913645"/>
-            <a:ext cx="1128038" cy="1557458"/>
-          </a:xfrm>
-          <a:custGeom>
-            <a:avLst/>
-            <a:gdLst>
-              <a:gd name="connsiteX0" fmla="*/ 0 w 743712"/>
-              <a:gd name="connsiteY0" fmla="*/ 0 h 1536192"/>
-              <a:gd name="connsiteX1" fmla="*/ 329184 w 743712"/>
-              <a:gd name="connsiteY1" fmla="*/ 219456 h 1536192"/>
-              <a:gd name="connsiteX2" fmla="*/ 280416 w 743712"/>
-              <a:gd name="connsiteY2" fmla="*/ 1109472 h 1536192"/>
-              <a:gd name="connsiteX3" fmla="*/ 268224 w 743712"/>
-              <a:gd name="connsiteY3" fmla="*/ 1463040 h 1536192"/>
-              <a:gd name="connsiteX4" fmla="*/ 743712 w 743712"/>
-              <a:gd name="connsiteY4" fmla="*/ 1536192 h 1536192"/>
-              <a:gd name="connsiteX0" fmla="*/ 0 w 1176021"/>
-              <a:gd name="connsiteY0" fmla="*/ 0 h 1557458"/>
-              <a:gd name="connsiteX1" fmla="*/ 761493 w 1176021"/>
-              <a:gd name="connsiteY1" fmla="*/ 240722 h 1557458"/>
-              <a:gd name="connsiteX2" fmla="*/ 712725 w 1176021"/>
-              <a:gd name="connsiteY2" fmla="*/ 1130738 h 1557458"/>
-              <a:gd name="connsiteX3" fmla="*/ 700533 w 1176021"/>
-              <a:gd name="connsiteY3" fmla="*/ 1484306 h 1557458"/>
-              <a:gd name="connsiteX4" fmla="*/ 1176021 w 1176021"/>
-              <a:gd name="connsiteY4" fmla="*/ 1557458 h 1557458"/>
-            </a:gdLst>
-            <a:ahLst/>
-            <a:cxnLst>
-              <a:cxn ang="0">
-                <a:pos x="connsiteX0" y="connsiteY0"/>
-              </a:cxn>
-              <a:cxn ang="0">
-                <a:pos x="connsiteX1" y="connsiteY1"/>
-              </a:cxn>
-              <a:cxn ang="0">
-                <a:pos x="connsiteX2" y="connsiteY2"/>
-              </a:cxn>
-              <a:cxn ang="0">
-                <a:pos x="connsiteX3" y="connsiteY3"/>
-              </a:cxn>
-              <a:cxn ang="0">
-                <a:pos x="connsiteX4" y="connsiteY4"/>
-              </a:cxn>
-            </a:cxnLst>
-            <a:rect l="l" t="t" r="r" b="b"/>
-            <a:pathLst>
-              <a:path w="1176021" h="1557458">
-                <a:moveTo>
-                  <a:pt x="0" y="0"/>
-                </a:moveTo>
-                <a:cubicBezTo>
-                  <a:pt x="141224" y="17272"/>
-                  <a:pt x="642706" y="52266"/>
-                  <a:pt x="761493" y="240722"/>
-                </a:cubicBezTo>
-                <a:cubicBezTo>
-                  <a:pt x="880281" y="429178"/>
-                  <a:pt x="722885" y="923474"/>
-                  <a:pt x="712725" y="1130738"/>
-                </a:cubicBezTo>
-                <a:cubicBezTo>
-                  <a:pt x="702565" y="1338002"/>
-                  <a:pt x="623317" y="1413186"/>
-                  <a:pt x="700533" y="1484306"/>
-                </a:cubicBezTo>
-                <a:cubicBezTo>
-                  <a:pt x="777749" y="1555426"/>
-                  <a:pt x="976885" y="1556442"/>
-                  <a:pt x="1176021" y="1557458"/>
-                </a:cubicBezTo>
-              </a:path>
-            </a:pathLst>
-          </a:custGeom>
-          <a:noFill/>
-          <a:ln>
-            <a:solidFill>
-              <a:srgbClr val="FFC000"/>
-            </a:solidFill>
-          </a:ln>
-        </p:spPr>
-        <p:style>
-          <a:lnRef idx="2">
-            <a:schemeClr val="accent1">
-              <a:shade val="15000"/>
-            </a:schemeClr>
-          </a:lnRef>
-          <a:fillRef idx="1">
-            <a:schemeClr val="accent1"/>
-          </a:fillRef>
-          <a:effectRef idx="0">
-            <a:schemeClr val="accent1"/>
-          </a:effectRef>
-          <a:fontRef idx="minor">
-            <a:schemeClr val="lt1"/>
-          </a:fontRef>
-        </p:style>
-        <p:txBody>
-          <a:bodyPr rtlCol="0" anchor="ctr"/>
-          <a:lstStyle/>
-          <a:p>
-            <a:pPr algn="ctr"/>
-            <a:endParaRPr lang="en-US" dirty="0"/>
-          </a:p>
-        </p:txBody>
-      </p:sp>
-      <p:cxnSp>
-        <p:nvCxnSpPr>
-          <p:cNvPr id="132" name="Straight Connector 131">
-            <a:extLst>
-              <a:ext uri="{FF2B5EF4-FFF2-40B4-BE49-F238E27FC236}">
-                <a16:creationId xmlns:a16="http://schemas.microsoft.com/office/drawing/2014/main" id="{59A91F2A-8266-9DBE-4347-25447E05E78E}"/>
-              </a:ext>
-            </a:extLst>
-          </p:cNvPr>
-          <p:cNvCxnSpPr>
-            <a:cxnSpLocks/>
-          </p:cNvCxnSpPr>
-          <p:nvPr/>
-        </p:nvCxnSpPr>
-        <p:spPr>
-          <a:xfrm>
-            <a:off x="6316312" y="3445350"/>
-            <a:ext cx="0" cy="761631"/>
-          </a:xfrm>
-          <a:prstGeom prst="line">
-            <a:avLst/>
-          </a:prstGeom>
-        </p:spPr>
-        <p:style>
-          <a:lnRef idx="2">
-            <a:schemeClr val="dk1"/>
-          </a:lnRef>
-          <a:fillRef idx="0">
-            <a:schemeClr val="dk1"/>
-          </a:fillRef>
-          <a:effectRef idx="1">
-            <a:schemeClr val="dk1"/>
-          </a:effectRef>
-          <a:fontRef idx="minor">
-            <a:schemeClr val="tx1"/>
-          </a:fontRef>
-        </p:style>
-      </p:cxnSp>
-      <p:sp>
-        <p:nvSpPr>
-          <p:cNvPr id="40" name="Rectangle 39">
-            <a:extLst>
-              <a:ext uri="{FF2B5EF4-FFF2-40B4-BE49-F238E27FC236}">
-                <a16:creationId xmlns:a16="http://schemas.microsoft.com/office/drawing/2014/main" id="{3A211DC4-22C5-60CF-D207-0EB618C87285}"/>
-              </a:ext>
-            </a:extLst>
-          </p:cNvPr>
-          <p:cNvSpPr/>
-          <p:nvPr/>
-        </p:nvSpPr>
-        <p:spPr>
-          <a:xfrm>
-            <a:off x="4112404" y="3580233"/>
-            <a:ext cx="1036587" cy="127308"/>
-          </a:xfrm>
-          <a:prstGeom prst="rect">
-            <a:avLst/>
-          </a:prstGeom>
-          <a:solidFill>
-            <a:schemeClr val="accent3">
-              <a:lumMod val="40000"/>
-              <a:lumOff val="60000"/>
-            </a:schemeClr>
-          </a:solidFill>
-        </p:spPr>
-        <p:style>
-          <a:lnRef idx="2">
-            <a:schemeClr val="accent1"/>
-          </a:lnRef>
-          <a:fillRef idx="1">
-            <a:schemeClr val="lt1"/>
-          </a:fillRef>
-          <a:effectRef idx="0">
-            <a:schemeClr val="accent1"/>
-          </a:effectRef>
-          <a:fontRef idx="minor">
-            <a:schemeClr val="dk1"/>
-          </a:fontRef>
-        </p:style>
-        <p:txBody>
-          <a:bodyPr rtlCol="0" anchor="ctr"/>
-          <a:lstStyle/>
-          <a:p>
-            <a:pPr algn="ctr"/>
-            <a:endParaRPr lang="en-US"/>
-          </a:p>
-        </p:txBody>
-      </p:sp>
-      <p:cxnSp>
-        <p:nvCxnSpPr>
-          <p:cNvPr id="162" name="Straight Connector 161">
-            <a:extLst>
-              <a:ext uri="{FF2B5EF4-FFF2-40B4-BE49-F238E27FC236}">
-                <a16:creationId xmlns:a16="http://schemas.microsoft.com/office/drawing/2014/main" id="{7A0AB42F-E844-63EF-E539-E6B6A7BDBC7F}"/>
-              </a:ext>
-            </a:extLst>
-          </p:cNvPr>
-          <p:cNvCxnSpPr>
-            <a:cxnSpLocks/>
-          </p:cNvCxnSpPr>
-          <p:nvPr/>
-        </p:nvCxnSpPr>
-        <p:spPr>
-          <a:xfrm>
-            <a:off x="6462548" y="3652787"/>
-            <a:ext cx="0" cy="564971"/>
-          </a:xfrm>
-          <a:prstGeom prst="line">
-            <a:avLst/>
-          </a:prstGeom>
-          <a:ln>
-            <a:solidFill>
-              <a:srgbClr val="FF0000"/>
-            </a:solidFill>
-          </a:ln>
-        </p:spPr>
-        <p:style>
-          <a:lnRef idx="2">
-            <a:schemeClr val="dk1"/>
-          </a:lnRef>
-          <a:fillRef idx="0">
-            <a:schemeClr val="dk1"/>
-          </a:fillRef>
-          <a:effectRef idx="1">
-            <a:schemeClr val="dk1"/>
-          </a:effectRef>
-          <a:fontRef idx="minor">
-            <a:schemeClr val="tx1"/>
-          </a:fontRef>
-        </p:style>
-      </p:cxnSp>
-      <p:sp>
-        <p:nvSpPr>
-          <p:cNvPr id="164" name="Rectangle 163">
-            <a:extLst>
-              <a:ext uri="{FF2B5EF4-FFF2-40B4-BE49-F238E27FC236}">
-                <a16:creationId xmlns:a16="http://schemas.microsoft.com/office/drawing/2014/main" id="{03132E3F-C50A-93EA-731B-0731B6E24316}"/>
-              </a:ext>
-            </a:extLst>
-          </p:cNvPr>
-          <p:cNvSpPr/>
-          <p:nvPr/>
-        </p:nvSpPr>
-        <p:spPr>
-          <a:xfrm>
-            <a:off x="6660809" y="1702202"/>
-            <a:ext cx="708892" cy="1298313"/>
-          </a:xfrm>
-          <a:prstGeom prst="rect">
-            <a:avLst/>
-          </a:prstGeom>
-          <a:noFill/>
-        </p:spPr>
-        <p:style>
-          <a:lnRef idx="2">
-            <a:schemeClr val="accent1">
-              <a:shade val="15000"/>
-            </a:schemeClr>
-          </a:lnRef>
-          <a:fillRef idx="1">
-            <a:schemeClr val="accent1"/>
-          </a:fillRef>
-          <a:effectRef idx="0">
-            <a:schemeClr val="accent1"/>
-          </a:effectRef>
-          <a:fontRef idx="minor">
-            <a:schemeClr val="lt1"/>
-          </a:fontRef>
-        </p:style>
-        <p:txBody>
-          <a:bodyPr rtlCol="0" anchor="ctr"/>
-          <a:lstStyle/>
-          <a:p>
-            <a:pPr algn="ctr"/>
-            <a:endParaRPr lang="en-US"/>
-          </a:p>
-        </p:txBody>
-      </p:sp>
-      <p:sp>
-        <p:nvSpPr>
-          <p:cNvPr id="166" name="TextBox 165">
-            <a:extLst>
-              <a:ext uri="{FF2B5EF4-FFF2-40B4-BE49-F238E27FC236}">
-                <a16:creationId xmlns:a16="http://schemas.microsoft.com/office/drawing/2014/main" id="{402F2BFF-9922-2BA8-76CB-9CFE7097A448}"/>
-              </a:ext>
-            </a:extLst>
-          </p:cNvPr>
-          <p:cNvSpPr txBox="1"/>
-          <p:nvPr/>
-        </p:nvSpPr>
-        <p:spPr>
-          <a:xfrm>
-            <a:off x="6585418" y="1981991"/>
-            <a:ext cx="857414" cy="830997"/>
-          </a:xfrm>
-          <a:prstGeom prst="rect">
-            <a:avLst/>
-          </a:prstGeom>
-          <a:noFill/>
-        </p:spPr>
-        <p:txBody>
-          <a:bodyPr wrap="none" rtlCol="0">
-            <a:spAutoFit/>
-          </a:bodyPr>
-          <a:lstStyle/>
-          <a:p>
-            <a:pPr algn="ctr"/>
-            <a:r>
-              <a:rPr lang="en-US" sz="1200" dirty="0"/>
-              <a:t>Motor</a:t>
-            </a:r>
-          </a:p>
-          <a:p>
-            <a:pPr algn="ctr"/>
-            <a:r>
-              <a:rPr lang="en-US" sz="1200" dirty="0"/>
-              <a:t>Controller</a:t>
-            </a:r>
-          </a:p>
-          <a:p>
-            <a:pPr algn="ctr"/>
-            <a:r>
-              <a:rPr lang="en-US" sz="1200" dirty="0" err="1"/>
-              <a:t>Pololu</a:t>
-            </a:r>
-            <a:endParaRPr lang="en-US" sz="1200" dirty="0"/>
-          </a:p>
-          <a:p>
-            <a:pPr algn="ctr"/>
-            <a:r>
-              <a:rPr lang="en-US" sz="1200" dirty="0"/>
-              <a:t>18V7</a:t>
-            </a:r>
-          </a:p>
-        </p:txBody>
-      </p:sp>
-      <p:cxnSp>
-        <p:nvCxnSpPr>
-          <p:cNvPr id="189" name="Straight Connector 188">
-            <a:extLst>
-              <a:ext uri="{FF2B5EF4-FFF2-40B4-BE49-F238E27FC236}">
-                <a16:creationId xmlns:a16="http://schemas.microsoft.com/office/drawing/2014/main" id="{4B1F9CAF-945B-46AA-D9AE-F8E85A0F1EA4}"/>
-              </a:ext>
-            </a:extLst>
-          </p:cNvPr>
-          <p:cNvCxnSpPr>
-            <a:cxnSpLocks/>
-          </p:cNvCxnSpPr>
-          <p:nvPr/>
-        </p:nvCxnSpPr>
-        <p:spPr>
-          <a:xfrm flipV="1">
-            <a:off x="7388849" y="1991126"/>
-            <a:ext cx="2364751" cy="26035"/>
-          </a:xfrm>
-          <a:prstGeom prst="line">
-            <a:avLst/>
-          </a:prstGeom>
-          <a:ln>
-            <a:solidFill>
-              <a:schemeClr val="accent1">
-                <a:lumMod val="60000"/>
-                <a:lumOff val="40000"/>
-              </a:schemeClr>
-            </a:solidFill>
-          </a:ln>
-        </p:spPr>
-        <p:style>
-          <a:lnRef idx="2">
-            <a:schemeClr val="accent2"/>
-          </a:lnRef>
-          <a:fillRef idx="0">
-            <a:schemeClr val="accent2"/>
-          </a:fillRef>
-          <a:effectRef idx="1">
-            <a:schemeClr val="accent2"/>
-          </a:effectRef>
-          <a:fontRef idx="minor">
-            <a:schemeClr val="tx1"/>
-          </a:fontRef>
-        </p:style>
-      </p:cxnSp>
-      <p:cxnSp>
-        <p:nvCxnSpPr>
-          <p:cNvPr id="190" name="Straight Connector 189">
-            <a:extLst>
-              <a:ext uri="{FF2B5EF4-FFF2-40B4-BE49-F238E27FC236}">
-                <a16:creationId xmlns:a16="http://schemas.microsoft.com/office/drawing/2014/main" id="{C8588C13-8D3D-2AE3-1245-88ED607B6E8B}"/>
-              </a:ext>
-            </a:extLst>
-          </p:cNvPr>
-          <p:cNvCxnSpPr>
-            <a:cxnSpLocks/>
-          </p:cNvCxnSpPr>
-          <p:nvPr/>
-        </p:nvCxnSpPr>
-        <p:spPr>
-          <a:xfrm>
-            <a:off x="7388849" y="2317847"/>
-            <a:ext cx="2203084" cy="0"/>
-          </a:xfrm>
-          <a:prstGeom prst="line">
-            <a:avLst/>
-          </a:prstGeom>
-          <a:ln>
-            <a:solidFill>
-              <a:srgbClr val="00B050"/>
-            </a:solidFill>
-          </a:ln>
-        </p:spPr>
-        <p:style>
-          <a:lnRef idx="2">
-            <a:schemeClr val="accent2"/>
-          </a:lnRef>
-          <a:fillRef idx="0">
-            <a:schemeClr val="accent2"/>
-          </a:fillRef>
-          <a:effectRef idx="1">
-            <a:schemeClr val="accent2"/>
-          </a:effectRef>
-          <a:fontRef idx="minor">
-            <a:schemeClr val="tx1"/>
-          </a:fontRef>
-        </p:style>
-      </p:cxnSp>
-      <p:sp>
-        <p:nvSpPr>
-          <p:cNvPr id="191" name="TextBox 190">
-            <a:extLst>
-              <a:ext uri="{FF2B5EF4-FFF2-40B4-BE49-F238E27FC236}">
-                <a16:creationId xmlns:a16="http://schemas.microsoft.com/office/drawing/2014/main" id="{412DC8E8-53BB-A241-C504-2BB355D6CEA9}"/>
-              </a:ext>
-            </a:extLst>
-          </p:cNvPr>
-          <p:cNvSpPr txBox="1"/>
-          <p:nvPr/>
-        </p:nvSpPr>
-        <p:spPr>
-          <a:xfrm>
-            <a:off x="8136145" y="1751458"/>
-            <a:ext cx="495649" cy="600164"/>
-          </a:xfrm>
-          <a:prstGeom prst="rect">
-            <a:avLst/>
-          </a:prstGeom>
-          <a:noFill/>
-        </p:spPr>
-        <p:txBody>
-          <a:bodyPr wrap="none" rtlCol="0">
-            <a:spAutoFit/>
-          </a:bodyPr>
-          <a:lstStyle/>
-          <a:p>
-            <a:r>
-              <a:rPr lang="en-US" sz="1100" dirty="0"/>
-              <a:t>Left</a:t>
-            </a:r>
-          </a:p>
-          <a:p>
-            <a:endParaRPr lang="en-US" sz="1100" dirty="0"/>
-          </a:p>
-          <a:p>
-            <a:r>
-              <a:rPr lang="en-US" sz="1100" dirty="0"/>
-              <a:t>Right</a:t>
-            </a:r>
-          </a:p>
-        </p:txBody>
-      </p:sp>
-      <p:sp>
-        <p:nvSpPr>
-          <p:cNvPr id="194" name="Rectangle 193">
-            <a:extLst>
-              <a:ext uri="{FF2B5EF4-FFF2-40B4-BE49-F238E27FC236}">
-                <a16:creationId xmlns:a16="http://schemas.microsoft.com/office/drawing/2014/main" id="{D8EF95C6-93B6-63E4-D8C6-C85E3CAF1273}"/>
-              </a:ext>
-            </a:extLst>
-          </p:cNvPr>
-          <p:cNvSpPr/>
-          <p:nvPr/>
-        </p:nvSpPr>
-        <p:spPr>
-          <a:xfrm rot="16200000">
-            <a:off x="7404579" y="2122330"/>
-            <a:ext cx="668524" cy="156482"/>
-          </a:xfrm>
-          <a:prstGeom prst="rect">
-            <a:avLst/>
-          </a:prstGeom>
-          <a:solidFill>
-            <a:schemeClr val="accent3">
-              <a:lumMod val="40000"/>
-              <a:lumOff val="60000"/>
-            </a:schemeClr>
-          </a:solidFill>
-        </p:spPr>
-        <p:style>
-          <a:lnRef idx="2">
-            <a:schemeClr val="accent1"/>
-          </a:lnRef>
-          <a:fillRef idx="1">
-            <a:schemeClr val="lt1"/>
-          </a:fillRef>
-          <a:effectRef idx="0">
-            <a:schemeClr val="accent1"/>
-          </a:effectRef>
-          <a:fontRef idx="minor">
-            <a:schemeClr val="dk1"/>
-          </a:fontRef>
-        </p:style>
-        <p:txBody>
-          <a:bodyPr rtlCol="0" anchor="ctr"/>
-          <a:lstStyle/>
-          <a:p>
-            <a:pPr algn="ctr"/>
-            <a:endParaRPr lang="en-US"/>
-          </a:p>
-        </p:txBody>
-      </p:sp>
-      <p:sp>
-        <p:nvSpPr>
-          <p:cNvPr id="198" name="TextBox 197">
-            <a:extLst>
-              <a:ext uri="{FF2B5EF4-FFF2-40B4-BE49-F238E27FC236}">
-                <a16:creationId xmlns:a16="http://schemas.microsoft.com/office/drawing/2014/main" id="{39FA5918-88AB-CC02-5059-6F9C5801BA9D}"/>
-              </a:ext>
-            </a:extLst>
-          </p:cNvPr>
-          <p:cNvSpPr txBox="1"/>
-          <p:nvPr/>
-        </p:nvSpPr>
-        <p:spPr>
-          <a:xfrm>
-            <a:off x="3555223" y="4984814"/>
-            <a:ext cx="657552" cy="738664"/>
-          </a:xfrm>
-          <a:prstGeom prst="rect">
-            <a:avLst/>
-          </a:prstGeom>
-          <a:noFill/>
-        </p:spPr>
-        <p:txBody>
-          <a:bodyPr wrap="none" rtlCol="0">
-            <a:spAutoFit/>
-          </a:bodyPr>
-          <a:lstStyle/>
-          <a:p>
-            <a:r>
-              <a:rPr lang="en-US" dirty="0"/>
-              <a:t>DUT </a:t>
-            </a:r>
-          </a:p>
-          <a:p>
-            <a:r>
-              <a:rPr lang="en-US" sz="1200" dirty="0"/>
-              <a:t>Sensor</a:t>
-            </a:r>
-          </a:p>
-          <a:p>
-            <a:r>
-              <a:rPr lang="en-US" sz="1200" dirty="0"/>
-              <a:t>x4</a:t>
-            </a:r>
-          </a:p>
-        </p:txBody>
-      </p:sp>
-      <p:sp>
-        <p:nvSpPr>
-          <p:cNvPr id="199" name="TextBox 198">
-            <a:extLst>
-              <a:ext uri="{FF2B5EF4-FFF2-40B4-BE49-F238E27FC236}">
-                <a16:creationId xmlns:a16="http://schemas.microsoft.com/office/drawing/2014/main" id="{C5ACEF96-2543-8F41-7249-C99A21E4EBAE}"/>
-              </a:ext>
-            </a:extLst>
-          </p:cNvPr>
-          <p:cNvSpPr txBox="1"/>
-          <p:nvPr/>
-        </p:nvSpPr>
-        <p:spPr>
-          <a:xfrm>
-            <a:off x="6054991" y="5860553"/>
-            <a:ext cx="877163" cy="553998"/>
-          </a:xfrm>
-          <a:prstGeom prst="rect">
-            <a:avLst/>
-          </a:prstGeom>
-          <a:noFill/>
-        </p:spPr>
-        <p:txBody>
-          <a:bodyPr wrap="none" rtlCol="0">
-            <a:spAutoFit/>
-          </a:bodyPr>
-          <a:lstStyle/>
-          <a:p>
-            <a:r>
-              <a:rPr lang="en-US" dirty="0" err="1"/>
-              <a:t>DataQ</a:t>
-            </a:r>
-            <a:r>
-              <a:rPr lang="en-US" dirty="0"/>
-              <a:t> </a:t>
-            </a:r>
-          </a:p>
-          <a:p>
-            <a:r>
-              <a:rPr lang="en-US" sz="1200" dirty="0"/>
-              <a:t>DI-2108</a:t>
-            </a:r>
-          </a:p>
-        </p:txBody>
-      </p:sp>
-      <p:sp>
-        <p:nvSpPr>
-          <p:cNvPr id="200" name="TextBox 199">
-            <a:extLst>
-              <a:ext uri="{FF2B5EF4-FFF2-40B4-BE49-F238E27FC236}">
-                <a16:creationId xmlns:a16="http://schemas.microsoft.com/office/drawing/2014/main" id="{51756C2F-72DE-7509-406B-9B3C1C5D749A}"/>
-              </a:ext>
-            </a:extLst>
-          </p:cNvPr>
-          <p:cNvSpPr txBox="1"/>
-          <p:nvPr/>
-        </p:nvSpPr>
-        <p:spPr>
-          <a:xfrm>
-            <a:off x="5768017" y="2591857"/>
-            <a:ext cx="716157" cy="738664"/>
-          </a:xfrm>
-          <a:prstGeom prst="rect">
-            <a:avLst/>
-          </a:prstGeom>
-          <a:noFill/>
-        </p:spPr>
-        <p:txBody>
-          <a:bodyPr wrap="none" rtlCol="0">
-            <a:spAutoFit/>
-          </a:bodyPr>
-          <a:lstStyle/>
-          <a:p>
-            <a:pPr algn="ctr"/>
-            <a:r>
-              <a:rPr lang="en-US" sz="1400" dirty="0"/>
-              <a:t>Buffer/</a:t>
-            </a:r>
-          </a:p>
-          <a:p>
-            <a:pPr algn="ctr"/>
-            <a:r>
-              <a:rPr lang="en-US" sz="1400" dirty="0"/>
-              <a:t>Scaler</a:t>
-            </a:r>
-          </a:p>
-          <a:p>
-            <a:pPr algn="ctr"/>
-            <a:r>
-              <a:rPr lang="en-US" sz="1400" dirty="0"/>
-              <a:t>x8</a:t>
-            </a:r>
-          </a:p>
-        </p:txBody>
-      </p:sp>
-      <p:sp>
-        <p:nvSpPr>
-          <p:cNvPr id="131" name="Rectangle 130">
-            <a:extLst>
-              <a:ext uri="{FF2B5EF4-FFF2-40B4-BE49-F238E27FC236}">
-                <a16:creationId xmlns:a16="http://schemas.microsoft.com/office/drawing/2014/main" id="{7549C7F3-37EA-BC64-2DDB-E71BC6EFA25E}"/>
-              </a:ext>
-            </a:extLst>
-          </p:cNvPr>
-          <p:cNvSpPr/>
-          <p:nvPr/>
-        </p:nvSpPr>
-        <p:spPr>
-          <a:xfrm>
-            <a:off x="5346027" y="3609404"/>
-            <a:ext cx="1520939" cy="127308"/>
-          </a:xfrm>
-          <a:prstGeom prst="rect">
-            <a:avLst/>
-          </a:prstGeom>
-          <a:solidFill>
-            <a:schemeClr val="accent3">
-              <a:lumMod val="40000"/>
-              <a:lumOff val="60000"/>
-            </a:schemeClr>
-          </a:solidFill>
-        </p:spPr>
-        <p:style>
-          <a:lnRef idx="2">
-            <a:schemeClr val="accent1"/>
-          </a:lnRef>
-          <a:fillRef idx="1">
-            <a:schemeClr val="lt1"/>
-          </a:fillRef>
-          <a:effectRef idx="0">
-            <a:schemeClr val="accent1"/>
-          </a:effectRef>
-          <a:fontRef idx="minor">
-            <a:schemeClr val="dk1"/>
-          </a:fontRef>
-        </p:style>
-        <p:txBody>
-          <a:bodyPr rtlCol="0" anchor="ctr"/>
-          <a:lstStyle/>
-          <a:p>
-            <a:pPr algn="ctr"/>
-            <a:endParaRPr lang="en-US"/>
-          </a:p>
-        </p:txBody>
-      </p:sp>
-      <p:sp>
-        <p:nvSpPr>
-          <p:cNvPr id="11" name="TextBox 10">
-            <a:extLst>
-              <a:ext uri="{FF2B5EF4-FFF2-40B4-BE49-F238E27FC236}">
-                <a16:creationId xmlns:a16="http://schemas.microsoft.com/office/drawing/2014/main" id="{A6E0834C-7D85-BB13-BC9F-94DA32ABFC07}"/>
-              </a:ext>
-            </a:extLst>
-          </p:cNvPr>
-          <p:cNvSpPr txBox="1"/>
-          <p:nvPr/>
-        </p:nvSpPr>
-        <p:spPr>
-          <a:xfrm>
-            <a:off x="6408141" y="3978577"/>
-            <a:ext cx="598112" cy="276999"/>
-          </a:xfrm>
-          <a:prstGeom prst="rect">
-            <a:avLst/>
-          </a:prstGeom>
-          <a:noFill/>
-        </p:spPr>
-        <p:txBody>
-          <a:bodyPr wrap="none" rtlCol="0">
-            <a:spAutoFit/>
-          </a:bodyPr>
-          <a:lstStyle/>
-          <a:p>
-            <a:r>
-              <a:rPr lang="en-US" sz="1200" dirty="0"/>
-              <a:t>+5Vdc</a:t>
-            </a:r>
-          </a:p>
-        </p:txBody>
-      </p:sp>
-      <p:cxnSp>
-        <p:nvCxnSpPr>
-          <p:cNvPr id="23" name="Connector: Elbow 22">
-            <a:extLst>
-              <a:ext uri="{FF2B5EF4-FFF2-40B4-BE49-F238E27FC236}">
-                <a16:creationId xmlns:a16="http://schemas.microsoft.com/office/drawing/2014/main" id="{F1CD7499-0A7D-1868-2028-16AD3631EBB2}"/>
-              </a:ext>
-            </a:extLst>
-          </p:cNvPr>
-          <p:cNvCxnSpPr>
-            <a:cxnSpLocks/>
-          </p:cNvCxnSpPr>
-          <p:nvPr/>
-        </p:nvCxnSpPr>
-        <p:spPr>
-          <a:xfrm>
-            <a:off x="3011151" y="706358"/>
-            <a:ext cx="3620516" cy="1423400"/>
-          </a:xfrm>
-          <a:prstGeom prst="bentConnector3">
-            <a:avLst>
-              <a:gd name="adj1" fmla="val 89751"/>
-            </a:avLst>
-          </a:prstGeom>
-          <a:ln>
-            <a:solidFill>
-              <a:srgbClr val="FF0000"/>
-            </a:solidFill>
-          </a:ln>
-        </p:spPr>
-        <p:style>
-          <a:lnRef idx="2">
-            <a:schemeClr val="accent1"/>
-          </a:lnRef>
-          <a:fillRef idx="0">
-            <a:schemeClr val="accent1"/>
-          </a:fillRef>
-          <a:effectRef idx="1">
-            <a:schemeClr val="accent1"/>
-          </a:effectRef>
-          <a:fontRef idx="minor">
-            <a:schemeClr val="tx1"/>
-          </a:fontRef>
-        </p:style>
-      </p:cxnSp>
-      <p:cxnSp>
-        <p:nvCxnSpPr>
-          <p:cNvPr id="26" name="Connector: Elbow 25">
-            <a:extLst>
-              <a:ext uri="{FF2B5EF4-FFF2-40B4-BE49-F238E27FC236}">
-                <a16:creationId xmlns:a16="http://schemas.microsoft.com/office/drawing/2014/main" id="{F83A1D8A-482E-232F-EF17-0E66ED723FA6}"/>
-              </a:ext>
-            </a:extLst>
-          </p:cNvPr>
-          <p:cNvCxnSpPr>
-            <a:cxnSpLocks/>
-          </p:cNvCxnSpPr>
-          <p:nvPr/>
-        </p:nvCxnSpPr>
-        <p:spPr>
-          <a:xfrm>
-            <a:off x="2991957" y="899575"/>
-            <a:ext cx="3639710" cy="1456304"/>
-          </a:xfrm>
-          <a:prstGeom prst="bentConnector3">
-            <a:avLst>
-              <a:gd name="adj1" fmla="val 86046"/>
-            </a:avLst>
-          </a:prstGeom>
-          <a:ln>
-            <a:solidFill>
-              <a:schemeClr val="tx1"/>
-            </a:solidFill>
-          </a:ln>
-        </p:spPr>
-        <p:style>
-          <a:lnRef idx="2">
-            <a:schemeClr val="accent1"/>
-          </a:lnRef>
-          <a:fillRef idx="0">
-            <a:schemeClr val="accent1"/>
-          </a:fillRef>
-          <a:effectRef idx="1">
-            <a:schemeClr val="accent1"/>
-          </a:effectRef>
-          <a:fontRef idx="minor">
-            <a:schemeClr val="tx1"/>
-          </a:fontRef>
-        </p:style>
-      </p:cxnSp>
-      <p:pic>
-        <p:nvPicPr>
-          <p:cNvPr id="1028" name="Picture 4" descr="Water, level, sensor, technology, system, sensors, detection icon ...">
-            <a:extLst>
-              <a:ext uri="{FF2B5EF4-FFF2-40B4-BE49-F238E27FC236}">
-                <a16:creationId xmlns:a16="http://schemas.microsoft.com/office/drawing/2014/main" id="{448FCFB3-C032-E7C9-107B-8257641CA29E}"/>
-              </a:ext>
-            </a:extLst>
-          </p:cNvPr>
-          <p:cNvPicPr>
-            <a:picLocks noChangeAspect="1" noChangeArrowheads="1"/>
-          </p:cNvPicPr>
-          <p:nvPr/>
-        </p:nvPicPr>
-        <p:blipFill rotWithShape="1">
-          <a:blip r:embed="rId6">
-            <a:extLst>
-              <a:ext uri="{28A0092B-C50C-407E-A947-70E740481C1C}">
-                <a14:useLocalDpi xmlns:a14="http://schemas.microsoft.com/office/drawing/2010/main" val="0"/>
-              </a:ext>
-            </a:extLst>
-          </a:blip>
-          <a:srcRect r="45164" b="48976"/>
-          <a:stretch/>
-        </p:blipFill>
-        <p:spPr bwMode="auto">
-          <a:xfrm>
-            <a:off x="9591933" y="4056018"/>
-            <a:ext cx="772248" cy="718553"/>
-          </a:xfrm>
-          <a:prstGeom prst="rect">
-            <a:avLst/>
-          </a:prstGeom>
-          <a:noFill/>
-          <a:extLst>
-            <a:ext uri="{909E8E84-426E-40DD-AFC4-6F175D3DCCD1}">
-              <a14:hiddenFill xmlns:a14="http://schemas.microsoft.com/office/drawing/2010/main">
-                <a:solidFill>
-                  <a:srgbClr val="FFFFFF"/>
-                </a:solidFill>
-              </a14:hiddenFill>
-            </a:ext>
-          </a:extLst>
-        </p:spPr>
-      </p:pic>
-      <p:pic>
-        <p:nvPicPr>
-          <p:cNvPr id="1030" name="Picture 6" descr="Laptop icon vector. computer illustration sign. PC symbol or logo ...">
-            <a:extLst>
-              <a:ext uri="{FF2B5EF4-FFF2-40B4-BE49-F238E27FC236}">
-                <a16:creationId xmlns:a16="http://schemas.microsoft.com/office/drawing/2014/main" id="{78639909-E65B-EBD0-B805-D42C9D824A5A}"/>
-              </a:ext>
-            </a:extLst>
-          </p:cNvPr>
-          <p:cNvPicPr>
-            <a:picLocks noChangeAspect="1" noChangeArrowheads="1"/>
-          </p:cNvPicPr>
-          <p:nvPr/>
-        </p:nvPicPr>
-        <p:blipFill>
-          <a:blip r:embed="rId7">
-            <a:extLst>
-              <a:ext uri="{28A0092B-C50C-407E-A947-70E740481C1C}">
-                <a14:useLocalDpi xmlns:a14="http://schemas.microsoft.com/office/drawing/2010/main" val="0"/>
-              </a:ext>
-            </a:extLst>
-          </a:blip>
-          <a:srcRect/>
-          <a:stretch>
-            <a:fillRect/>
-          </a:stretch>
-        </p:blipFill>
-        <p:spPr bwMode="auto">
-          <a:xfrm>
-            <a:off x="7342184" y="4710717"/>
-            <a:ext cx="1961794" cy="2062534"/>
-          </a:xfrm>
-          <a:prstGeom prst="rect">
-            <a:avLst/>
-          </a:prstGeom>
-          <a:noFill/>
-          <a:extLst>
-            <a:ext uri="{909E8E84-426E-40DD-AFC4-6F175D3DCCD1}">
-              <a14:hiddenFill xmlns:a14="http://schemas.microsoft.com/office/drawing/2010/main">
-                <a:solidFill>
-                  <a:srgbClr val="FFFFFF"/>
-                </a:solidFill>
-              </a14:hiddenFill>
-            </a:ext>
-          </a:extLst>
-        </p:spPr>
-      </p:pic>
-      <p:sp>
-        <p:nvSpPr>
-          <p:cNvPr id="43" name="Rectangle 42">
-            <a:extLst>
-              <a:ext uri="{FF2B5EF4-FFF2-40B4-BE49-F238E27FC236}">
-                <a16:creationId xmlns:a16="http://schemas.microsoft.com/office/drawing/2014/main" id="{17C25CA4-08C7-8D0F-8484-3A9DD62E8739}"/>
-              </a:ext>
-            </a:extLst>
-          </p:cNvPr>
-          <p:cNvSpPr/>
-          <p:nvPr/>
-        </p:nvSpPr>
-        <p:spPr>
-          <a:xfrm>
-            <a:off x="7738841" y="4153590"/>
-            <a:ext cx="1034061" cy="543934"/>
-          </a:xfrm>
-          <a:prstGeom prst="rect">
-            <a:avLst/>
-          </a:prstGeom>
-        </p:spPr>
-        <p:style>
-          <a:lnRef idx="2">
-            <a:schemeClr val="dk1"/>
-          </a:lnRef>
-          <a:fillRef idx="1">
-            <a:schemeClr val="lt1"/>
-          </a:fillRef>
-          <a:effectRef idx="0">
-            <a:schemeClr val="dk1"/>
-          </a:effectRef>
-          <a:fontRef idx="minor">
-            <a:schemeClr val="dk1"/>
-          </a:fontRef>
-        </p:style>
-        <p:txBody>
-          <a:bodyPr rtlCol="0" anchor="ctr"/>
-          <a:lstStyle/>
-          <a:p>
-            <a:pPr algn="ctr"/>
-            <a:r>
-              <a:rPr lang="en-US" dirty="0"/>
-              <a:t>USB Hub</a:t>
-            </a:r>
-          </a:p>
-        </p:txBody>
-      </p:sp>
-      <p:sp>
-        <p:nvSpPr>
-          <p:cNvPr id="44" name="TextBox 43">
-            <a:extLst>
-              <a:ext uri="{FF2B5EF4-FFF2-40B4-BE49-F238E27FC236}">
-                <a16:creationId xmlns:a16="http://schemas.microsoft.com/office/drawing/2014/main" id="{58162BB8-36E4-13CA-3A98-345A4D24F6BF}"/>
-              </a:ext>
-            </a:extLst>
-          </p:cNvPr>
-          <p:cNvSpPr txBox="1"/>
-          <p:nvPr/>
-        </p:nvSpPr>
-        <p:spPr>
-          <a:xfrm>
-            <a:off x="9543725" y="4761692"/>
-            <a:ext cx="783804" cy="738664"/>
-          </a:xfrm>
-          <a:prstGeom prst="rect">
-            <a:avLst/>
-          </a:prstGeom>
-          <a:noFill/>
-        </p:spPr>
-        <p:txBody>
-          <a:bodyPr wrap="none" rtlCol="0">
-            <a:spAutoFit/>
-          </a:bodyPr>
-          <a:lstStyle/>
-          <a:p>
-            <a:r>
-              <a:rPr lang="en-US" dirty="0"/>
-              <a:t>Laser </a:t>
-            </a:r>
-            <a:endParaRPr lang="en-US" sz="1200" dirty="0"/>
-          </a:p>
-          <a:p>
-            <a:r>
-              <a:rPr lang="en-US" sz="1200" dirty="0" err="1"/>
-              <a:t>Keyance</a:t>
-            </a:r>
-            <a:endParaRPr lang="en-US" sz="1200" dirty="0"/>
-          </a:p>
-          <a:p>
-            <a:r>
-              <a:rPr lang="en-US" sz="1200" dirty="0"/>
-              <a:t>LG-K</a:t>
-            </a:r>
-            <a:endParaRPr lang="en-US" dirty="0"/>
-          </a:p>
-        </p:txBody>
-      </p:sp>
-      <p:cxnSp>
-        <p:nvCxnSpPr>
-          <p:cNvPr id="46" name="Connector: Elbow 45">
-            <a:extLst>
-              <a:ext uri="{FF2B5EF4-FFF2-40B4-BE49-F238E27FC236}">
-                <a16:creationId xmlns:a16="http://schemas.microsoft.com/office/drawing/2014/main" id="{4D0C022C-3F26-AD54-57CC-FAE5EA6225AC}"/>
-              </a:ext>
-            </a:extLst>
-          </p:cNvPr>
-          <p:cNvCxnSpPr>
-            <a:cxnSpLocks/>
-            <a:endCxn id="43" idx="0"/>
-          </p:cNvCxnSpPr>
-          <p:nvPr/>
-        </p:nvCxnSpPr>
-        <p:spPr>
-          <a:xfrm rot="16200000" flipH="1">
-            <a:off x="7092875" y="2990593"/>
-            <a:ext cx="1224900" cy="1101094"/>
-          </a:xfrm>
-          <a:prstGeom prst="bentConnector3">
-            <a:avLst/>
-          </a:prstGeom>
-        </p:spPr>
-        <p:style>
-          <a:lnRef idx="2">
-            <a:schemeClr val="accent1"/>
-          </a:lnRef>
-          <a:fillRef idx="0">
-            <a:schemeClr val="accent1"/>
-          </a:fillRef>
-          <a:effectRef idx="1">
-            <a:schemeClr val="accent1"/>
-          </a:effectRef>
-          <a:fontRef idx="minor">
-            <a:schemeClr val="tx1"/>
-          </a:fontRef>
-        </p:style>
-      </p:cxnSp>
-      <p:cxnSp>
-        <p:nvCxnSpPr>
-          <p:cNvPr id="49" name="Straight Connector 48">
-            <a:extLst>
-              <a:ext uri="{FF2B5EF4-FFF2-40B4-BE49-F238E27FC236}">
-                <a16:creationId xmlns:a16="http://schemas.microsoft.com/office/drawing/2014/main" id="{3F35A103-ACC9-4420-B1EA-96F63C987545}"/>
-              </a:ext>
-            </a:extLst>
-          </p:cNvPr>
-          <p:cNvCxnSpPr>
-            <a:cxnSpLocks/>
-            <a:stCxn id="43" idx="1"/>
-          </p:cNvCxnSpPr>
-          <p:nvPr/>
-        </p:nvCxnSpPr>
-        <p:spPr>
-          <a:xfrm flipH="1">
-            <a:off x="6945528" y="4425557"/>
-            <a:ext cx="793313" cy="19385"/>
-          </a:xfrm>
-          <a:prstGeom prst="line">
-            <a:avLst/>
-          </a:prstGeom>
-        </p:spPr>
-        <p:style>
-          <a:lnRef idx="2">
-            <a:schemeClr val="accent1"/>
-          </a:lnRef>
-          <a:fillRef idx="0">
-            <a:schemeClr val="accent1"/>
-          </a:fillRef>
-          <a:effectRef idx="1">
-            <a:schemeClr val="accent1"/>
-          </a:effectRef>
-          <a:fontRef idx="minor">
-            <a:schemeClr val="tx1"/>
-          </a:fontRef>
-        </p:style>
-      </p:cxnSp>
-      <p:cxnSp>
-        <p:nvCxnSpPr>
-          <p:cNvPr id="51" name="Straight Connector 50">
-            <a:extLst>
-              <a:ext uri="{FF2B5EF4-FFF2-40B4-BE49-F238E27FC236}">
-                <a16:creationId xmlns:a16="http://schemas.microsoft.com/office/drawing/2014/main" id="{DC1563EA-54E2-82BE-8C41-7A15039CEA95}"/>
-              </a:ext>
-            </a:extLst>
-          </p:cNvPr>
-          <p:cNvCxnSpPr>
-            <a:stCxn id="43" idx="3"/>
-          </p:cNvCxnSpPr>
-          <p:nvPr/>
-        </p:nvCxnSpPr>
-        <p:spPr>
-          <a:xfrm flipV="1">
-            <a:off x="8772902" y="4393955"/>
-            <a:ext cx="980698" cy="31602"/>
-          </a:xfrm>
-          <a:prstGeom prst="line">
-            <a:avLst/>
-          </a:prstGeom>
-        </p:spPr>
-        <p:style>
-          <a:lnRef idx="2">
-            <a:schemeClr val="accent1"/>
-          </a:lnRef>
-          <a:fillRef idx="0">
-            <a:schemeClr val="accent1"/>
-          </a:fillRef>
-          <a:effectRef idx="1">
-            <a:schemeClr val="accent1"/>
-          </a:effectRef>
-          <a:fontRef idx="minor">
-            <a:schemeClr val="tx1"/>
-          </a:fontRef>
-        </p:style>
-      </p:cxnSp>
-      <p:cxnSp>
-        <p:nvCxnSpPr>
-          <p:cNvPr id="61" name="Straight Connector 60">
-            <a:extLst>
-              <a:ext uri="{FF2B5EF4-FFF2-40B4-BE49-F238E27FC236}">
-                <a16:creationId xmlns:a16="http://schemas.microsoft.com/office/drawing/2014/main" id="{6B882A94-66D5-314B-CE92-FD0275118606}"/>
-              </a:ext>
-            </a:extLst>
-          </p:cNvPr>
-          <p:cNvCxnSpPr>
-            <a:cxnSpLocks/>
-          </p:cNvCxnSpPr>
-          <p:nvPr/>
-        </p:nvCxnSpPr>
-        <p:spPr>
-          <a:xfrm flipV="1">
-            <a:off x="8268730" y="4742259"/>
-            <a:ext cx="1" cy="388765"/>
-          </a:xfrm>
-          <a:prstGeom prst="line">
-            <a:avLst/>
-          </a:prstGeom>
-        </p:spPr>
-        <p:style>
-          <a:lnRef idx="2">
-            <a:schemeClr val="accent1"/>
-          </a:lnRef>
-          <a:fillRef idx="0">
-            <a:schemeClr val="accent1"/>
-          </a:fillRef>
-          <a:effectRef idx="1">
-            <a:schemeClr val="accent1"/>
-          </a:effectRef>
-          <a:fontRef idx="minor">
-            <a:schemeClr val="tx1"/>
-          </a:fontRef>
-        </p:style>
-      </p:cxnSp>
-      <p:sp>
-        <p:nvSpPr>
-          <p:cNvPr id="21" name="Rectangle 20">
-            <a:extLst>
-              <a:ext uri="{FF2B5EF4-FFF2-40B4-BE49-F238E27FC236}">
-                <a16:creationId xmlns:a16="http://schemas.microsoft.com/office/drawing/2014/main" id="{1725B988-41A7-E851-FFA5-D153B76EBF79}"/>
-              </a:ext>
-            </a:extLst>
-          </p:cNvPr>
-          <p:cNvSpPr/>
-          <p:nvPr/>
-        </p:nvSpPr>
-        <p:spPr>
-          <a:xfrm rot="16200000">
-            <a:off x="2870874" y="832749"/>
-            <a:ext cx="591410" cy="111402"/>
-          </a:xfrm>
-          <a:prstGeom prst="rect">
-            <a:avLst/>
-          </a:prstGeom>
-          <a:solidFill>
-            <a:schemeClr val="accent3">
-              <a:lumMod val="40000"/>
-              <a:lumOff val="60000"/>
-            </a:schemeClr>
-          </a:solidFill>
-        </p:spPr>
-        <p:style>
-          <a:lnRef idx="2">
-            <a:schemeClr val="accent1"/>
-          </a:lnRef>
-          <a:fillRef idx="1">
-            <a:schemeClr val="lt1"/>
-          </a:fillRef>
-          <a:effectRef idx="0">
-            <a:schemeClr val="accent1"/>
-          </a:effectRef>
-          <a:fontRef idx="minor">
-            <a:schemeClr val="dk1"/>
-          </a:fontRef>
-        </p:style>
-        <p:txBody>
-          <a:bodyPr rtlCol="0" anchor="ctr"/>
-          <a:lstStyle/>
-          <a:p>
-            <a:pPr algn="ctr"/>
-            <a:endParaRPr lang="en-US"/>
-          </a:p>
-        </p:txBody>
-      </p:sp>
-      <p:sp>
-        <p:nvSpPr>
-          <p:cNvPr id="63" name="TextBox 62">
-            <a:extLst>
-              <a:ext uri="{FF2B5EF4-FFF2-40B4-BE49-F238E27FC236}">
-                <a16:creationId xmlns:a16="http://schemas.microsoft.com/office/drawing/2014/main" id="{4BF7A101-03BB-E932-3102-B5C7062222C4}"/>
-              </a:ext>
-            </a:extLst>
-          </p:cNvPr>
-          <p:cNvSpPr txBox="1"/>
-          <p:nvPr/>
-        </p:nvSpPr>
-        <p:spPr>
-          <a:xfrm>
-            <a:off x="2103724" y="522334"/>
-            <a:ext cx="919546" cy="1384995"/>
-          </a:xfrm>
-          <a:prstGeom prst="rect">
-            <a:avLst/>
-          </a:prstGeom>
-          <a:noFill/>
-        </p:spPr>
-        <p:txBody>
-          <a:bodyPr wrap="none" rtlCol="0">
-            <a:spAutoFit/>
-          </a:bodyPr>
-          <a:lstStyle/>
-          <a:p>
-            <a:pPr algn="ctr"/>
-            <a:r>
-              <a:rPr lang="en-US" sz="1200" dirty="0"/>
-              <a:t>24Vdc</a:t>
-            </a:r>
-          </a:p>
-          <a:p>
-            <a:pPr algn="ctr"/>
-            <a:r>
-              <a:rPr lang="en-US" sz="1200" dirty="0"/>
-              <a:t>SMPS</a:t>
-            </a:r>
-          </a:p>
-          <a:p>
-            <a:pPr algn="ctr"/>
-            <a:endParaRPr lang="en-US" sz="1200" dirty="0"/>
-          </a:p>
-          <a:p>
-            <a:pPr algn="ctr"/>
-            <a:endParaRPr lang="en-US" sz="1200" dirty="0"/>
-          </a:p>
-          <a:p>
-            <a:pPr algn="ctr"/>
-            <a:r>
-              <a:rPr lang="en-US" sz="1200" dirty="0"/>
-              <a:t>24Vdc</a:t>
-            </a:r>
-          </a:p>
-          <a:p>
-            <a:pPr algn="ctr"/>
-            <a:r>
-              <a:rPr lang="en-US" sz="1200" dirty="0"/>
-              <a:t>Instrument</a:t>
-            </a:r>
-          </a:p>
-          <a:p>
-            <a:pPr algn="ctr"/>
-            <a:r>
-              <a:rPr lang="en-US" sz="1200" dirty="0"/>
-              <a:t>Power</a:t>
-            </a:r>
-          </a:p>
-        </p:txBody>
-      </p:sp>
-      <p:pic>
-        <p:nvPicPr>
-          <p:cNvPr id="65" name="Picture 64">
-            <a:extLst>
-              <a:ext uri="{FF2B5EF4-FFF2-40B4-BE49-F238E27FC236}">
-                <a16:creationId xmlns:a16="http://schemas.microsoft.com/office/drawing/2014/main" id="{EF2A9D5C-1696-44D1-F3BC-9B7E61039734}"/>
-              </a:ext>
-            </a:extLst>
-          </p:cNvPr>
-          <p:cNvPicPr>
-            <a:picLocks noChangeAspect="1"/>
-          </p:cNvPicPr>
-          <p:nvPr/>
-        </p:nvPicPr>
-        <p:blipFill rotWithShape="1">
-          <a:blip r:embed="rId5"/>
-          <a:srcRect l="63762" t="27733" r="29427" b="58785"/>
-          <a:stretch/>
-        </p:blipFill>
-        <p:spPr>
-          <a:xfrm>
-            <a:off x="5070005" y="1749093"/>
-            <a:ext cx="551038" cy="698092"/>
-          </a:xfrm>
-          <a:prstGeom prst="rect">
-            <a:avLst/>
-          </a:prstGeom>
-          <a:ln>
-            <a:solidFill>
-              <a:schemeClr val="tx1"/>
-            </a:solidFill>
-          </a:ln>
-        </p:spPr>
-      </p:pic>
-      <p:cxnSp>
-        <p:nvCxnSpPr>
-          <p:cNvPr id="66" name="Straight Connector 65">
-            <a:extLst>
-              <a:ext uri="{FF2B5EF4-FFF2-40B4-BE49-F238E27FC236}">
-                <a16:creationId xmlns:a16="http://schemas.microsoft.com/office/drawing/2014/main" id="{0A6F8EC0-4D0E-FB2D-535E-A976DF7D595C}"/>
-              </a:ext>
-            </a:extLst>
-          </p:cNvPr>
-          <p:cNvCxnSpPr>
-            <a:cxnSpLocks/>
-            <a:endCxn id="13" idx="0"/>
-          </p:cNvCxnSpPr>
-          <p:nvPr/>
-        </p:nvCxnSpPr>
-        <p:spPr>
-          <a:xfrm>
-            <a:off x="3936721" y="1396757"/>
-            <a:ext cx="5543" cy="354701"/>
-          </a:xfrm>
-          <a:prstGeom prst="line">
-            <a:avLst/>
-          </a:prstGeom>
-          <a:ln>
-            <a:solidFill>
-              <a:srgbClr val="FF0000"/>
-            </a:solidFill>
-          </a:ln>
-        </p:spPr>
-        <p:style>
-          <a:lnRef idx="2">
-            <a:schemeClr val="accent1"/>
-          </a:lnRef>
-          <a:fillRef idx="0">
-            <a:schemeClr val="accent1"/>
-          </a:fillRef>
-          <a:effectRef idx="1">
-            <a:schemeClr val="accent1"/>
-          </a:effectRef>
-          <a:fontRef idx="minor">
-            <a:schemeClr val="tx1"/>
-          </a:fontRef>
-        </p:style>
-      </p:cxnSp>
-      <p:cxnSp>
-        <p:nvCxnSpPr>
-          <p:cNvPr id="69" name="Straight Connector 68">
-            <a:extLst>
-              <a:ext uri="{FF2B5EF4-FFF2-40B4-BE49-F238E27FC236}">
-                <a16:creationId xmlns:a16="http://schemas.microsoft.com/office/drawing/2014/main" id="{627D2D12-5034-B88C-0BE0-6949291254E1}"/>
-              </a:ext>
-            </a:extLst>
-          </p:cNvPr>
-          <p:cNvCxnSpPr>
-            <a:cxnSpLocks/>
-          </p:cNvCxnSpPr>
-          <p:nvPr/>
-        </p:nvCxnSpPr>
-        <p:spPr>
-          <a:xfrm>
-            <a:off x="5327797" y="1418058"/>
-            <a:ext cx="18230" cy="345189"/>
-          </a:xfrm>
-          <a:prstGeom prst="line">
-            <a:avLst/>
-          </a:prstGeom>
-          <a:ln>
-            <a:solidFill>
-              <a:srgbClr val="FF0000"/>
-            </a:solidFill>
-          </a:ln>
-        </p:spPr>
-        <p:style>
-          <a:lnRef idx="2">
-            <a:schemeClr val="accent1"/>
-          </a:lnRef>
-          <a:fillRef idx="0">
-            <a:schemeClr val="accent1"/>
-          </a:fillRef>
-          <a:effectRef idx="1">
-            <a:schemeClr val="accent1"/>
-          </a:effectRef>
-          <a:fontRef idx="minor">
-            <a:schemeClr val="tx1"/>
-          </a:fontRef>
-        </p:style>
-      </p:cxnSp>
-      <p:sp>
-        <p:nvSpPr>
-          <p:cNvPr id="70" name="TextBox 69">
-            <a:extLst>
-              <a:ext uri="{FF2B5EF4-FFF2-40B4-BE49-F238E27FC236}">
-                <a16:creationId xmlns:a16="http://schemas.microsoft.com/office/drawing/2014/main" id="{7EDFBD18-5615-2FF7-4B0A-0452C296605A}"/>
-              </a:ext>
-            </a:extLst>
-          </p:cNvPr>
-          <p:cNvSpPr txBox="1"/>
-          <p:nvPr/>
-        </p:nvSpPr>
-        <p:spPr>
-          <a:xfrm>
-            <a:off x="9543725" y="2460561"/>
-            <a:ext cx="1025474" cy="553998"/>
-          </a:xfrm>
-          <a:prstGeom prst="rect">
-            <a:avLst/>
-          </a:prstGeom>
-          <a:noFill/>
-        </p:spPr>
-        <p:txBody>
-          <a:bodyPr wrap="none" rtlCol="0">
-            <a:spAutoFit/>
-          </a:bodyPr>
-          <a:lstStyle/>
-          <a:p>
-            <a:pPr algn="ctr"/>
-            <a:r>
-              <a:rPr lang="en-US" dirty="0"/>
-              <a:t>Pump </a:t>
-            </a:r>
-            <a:endParaRPr lang="en-US" sz="1200" dirty="0"/>
-          </a:p>
-          <a:p>
-            <a:pPr algn="ctr"/>
-            <a:r>
-              <a:rPr lang="en-US" sz="1200" dirty="0"/>
-              <a:t>4A DC Motor</a:t>
-            </a:r>
-            <a:endParaRPr lang="en-US" dirty="0"/>
-          </a:p>
-        </p:txBody>
-      </p:sp>
-      <p:sp>
-        <p:nvSpPr>
-          <p:cNvPr id="72" name="TextBox 71">
-            <a:extLst>
-              <a:ext uri="{FF2B5EF4-FFF2-40B4-BE49-F238E27FC236}">
-                <a16:creationId xmlns:a16="http://schemas.microsoft.com/office/drawing/2014/main" id="{92A853C1-5D04-E4C9-6660-278465840829}"/>
-              </a:ext>
-            </a:extLst>
-          </p:cNvPr>
-          <p:cNvSpPr txBox="1"/>
-          <p:nvPr/>
-        </p:nvSpPr>
-        <p:spPr>
-          <a:xfrm>
-            <a:off x="7797599" y="5223357"/>
-            <a:ext cx="1100238" cy="553998"/>
-          </a:xfrm>
-          <a:prstGeom prst="rect">
-            <a:avLst/>
-          </a:prstGeom>
-          <a:noFill/>
-        </p:spPr>
-        <p:txBody>
-          <a:bodyPr wrap="none" rtlCol="0">
-            <a:spAutoFit/>
-          </a:bodyPr>
-          <a:lstStyle/>
-          <a:p>
-            <a:r>
-              <a:rPr lang="en-US" dirty="0"/>
-              <a:t>LV Win11</a:t>
-            </a:r>
-          </a:p>
-          <a:p>
-            <a:r>
-              <a:rPr lang="en-US" sz="1200" dirty="0"/>
-              <a:t>Workstation</a:t>
-            </a:r>
-          </a:p>
-        </p:txBody>
-      </p:sp>
-      <p:sp>
-        <p:nvSpPr>
-          <p:cNvPr id="73" name="TextBox 72">
-            <a:extLst>
-              <a:ext uri="{FF2B5EF4-FFF2-40B4-BE49-F238E27FC236}">
-                <a16:creationId xmlns:a16="http://schemas.microsoft.com/office/drawing/2014/main" id="{A2252771-877D-CD9E-255A-4986C4073FC0}"/>
-              </a:ext>
-            </a:extLst>
-          </p:cNvPr>
-          <p:cNvSpPr txBox="1"/>
-          <p:nvPr/>
-        </p:nvSpPr>
-        <p:spPr>
-          <a:xfrm>
-            <a:off x="6377417" y="682611"/>
-            <a:ext cx="1554721" cy="553998"/>
-          </a:xfrm>
-          <a:prstGeom prst="rect">
-            <a:avLst/>
-          </a:prstGeom>
-          <a:noFill/>
-        </p:spPr>
-        <p:txBody>
-          <a:bodyPr wrap="none" rtlCol="0">
-            <a:spAutoFit/>
-          </a:bodyPr>
-          <a:lstStyle/>
-          <a:p>
-            <a:pPr algn="ctr"/>
-            <a:r>
-              <a:rPr lang="en-US" dirty="0"/>
-              <a:t>Interface PCB</a:t>
-            </a:r>
-          </a:p>
-          <a:p>
-            <a:pPr algn="ctr"/>
-            <a:r>
-              <a:rPr lang="en-US" sz="1200" dirty="0"/>
-              <a:t>Custom Unit</a:t>
-            </a:r>
-          </a:p>
-        </p:txBody>
-      </p:sp>
-      <p:pic>
-        <p:nvPicPr>
-          <p:cNvPr id="92" name="Picture 91">
-            <a:extLst>
-              <a:ext uri="{FF2B5EF4-FFF2-40B4-BE49-F238E27FC236}">
-                <a16:creationId xmlns:a16="http://schemas.microsoft.com/office/drawing/2014/main" id="{AC3DED35-8301-3BB9-D105-2073E0A594BE}"/>
-              </a:ext>
-            </a:extLst>
-          </p:cNvPr>
-          <p:cNvPicPr>
-            <a:picLocks noChangeAspect="1"/>
-          </p:cNvPicPr>
-          <p:nvPr/>
-        </p:nvPicPr>
-        <p:blipFill>
-          <a:blip r:embed="rId8"/>
-          <a:stretch>
-            <a:fillRect/>
-          </a:stretch>
-        </p:blipFill>
-        <p:spPr>
-          <a:xfrm>
-            <a:off x="4947618" y="3057358"/>
-            <a:ext cx="394649" cy="384055"/>
-          </a:xfrm>
-          <a:prstGeom prst="rect">
-            <a:avLst/>
-          </a:prstGeom>
-        </p:spPr>
-      </p:pic>
-      <p:pic>
-        <p:nvPicPr>
-          <p:cNvPr id="93" name="Picture 92">
-            <a:extLst>
-              <a:ext uri="{FF2B5EF4-FFF2-40B4-BE49-F238E27FC236}">
-                <a16:creationId xmlns:a16="http://schemas.microsoft.com/office/drawing/2014/main" id="{DAB7BEA8-E02F-EC5C-937A-FC6756781E94}"/>
-              </a:ext>
-            </a:extLst>
-          </p:cNvPr>
-          <p:cNvPicPr>
-            <a:picLocks noChangeAspect="1"/>
-          </p:cNvPicPr>
-          <p:nvPr/>
-        </p:nvPicPr>
-        <p:blipFill>
-          <a:blip r:embed="rId8"/>
-          <a:stretch>
-            <a:fillRect/>
-          </a:stretch>
-        </p:blipFill>
-        <p:spPr>
-          <a:xfrm>
-            <a:off x="5440219" y="2836393"/>
-            <a:ext cx="394649" cy="384055"/>
-          </a:xfrm>
-          <a:prstGeom prst="rect">
-            <a:avLst/>
-          </a:prstGeom>
-        </p:spPr>
-      </p:pic>
-      <p:sp>
-        <p:nvSpPr>
-          <p:cNvPr id="94" name="TextBox 93">
-            <a:extLst>
-              <a:ext uri="{FF2B5EF4-FFF2-40B4-BE49-F238E27FC236}">
-                <a16:creationId xmlns:a16="http://schemas.microsoft.com/office/drawing/2014/main" id="{BD95B64A-CCC1-137C-BDAE-45171FBF51A4}"/>
-              </a:ext>
-            </a:extLst>
-          </p:cNvPr>
-          <p:cNvSpPr txBox="1"/>
-          <p:nvPr/>
-        </p:nvSpPr>
-        <p:spPr>
-          <a:xfrm>
-            <a:off x="4368229" y="2146062"/>
-            <a:ext cx="825034" cy="738664"/>
-          </a:xfrm>
-          <a:prstGeom prst="rect">
-            <a:avLst/>
-          </a:prstGeom>
-          <a:noFill/>
-        </p:spPr>
-        <p:txBody>
-          <a:bodyPr wrap="none" rtlCol="0">
-            <a:spAutoFit/>
-          </a:bodyPr>
-          <a:lstStyle/>
-          <a:p>
-            <a:pPr algn="ctr"/>
-            <a:r>
-              <a:rPr lang="en-US" sz="1400" dirty="0"/>
-              <a:t>14ma </a:t>
-            </a:r>
-          </a:p>
-          <a:p>
-            <a:pPr algn="ctr"/>
-            <a:r>
-              <a:rPr lang="en-US" sz="1400" dirty="0"/>
-              <a:t>I-source</a:t>
-            </a:r>
-          </a:p>
-          <a:p>
-            <a:pPr algn="ctr"/>
-            <a:r>
-              <a:rPr lang="en-US" sz="1400" dirty="0"/>
-              <a:t>x8</a:t>
-            </a:r>
-          </a:p>
-        </p:txBody>
-      </p:sp>
-      <p:sp>
-        <p:nvSpPr>
-          <p:cNvPr id="95" name="Speech Bubble: Rectangle 94">
-            <a:extLst>
-              <a:ext uri="{FF2B5EF4-FFF2-40B4-BE49-F238E27FC236}">
-                <a16:creationId xmlns:a16="http://schemas.microsoft.com/office/drawing/2014/main" id="{AF892C74-375F-9B08-F5E9-C95DD15F4EFB}"/>
-              </a:ext>
-            </a:extLst>
-          </p:cNvPr>
-          <p:cNvSpPr/>
-          <p:nvPr/>
-        </p:nvSpPr>
-        <p:spPr>
-          <a:xfrm>
-            <a:off x="8091868" y="1184155"/>
-            <a:ext cx="1013182" cy="310155"/>
-          </a:xfrm>
-          <a:prstGeom prst="wedgeRectCallout">
-            <a:avLst>
-              <a:gd name="adj1" fmla="val -75163"/>
-              <a:gd name="adj2" fmla="val 169041"/>
-            </a:avLst>
-          </a:prstGeom>
-        </p:spPr>
-        <p:style>
-          <a:lnRef idx="2">
-            <a:schemeClr val="accent6"/>
-          </a:lnRef>
-          <a:fillRef idx="1">
-            <a:schemeClr val="lt1"/>
-          </a:fillRef>
-          <a:effectRef idx="0">
-            <a:schemeClr val="accent6"/>
-          </a:effectRef>
-          <a:fontRef idx="minor">
-            <a:schemeClr val="dk1"/>
-          </a:fontRef>
-        </p:style>
-        <p:txBody>
-          <a:bodyPr rtlCol="0" anchor="ctr"/>
-          <a:lstStyle/>
-          <a:p>
-            <a:pPr algn="ctr"/>
-            <a:r>
-              <a:rPr lang="en-US" sz="1200" dirty="0"/>
-              <a:t>Connector</a:t>
-            </a:r>
-          </a:p>
-        </p:txBody>
-      </p:sp>
-    </p:spTree>
-    <p:extLst>
-      <p:ext uri="{BB962C8B-B14F-4D97-AF65-F5344CB8AC3E}">
-        <p14:creationId xmlns:p14="http://schemas.microsoft.com/office/powerpoint/2010/main" val="3547915242"/>
-      </p:ext>
-    </p:extLst>
-  </p:cSld>
-  <p:clrMapOvr>
-    <a:masterClrMapping/>
-  </p:clrMapOvr>
-</p:sld>
-</file>
-
-<file path=ppt/slides/slide2.xml><?xml version="1.0" encoding="utf-8"?>
-<p:sld xmlns:a="http://schemas.openxmlformats.org/drawingml/2006/main" xmlns:r="http://schemas.openxmlformats.org/officeDocument/2006/relationships" xmlns:p="http://schemas.openxmlformats.org/presentationml/2006/main">
-  <p:cSld>
-    <p:spTree>
-      <p:nvGrpSpPr>
         <p:cNvPr id="1" name="">
           <a:extLst>
             <a:ext uri="{FF2B5EF4-FFF2-40B4-BE49-F238E27FC236}">
@@ -8518,7 +5750,7 @@
         </p:blipFill>
         <p:spPr bwMode="auto">
           <a:xfrm>
-            <a:off x="6187564" y="4993071"/>
+            <a:off x="6186525" y="5016565"/>
             <a:ext cx="1961794" cy="1749709"/>
           </a:xfrm>
           <a:prstGeom prst="rect">
@@ -10596,8 +7828,3686 @@
 </p:sld>
 </file>
 
+<file path=ppt/slides/slide2.xml><?xml version="1.0" encoding="utf-8"?>
+<p:sld xmlns:a="http://schemas.openxmlformats.org/drawingml/2006/main" xmlns:r="http://schemas.openxmlformats.org/officeDocument/2006/relationships" xmlns:p="http://schemas.openxmlformats.org/presentationml/2006/main">
+  <p:cSld>
+    <p:bg>
+      <p:bgPr>
+        <a:solidFill>
+          <a:schemeClr val="bg1"/>
+        </a:solidFill>
+        <a:effectLst/>
+      </p:bgPr>
+    </p:bg>
+    <p:spTree>
+      <p:nvGrpSpPr>
+        <p:cNvPr id="1" name=""/>
+        <p:cNvGrpSpPr/>
+        <p:nvPr/>
+      </p:nvGrpSpPr>
+      <p:grpSpPr>
+        <a:xfrm>
+          <a:off x="0" y="0"/>
+          <a:ext cx="0" cy="0"/>
+          <a:chOff x="0" y="0"/>
+          <a:chExt cx="0" cy="0"/>
+        </a:xfrm>
+      </p:grpSpPr>
+      <p:pic>
+        <p:nvPicPr>
+          <p:cNvPr id="10" name="Picture 9">
+            <a:extLst>
+              <a:ext uri="{FF2B5EF4-FFF2-40B4-BE49-F238E27FC236}">
+                <a16:creationId xmlns:a16="http://schemas.microsoft.com/office/drawing/2014/main" id="{C4139AA5-05FE-A9AA-7140-84EED3C3E55D}"/>
+              </a:ext>
+            </a:extLst>
+          </p:cNvPr>
+          <p:cNvPicPr>
+            <a:picLocks noChangeAspect="1"/>
+          </p:cNvPicPr>
+          <p:nvPr/>
+        </p:nvPicPr>
+        <p:blipFill>
+          <a:blip r:embed="rId3"/>
+          <a:stretch>
+            <a:fillRect/>
+          </a:stretch>
+        </p:blipFill>
+        <p:spPr>
+          <a:xfrm>
+            <a:off x="81025" y="0"/>
+            <a:ext cx="11929567" cy="6377600"/>
+          </a:xfrm>
+          <a:prstGeom prst="rect">
+            <a:avLst/>
+          </a:prstGeom>
+        </p:spPr>
+      </p:pic>
+      <p:sp>
+        <p:nvSpPr>
+          <p:cNvPr id="23" name="Rectangle 22">
+            <a:extLst>
+              <a:ext uri="{FF2B5EF4-FFF2-40B4-BE49-F238E27FC236}">
+                <a16:creationId xmlns:a16="http://schemas.microsoft.com/office/drawing/2014/main" id="{42A4FC2C-047E-45A5-965D-8E1E3BF09BC6}"/>
+              </a:ext>
+              <a:ext uri="{C183D7F6-B498-43B3-948B-1728B52AA6E4}">
+                <adec:decorative xmlns:adec="http://schemas.microsoft.com/office/drawing/2017/decorative" val="1"/>
+              </a:ext>
+            </a:extLst>
+          </p:cNvPr>
+          <p:cNvSpPr>
+            <a:spLocks noGrp="1" noRot="1" noChangeAspect="1" noMove="1" noResize="1" noEditPoints="1" noAdjustHandles="1" noChangeArrowheads="1" noChangeShapeType="1" noTextEdit="1"/>
+          </p:cNvSpPr>
+          <p:nvPr>
+            <p:extLst>
+              <p:ext uri="{386F3935-93C4-4BCD-93E2-E3B085C9AB24}">
+                <p16:designElem xmlns:p16="http://schemas.microsoft.com/office/powerpoint/2015/main" val="1"/>
+              </p:ext>
+            </p:extLst>
+          </p:nvPr>
+        </p:nvSpPr>
+        <p:spPr bwMode="white">
+          <a:xfrm>
+            <a:off x="1524" y="0"/>
+            <a:ext cx="12188952" cy="6858000"/>
+          </a:xfrm>
+          <a:prstGeom prst="rect">
+            <a:avLst/>
+          </a:prstGeom>
+          <a:noFill/>
+          <a:ln>
+            <a:noFill/>
+          </a:ln>
+        </p:spPr>
+        <p:style>
+          <a:lnRef idx="2">
+            <a:schemeClr val="accent1">
+              <a:shade val="50000"/>
+            </a:schemeClr>
+          </a:lnRef>
+          <a:fillRef idx="1">
+            <a:schemeClr val="accent1"/>
+          </a:fillRef>
+          <a:effectRef idx="0">
+            <a:schemeClr val="accent1"/>
+          </a:effectRef>
+          <a:fontRef idx="minor">
+            <a:schemeClr val="lt1"/>
+          </a:fontRef>
+        </p:style>
+        <p:txBody>
+          <a:bodyPr rtlCol="0" anchor="ctr"/>
+          <a:lstStyle>
+            <a:defPPr>
+              <a:defRPr lang="en-US"/>
+            </a:defPPr>
+            <a:lvl1pPr marL="0" algn="l" defTabSz="914400" rtl="0" eaLnBrk="1" latinLnBrk="0" hangingPunct="1">
+              <a:defRPr sz="1800" kern="1200">
+                <a:solidFill>
+                  <a:schemeClr val="lt1"/>
+                </a:solidFill>
+                <a:latin typeface="+mn-lt"/>
+                <a:ea typeface="+mn-ea"/>
+                <a:cs typeface="+mn-cs"/>
+              </a:defRPr>
+            </a:lvl1pPr>
+            <a:lvl2pPr marL="457200" algn="l" defTabSz="914400" rtl="0" eaLnBrk="1" latinLnBrk="0" hangingPunct="1">
+              <a:defRPr sz="1800" kern="1200">
+                <a:solidFill>
+                  <a:schemeClr val="lt1"/>
+                </a:solidFill>
+                <a:latin typeface="+mn-lt"/>
+                <a:ea typeface="+mn-ea"/>
+                <a:cs typeface="+mn-cs"/>
+              </a:defRPr>
+            </a:lvl2pPr>
+            <a:lvl3pPr marL="914400" algn="l" defTabSz="914400" rtl="0" eaLnBrk="1" latinLnBrk="0" hangingPunct="1">
+              <a:defRPr sz="1800" kern="1200">
+                <a:solidFill>
+                  <a:schemeClr val="lt1"/>
+                </a:solidFill>
+                <a:latin typeface="+mn-lt"/>
+                <a:ea typeface="+mn-ea"/>
+                <a:cs typeface="+mn-cs"/>
+              </a:defRPr>
+            </a:lvl3pPr>
+            <a:lvl4pPr marL="1371600" algn="l" defTabSz="914400" rtl="0" eaLnBrk="1" latinLnBrk="0" hangingPunct="1">
+              <a:defRPr sz="1800" kern="1200">
+                <a:solidFill>
+                  <a:schemeClr val="lt1"/>
+                </a:solidFill>
+                <a:latin typeface="+mn-lt"/>
+                <a:ea typeface="+mn-ea"/>
+                <a:cs typeface="+mn-cs"/>
+              </a:defRPr>
+            </a:lvl4pPr>
+            <a:lvl5pPr marL="1828800" algn="l" defTabSz="914400" rtl="0" eaLnBrk="1" latinLnBrk="0" hangingPunct="1">
+              <a:defRPr sz="1800" kern="1200">
+                <a:solidFill>
+                  <a:schemeClr val="lt1"/>
+                </a:solidFill>
+                <a:latin typeface="+mn-lt"/>
+                <a:ea typeface="+mn-ea"/>
+                <a:cs typeface="+mn-cs"/>
+              </a:defRPr>
+            </a:lvl5pPr>
+            <a:lvl6pPr marL="2286000" algn="l" defTabSz="914400" rtl="0" eaLnBrk="1" latinLnBrk="0" hangingPunct="1">
+              <a:defRPr sz="1800" kern="1200">
+                <a:solidFill>
+                  <a:schemeClr val="lt1"/>
+                </a:solidFill>
+                <a:latin typeface="+mn-lt"/>
+                <a:ea typeface="+mn-ea"/>
+                <a:cs typeface="+mn-cs"/>
+              </a:defRPr>
+            </a:lvl6pPr>
+            <a:lvl7pPr marL="2743200" algn="l" defTabSz="914400" rtl="0" eaLnBrk="1" latinLnBrk="0" hangingPunct="1">
+              <a:defRPr sz="1800" kern="1200">
+                <a:solidFill>
+                  <a:schemeClr val="lt1"/>
+                </a:solidFill>
+                <a:latin typeface="+mn-lt"/>
+                <a:ea typeface="+mn-ea"/>
+                <a:cs typeface="+mn-cs"/>
+              </a:defRPr>
+            </a:lvl7pPr>
+            <a:lvl8pPr marL="3200400" algn="l" defTabSz="914400" rtl="0" eaLnBrk="1" latinLnBrk="0" hangingPunct="1">
+              <a:defRPr sz="1800" kern="1200">
+                <a:solidFill>
+                  <a:schemeClr val="lt1"/>
+                </a:solidFill>
+                <a:latin typeface="+mn-lt"/>
+                <a:ea typeface="+mn-ea"/>
+                <a:cs typeface="+mn-cs"/>
+              </a:defRPr>
+            </a:lvl8pPr>
+            <a:lvl9pPr marL="3657600" algn="l" defTabSz="914400" rtl="0" eaLnBrk="1" latinLnBrk="0" hangingPunct="1">
+              <a:defRPr sz="1800" kern="1200">
+                <a:solidFill>
+                  <a:schemeClr val="lt1"/>
+                </a:solidFill>
+                <a:latin typeface="+mn-lt"/>
+                <a:ea typeface="+mn-ea"/>
+                <a:cs typeface="+mn-cs"/>
+              </a:defRPr>
+            </a:lvl9pPr>
+          </a:lstStyle>
+          <a:p>
+            <a:pPr algn="ctr"/>
+            <a:endParaRPr lang="en-US"/>
+          </a:p>
+        </p:txBody>
+      </p:sp>
+      <p:sp>
+        <p:nvSpPr>
+          <p:cNvPr id="5" name="Rectangle 4">
+            <a:extLst>
+              <a:ext uri="{FF2B5EF4-FFF2-40B4-BE49-F238E27FC236}">
+                <a16:creationId xmlns:a16="http://schemas.microsoft.com/office/drawing/2014/main" id="{75835502-12B8-854B-5C1D-AD902F168993}"/>
+              </a:ext>
+            </a:extLst>
+          </p:cNvPr>
+          <p:cNvSpPr/>
+          <p:nvPr/>
+        </p:nvSpPr>
+        <p:spPr>
+          <a:xfrm>
+            <a:off x="1501599" y="1104376"/>
+            <a:ext cx="1680012" cy="4446739"/>
+          </a:xfrm>
+          <a:prstGeom prst="rect">
+            <a:avLst/>
+          </a:prstGeom>
+          <a:solidFill>
+            <a:schemeClr val="accent1">
+              <a:alpha val="9000"/>
+            </a:schemeClr>
+          </a:solidFill>
+        </p:spPr>
+        <p:style>
+          <a:lnRef idx="2">
+            <a:schemeClr val="accent1">
+              <a:shade val="15000"/>
+            </a:schemeClr>
+          </a:lnRef>
+          <a:fillRef idx="1">
+            <a:schemeClr val="accent1"/>
+          </a:fillRef>
+          <a:effectRef idx="0">
+            <a:schemeClr val="accent1"/>
+          </a:effectRef>
+          <a:fontRef idx="minor">
+            <a:schemeClr val="lt1"/>
+          </a:fontRef>
+        </p:style>
+        <p:txBody>
+          <a:bodyPr rtlCol="0" anchor="t" anchorCtr="0"/>
+          <a:lstStyle/>
+          <a:p>
+            <a:pPr algn="ctr"/>
+            <a:r>
+              <a:rPr lang="en-US" dirty="0">
+                <a:solidFill>
+                  <a:schemeClr val="tx1"/>
+                </a:solidFill>
+              </a:rPr>
+              <a:t>100%</a:t>
+            </a:r>
+          </a:p>
+        </p:txBody>
+      </p:sp>
+      <p:sp>
+        <p:nvSpPr>
+          <p:cNvPr id="6" name="Rectangle 5">
+            <a:extLst>
+              <a:ext uri="{FF2B5EF4-FFF2-40B4-BE49-F238E27FC236}">
+                <a16:creationId xmlns:a16="http://schemas.microsoft.com/office/drawing/2014/main" id="{3DE3EF48-4069-5C4B-D3CB-79917609EBE8}"/>
+              </a:ext>
+            </a:extLst>
+          </p:cNvPr>
+          <p:cNvSpPr/>
+          <p:nvPr/>
+        </p:nvSpPr>
+        <p:spPr>
+          <a:xfrm>
+            <a:off x="3181611" y="1104376"/>
+            <a:ext cx="1478071" cy="4446739"/>
+          </a:xfrm>
+          <a:prstGeom prst="rect">
+            <a:avLst/>
+          </a:prstGeom>
+          <a:solidFill>
+            <a:schemeClr val="accent2">
+              <a:lumMod val="20000"/>
+              <a:lumOff val="80000"/>
+              <a:alpha val="20000"/>
+            </a:schemeClr>
+          </a:solidFill>
+        </p:spPr>
+        <p:style>
+          <a:lnRef idx="2">
+            <a:schemeClr val="accent1">
+              <a:shade val="15000"/>
+            </a:schemeClr>
+          </a:lnRef>
+          <a:fillRef idx="1">
+            <a:schemeClr val="accent1"/>
+          </a:fillRef>
+          <a:effectRef idx="0">
+            <a:schemeClr val="accent1"/>
+          </a:effectRef>
+          <a:fontRef idx="minor">
+            <a:schemeClr val="lt1"/>
+          </a:fontRef>
+        </p:style>
+        <p:txBody>
+          <a:bodyPr rtlCol="0" anchor="t" anchorCtr="0"/>
+          <a:lstStyle/>
+          <a:p>
+            <a:pPr algn="ctr"/>
+            <a:r>
+              <a:rPr lang="en-US" dirty="0">
+                <a:solidFill>
+                  <a:schemeClr val="tx1"/>
+                </a:solidFill>
+              </a:rPr>
+              <a:t>30%</a:t>
+            </a:r>
+          </a:p>
+        </p:txBody>
+      </p:sp>
+      <p:sp>
+        <p:nvSpPr>
+          <p:cNvPr id="7" name="Rectangle 6">
+            <a:extLst>
+              <a:ext uri="{FF2B5EF4-FFF2-40B4-BE49-F238E27FC236}">
+                <a16:creationId xmlns:a16="http://schemas.microsoft.com/office/drawing/2014/main" id="{2CFD9152-39A4-8D13-1938-61DF908CFCC9}"/>
+              </a:ext>
+            </a:extLst>
+          </p:cNvPr>
+          <p:cNvSpPr/>
+          <p:nvPr/>
+        </p:nvSpPr>
+        <p:spPr>
+          <a:xfrm>
+            <a:off x="5184251" y="1104377"/>
+            <a:ext cx="1478071" cy="4446739"/>
+          </a:xfrm>
+          <a:prstGeom prst="rect">
+            <a:avLst/>
+          </a:prstGeom>
+          <a:solidFill>
+            <a:srgbClr val="00B050">
+              <a:alpha val="20000"/>
+            </a:srgbClr>
+          </a:solidFill>
+        </p:spPr>
+        <p:style>
+          <a:lnRef idx="2">
+            <a:schemeClr val="accent1">
+              <a:shade val="15000"/>
+            </a:schemeClr>
+          </a:lnRef>
+          <a:fillRef idx="1">
+            <a:schemeClr val="accent1"/>
+          </a:fillRef>
+          <a:effectRef idx="0">
+            <a:schemeClr val="accent1"/>
+          </a:effectRef>
+          <a:fontRef idx="minor">
+            <a:schemeClr val="lt1"/>
+          </a:fontRef>
+        </p:style>
+        <p:txBody>
+          <a:bodyPr rtlCol="0" anchor="t" anchorCtr="0"/>
+          <a:lstStyle/>
+          <a:p>
+            <a:pPr algn="ctr"/>
+            <a:r>
+              <a:rPr lang="en-US" dirty="0">
+                <a:solidFill>
+                  <a:schemeClr val="tx1"/>
+                </a:solidFill>
+              </a:rPr>
+              <a:t>Waiting</a:t>
+            </a:r>
+          </a:p>
+        </p:txBody>
+      </p:sp>
+      <p:sp>
+        <p:nvSpPr>
+          <p:cNvPr id="8" name="Rectangle 7">
+            <a:extLst>
+              <a:ext uri="{FF2B5EF4-FFF2-40B4-BE49-F238E27FC236}">
+                <a16:creationId xmlns:a16="http://schemas.microsoft.com/office/drawing/2014/main" id="{5AF5DF7B-5C9F-D51C-07EE-E4DFA5C315C7}"/>
+              </a:ext>
+            </a:extLst>
+          </p:cNvPr>
+          <p:cNvSpPr/>
+          <p:nvPr/>
+        </p:nvSpPr>
+        <p:spPr>
+          <a:xfrm>
+            <a:off x="4659682" y="1104375"/>
+            <a:ext cx="523045" cy="4446739"/>
+          </a:xfrm>
+          <a:prstGeom prst="rect">
+            <a:avLst/>
+          </a:prstGeom>
+          <a:solidFill>
+            <a:srgbClr val="92D050">
+              <a:alpha val="20000"/>
+            </a:srgbClr>
+          </a:solidFill>
+        </p:spPr>
+        <p:style>
+          <a:lnRef idx="2">
+            <a:schemeClr val="accent1">
+              <a:shade val="15000"/>
+            </a:schemeClr>
+          </a:lnRef>
+          <a:fillRef idx="1">
+            <a:schemeClr val="accent1"/>
+          </a:fillRef>
+          <a:effectRef idx="0">
+            <a:schemeClr val="accent1"/>
+          </a:effectRef>
+          <a:fontRef idx="minor">
+            <a:schemeClr val="lt1"/>
+          </a:fontRef>
+        </p:style>
+        <p:txBody>
+          <a:bodyPr rtlCol="0" anchor="t" anchorCtr="0"/>
+          <a:lstStyle/>
+          <a:p>
+            <a:pPr algn="ctr"/>
+            <a:r>
+              <a:rPr lang="en-US" dirty="0">
+                <a:solidFill>
+                  <a:schemeClr val="tx1"/>
+                </a:solidFill>
+              </a:rPr>
+              <a:t>7%</a:t>
+            </a:r>
+          </a:p>
+        </p:txBody>
+      </p:sp>
+    </p:spTree>
+    <p:extLst>
+      <p:ext uri="{BB962C8B-B14F-4D97-AF65-F5344CB8AC3E}">
+        <p14:creationId xmlns:p14="http://schemas.microsoft.com/office/powerpoint/2010/main" val="1543329525"/>
+      </p:ext>
+    </p:extLst>
+  </p:cSld>
+  <p:clrMapOvr>
+    <a:masterClrMapping/>
+  </p:clrMapOvr>
+</p:sld>
+</file>
+
 <file path=ppt/slides/slide3.xml><?xml version="1.0" encoding="utf-8"?>
 <p:sld xmlns:a="http://schemas.openxmlformats.org/drawingml/2006/main" xmlns:r="http://schemas.openxmlformats.org/officeDocument/2006/relationships" xmlns:p="http://schemas.openxmlformats.org/presentationml/2006/main">
+  <p:cSld>
+    <p:spTree>
+      <p:nvGrpSpPr>
+        <p:cNvPr id="1" name=""/>
+        <p:cNvGrpSpPr/>
+        <p:nvPr/>
+      </p:nvGrpSpPr>
+      <p:grpSpPr>
+        <a:xfrm>
+          <a:off x="0" y="0"/>
+          <a:ext cx="0" cy="0"/>
+          <a:chOff x="0" y="0"/>
+          <a:chExt cx="0" cy="0"/>
+        </a:xfrm>
+      </p:grpSpPr>
+      <p:pic>
+        <p:nvPicPr>
+          <p:cNvPr id="4" name="Picture 3">
+            <a:extLst>
+              <a:ext uri="{FF2B5EF4-FFF2-40B4-BE49-F238E27FC236}">
+                <a16:creationId xmlns:a16="http://schemas.microsoft.com/office/drawing/2014/main" id="{8E1F973E-6DCF-7532-B4E7-52A34BC852D4}"/>
+              </a:ext>
+            </a:extLst>
+          </p:cNvPr>
+          <p:cNvPicPr>
+            <a:picLocks noChangeAspect="1"/>
+          </p:cNvPicPr>
+          <p:nvPr/>
+        </p:nvPicPr>
+        <p:blipFill>
+          <a:blip r:embed="rId2"/>
+          <a:stretch>
+            <a:fillRect/>
+          </a:stretch>
+        </p:blipFill>
+        <p:spPr>
+          <a:xfrm>
+            <a:off x="1325466" y="517907"/>
+            <a:ext cx="9541067" cy="5822185"/>
+          </a:xfrm>
+          <a:prstGeom prst="rect">
+            <a:avLst/>
+          </a:prstGeom>
+        </p:spPr>
+      </p:pic>
+    </p:spTree>
+    <p:extLst>
+      <p:ext uri="{BB962C8B-B14F-4D97-AF65-F5344CB8AC3E}">
+        <p14:creationId xmlns:p14="http://schemas.microsoft.com/office/powerpoint/2010/main" val="1165057857"/>
+      </p:ext>
+    </p:extLst>
+  </p:cSld>
+  <p:clrMapOvr>
+    <a:masterClrMapping/>
+  </p:clrMapOvr>
+</p:sld>
+</file>
+
+<file path=ppt/slides/slide4.xml><?xml version="1.0" encoding="utf-8"?>
+<p:sld xmlns:a="http://schemas.openxmlformats.org/drawingml/2006/main" xmlns:r="http://schemas.openxmlformats.org/officeDocument/2006/relationships" xmlns:p="http://schemas.openxmlformats.org/presentationml/2006/main">
+  <p:cSld>
+    <p:spTree>
+      <p:nvGrpSpPr>
+        <p:cNvPr id="1" name=""/>
+        <p:cNvGrpSpPr/>
+        <p:nvPr/>
+      </p:nvGrpSpPr>
+      <p:grpSpPr>
+        <a:xfrm>
+          <a:off x="0" y="0"/>
+          <a:ext cx="0" cy="0"/>
+          <a:chOff x="0" y="0"/>
+          <a:chExt cx="0" cy="0"/>
+        </a:xfrm>
+      </p:grpSpPr>
+      <p:sp>
+        <p:nvSpPr>
+          <p:cNvPr id="2" name="Title 1">
+            <a:extLst>
+              <a:ext uri="{FF2B5EF4-FFF2-40B4-BE49-F238E27FC236}">
+                <a16:creationId xmlns:a16="http://schemas.microsoft.com/office/drawing/2014/main" id="{87288C4F-7029-D810-3078-BCF31F22188D}"/>
+              </a:ext>
+            </a:extLst>
+          </p:cNvPr>
+          <p:cNvSpPr>
+            <a:spLocks noGrp="1"/>
+          </p:cNvSpPr>
+          <p:nvPr>
+            <p:ph type="title"/>
+          </p:nvPr>
+        </p:nvSpPr>
+        <p:spPr/>
+        <p:txBody>
+          <a:bodyPr/>
+          <a:lstStyle/>
+          <a:p>
+            <a:r>
+              <a:rPr lang="en-US" dirty="0"/>
+              <a:t>Tank Level Response</a:t>
+            </a:r>
+          </a:p>
+        </p:txBody>
+      </p:sp>
+      <p:sp>
+        <p:nvSpPr>
+          <p:cNvPr id="3" name="Content Placeholder 2">
+            <a:extLst>
+              <a:ext uri="{FF2B5EF4-FFF2-40B4-BE49-F238E27FC236}">
+                <a16:creationId xmlns:a16="http://schemas.microsoft.com/office/drawing/2014/main" id="{46ED75FA-F5DA-C361-1A71-D2172F4FEE3F}"/>
+              </a:ext>
+            </a:extLst>
+          </p:cNvPr>
+          <p:cNvSpPr>
+            <a:spLocks noGrp="1"/>
+          </p:cNvSpPr>
+          <p:nvPr>
+            <p:ph idx="1"/>
+          </p:nvPr>
+        </p:nvSpPr>
+        <p:spPr>
+          <a:xfrm>
+            <a:off x="838200" y="1561575"/>
+            <a:ext cx="6113745" cy="4351338"/>
+          </a:xfrm>
+        </p:spPr>
+        <p:txBody>
+          <a:bodyPr>
+            <a:normAutofit/>
+          </a:bodyPr>
+          <a:lstStyle/>
+          <a:p>
+            <a:pPr marL="0" indent="0">
+              <a:buNone/>
+            </a:pPr>
+            <a:r>
+              <a:rPr lang="en-US" sz="2000" dirty="0"/>
+              <a:t>Using the </a:t>
+            </a:r>
+            <a:r>
+              <a:rPr lang="en-US" sz="2000" dirty="0" err="1"/>
+              <a:t>Pololu</a:t>
+            </a:r>
+            <a:r>
+              <a:rPr lang="en-US" sz="2000" dirty="0"/>
+              <a:t> MC18V7 PWM motor controller with Vs set to 24Vdc,  The </a:t>
+            </a:r>
+            <a:r>
+              <a:rPr lang="en-US" sz="2000" dirty="0">
+                <a:sym typeface="Symbol" panose="05050102010706020507" pitchFamily="18" charset="2"/>
+              </a:rPr>
+              <a:t> Level was measure for 30 seconds at various percent of max speed (100% duty cycle) for both FILL and DRAIN at near EMPTY and near FULL.</a:t>
+            </a:r>
+          </a:p>
+          <a:p>
+            <a:pPr marL="0" indent="0">
+              <a:buNone/>
+            </a:pPr>
+            <a:r>
+              <a:rPr lang="en-US" sz="2000" dirty="0">
+                <a:sym typeface="Symbol" panose="05050102010706020507" pitchFamily="18" charset="2"/>
+              </a:rPr>
+              <a:t>The response has a minor shift at each case but is basically linear down to about 5% resulting in fill rate of about 0.1”/min where the control becomes unstable by 4% as shown in the ‘Zoomed In Plot.</a:t>
+            </a:r>
+          </a:p>
+          <a:p>
+            <a:pPr marL="0" indent="0">
+              <a:buNone/>
+            </a:pPr>
+            <a:r>
+              <a:rPr lang="en-US" sz="2000" b="1" u="sng" dirty="0">
+                <a:sym typeface="Symbol" panose="05050102010706020507" pitchFamily="18" charset="2"/>
+              </a:rPr>
+              <a:t>Without doing an extensive fluid analysis, this response is assumed to be adequate for the MLOI application. </a:t>
+            </a:r>
+          </a:p>
+          <a:p>
+            <a:pPr marL="0" indent="0">
+              <a:buNone/>
+            </a:pPr>
+            <a:r>
+              <a:rPr lang="en-US" sz="1600" dirty="0">
+                <a:sym typeface="Symbol" panose="05050102010706020507" pitchFamily="18" charset="2"/>
+              </a:rPr>
+              <a:t>Data from </a:t>
+            </a:r>
+            <a:r>
+              <a:rPr lang="en-US" sz="1600" dirty="0" err="1">
+                <a:sym typeface="Symbol" panose="05050102010706020507" pitchFamily="18" charset="2"/>
+              </a:rPr>
+              <a:t>mloi</a:t>
+            </a:r>
+            <a:r>
+              <a:rPr lang="en-US" sz="1600" dirty="0">
+                <a:sym typeface="Symbol" panose="05050102010706020507" pitchFamily="18" charset="2"/>
+              </a:rPr>
+              <a:t>:\</a:t>
+            </a:r>
+            <a:r>
+              <a:rPr lang="en-US" sz="1600" dirty="0" err="1">
+                <a:sym typeface="Symbol" panose="05050102010706020507" pitchFamily="18" charset="2"/>
+              </a:rPr>
+              <a:t>PM_Folder</a:t>
+            </a:r>
+            <a:r>
+              <a:rPr lang="en-US" sz="1600" dirty="0">
+                <a:sym typeface="Symbol" panose="05050102010706020507" pitchFamily="18" charset="2"/>
+              </a:rPr>
+              <a:t>\_3 Develop\Design Calculations.xlsx sheet Tank.  3/4/2025 R. Ales</a:t>
+            </a:r>
+          </a:p>
+          <a:p>
+            <a:pPr marL="0" indent="0">
+              <a:buNone/>
+            </a:pPr>
+            <a:endParaRPr lang="en-US" sz="2000" dirty="0">
+              <a:sym typeface="Symbol" panose="05050102010706020507" pitchFamily="18" charset="2"/>
+            </a:endParaRPr>
+          </a:p>
+        </p:txBody>
+      </p:sp>
+      <p:pic>
+        <p:nvPicPr>
+          <p:cNvPr id="8" name="Picture 7">
+            <a:extLst>
+              <a:ext uri="{FF2B5EF4-FFF2-40B4-BE49-F238E27FC236}">
+                <a16:creationId xmlns:a16="http://schemas.microsoft.com/office/drawing/2014/main" id="{94D5C051-3120-E3B0-331F-9950727FDF39}"/>
+              </a:ext>
+            </a:extLst>
+          </p:cNvPr>
+          <p:cNvPicPr>
+            <a:picLocks noChangeAspect="1"/>
+          </p:cNvPicPr>
+          <p:nvPr/>
+        </p:nvPicPr>
+        <p:blipFill>
+          <a:blip r:embed="rId2"/>
+          <a:stretch>
+            <a:fillRect/>
+          </a:stretch>
+        </p:blipFill>
+        <p:spPr>
+          <a:xfrm>
+            <a:off x="7137716" y="914144"/>
+            <a:ext cx="4584589" cy="2755631"/>
+          </a:xfrm>
+          <a:prstGeom prst="rect">
+            <a:avLst/>
+          </a:prstGeom>
+        </p:spPr>
+      </p:pic>
+      <p:pic>
+        <p:nvPicPr>
+          <p:cNvPr id="10" name="Picture 9">
+            <a:extLst>
+              <a:ext uri="{FF2B5EF4-FFF2-40B4-BE49-F238E27FC236}">
+                <a16:creationId xmlns:a16="http://schemas.microsoft.com/office/drawing/2014/main" id="{CF56FB39-74ED-21F0-A6FA-0485B7313758}"/>
+              </a:ext>
+            </a:extLst>
+          </p:cNvPr>
+          <p:cNvPicPr>
+            <a:picLocks noChangeAspect="1"/>
+          </p:cNvPicPr>
+          <p:nvPr/>
+        </p:nvPicPr>
+        <p:blipFill>
+          <a:blip r:embed="rId3"/>
+          <a:stretch>
+            <a:fillRect/>
+          </a:stretch>
+        </p:blipFill>
+        <p:spPr>
+          <a:xfrm>
+            <a:off x="7137716" y="3737244"/>
+            <a:ext cx="4584589" cy="2755631"/>
+          </a:xfrm>
+          <a:prstGeom prst="rect">
+            <a:avLst/>
+          </a:prstGeom>
+        </p:spPr>
+      </p:pic>
+    </p:spTree>
+    <p:extLst>
+      <p:ext uri="{BB962C8B-B14F-4D97-AF65-F5344CB8AC3E}">
+        <p14:creationId xmlns:p14="http://schemas.microsoft.com/office/powerpoint/2010/main" val="4116884552"/>
+      </p:ext>
+    </p:extLst>
+  </p:cSld>
+  <p:clrMapOvr>
+    <a:masterClrMapping/>
+  </p:clrMapOvr>
+</p:sld>
+</file>
+
+<file path=ppt/slides/slide5.xml><?xml version="1.0" encoding="utf-8"?>
+<p:sld xmlns:a="http://schemas.openxmlformats.org/drawingml/2006/main" xmlns:r="http://schemas.openxmlformats.org/officeDocument/2006/relationships" xmlns:p="http://schemas.openxmlformats.org/presentationml/2006/main">
+  <p:cSld>
+    <p:spTree>
+      <p:nvGrpSpPr>
+        <p:cNvPr id="1" name=""/>
+        <p:cNvGrpSpPr/>
+        <p:nvPr/>
+      </p:nvGrpSpPr>
+      <p:grpSpPr>
+        <a:xfrm>
+          <a:off x="0" y="0"/>
+          <a:ext cx="0" cy="0"/>
+          <a:chOff x="0" y="0"/>
+          <a:chExt cx="0" cy="0"/>
+        </a:xfrm>
+      </p:grpSpPr>
+      <p:pic>
+        <p:nvPicPr>
+          <p:cNvPr id="4" name="Picture 3">
+            <a:extLst>
+              <a:ext uri="{FF2B5EF4-FFF2-40B4-BE49-F238E27FC236}">
+                <a16:creationId xmlns:a16="http://schemas.microsoft.com/office/drawing/2014/main" id="{A78D1E9C-A1AF-5A0D-8F28-340B9D92B096}"/>
+              </a:ext>
+            </a:extLst>
+          </p:cNvPr>
+          <p:cNvPicPr>
+            <a:picLocks noChangeAspect="1"/>
+          </p:cNvPicPr>
+          <p:nvPr/>
+        </p:nvPicPr>
+        <p:blipFill>
+          <a:blip r:embed="rId2"/>
+          <a:stretch>
+            <a:fillRect/>
+          </a:stretch>
+        </p:blipFill>
+        <p:spPr>
+          <a:xfrm>
+            <a:off x="74429" y="0"/>
+            <a:ext cx="12192000" cy="6652334"/>
+          </a:xfrm>
+          <a:prstGeom prst="rect">
+            <a:avLst/>
+          </a:prstGeom>
+          <a:ln>
+            <a:noFill/>
+          </a:ln>
+          <a:effectLst>
+            <a:outerShdw blurRad="292100" dist="139700" dir="2700000" algn="tl" rotWithShape="0">
+              <a:srgbClr val="333333">
+                <a:alpha val="65000"/>
+              </a:srgbClr>
+            </a:outerShdw>
+          </a:effectLst>
+        </p:spPr>
+      </p:pic>
+    </p:spTree>
+    <p:extLst>
+      <p:ext uri="{BB962C8B-B14F-4D97-AF65-F5344CB8AC3E}">
+        <p14:creationId xmlns:p14="http://schemas.microsoft.com/office/powerpoint/2010/main" val="1919276135"/>
+      </p:ext>
+    </p:extLst>
+  </p:cSld>
+  <p:clrMapOvr>
+    <a:masterClrMapping/>
+  </p:clrMapOvr>
+</p:sld>
+</file>
+
+<file path=ppt/slides/slide6.xml><?xml version="1.0" encoding="utf-8"?>
+<p:sld xmlns:a="http://schemas.openxmlformats.org/drawingml/2006/main" xmlns:r="http://schemas.openxmlformats.org/officeDocument/2006/relationships" xmlns:p="http://schemas.openxmlformats.org/presentationml/2006/main" show="0">
+  <p:cSld>
+    <p:spTree>
+      <p:nvGrpSpPr>
+        <p:cNvPr id="1" name=""/>
+        <p:cNvGrpSpPr/>
+        <p:nvPr/>
+      </p:nvGrpSpPr>
+      <p:grpSpPr>
+        <a:xfrm>
+          <a:off x="0" y="0"/>
+          <a:ext cx="0" cy="0"/>
+          <a:chOff x="0" y="0"/>
+          <a:chExt cx="0" cy="0"/>
+        </a:xfrm>
+      </p:grpSpPr>
+      <p:pic>
+        <p:nvPicPr>
+          <p:cNvPr id="1026" name="Picture 2" descr="EXPLORING THE FIRST SYMBOL IN THE PTOA LOGO - The Process Technology ...">
+            <a:extLst>
+              <a:ext uri="{FF2B5EF4-FFF2-40B4-BE49-F238E27FC236}">
+                <a16:creationId xmlns:a16="http://schemas.microsoft.com/office/drawing/2014/main" id="{C1BF199C-0DD1-E77A-9215-621190F7CBEE}"/>
+              </a:ext>
+            </a:extLst>
+          </p:cNvPr>
+          <p:cNvPicPr>
+            <a:picLocks noChangeAspect="1" noChangeArrowheads="1"/>
+          </p:cNvPicPr>
+          <p:nvPr/>
+        </p:nvPicPr>
+        <p:blipFill rotWithShape="1">
+          <a:blip r:embed="rId3">
+            <a:extLst>
+              <a:ext uri="{28A0092B-C50C-407E-A947-70E740481C1C}">
+                <a14:useLocalDpi xmlns:a14="http://schemas.microsoft.com/office/drawing/2010/main" val="0"/>
+              </a:ext>
+            </a:extLst>
+          </a:blip>
+          <a:srcRect l="29464" t="30944" r="27210" b="24932"/>
+          <a:stretch/>
+        </p:blipFill>
+        <p:spPr bwMode="auto">
+          <a:xfrm>
+            <a:off x="9543725" y="1813904"/>
+            <a:ext cx="755375" cy="769289"/>
+          </a:xfrm>
+          <a:prstGeom prst="rect">
+            <a:avLst/>
+          </a:prstGeom>
+          <a:noFill/>
+          <a:extLst>
+            <a:ext uri="{909E8E84-426E-40DD-AFC4-6F175D3DCCD1}">
+              <a14:hiddenFill xmlns:a14="http://schemas.microsoft.com/office/drawing/2010/main">
+                <a:solidFill>
+                  <a:srgbClr val="FFFFFF"/>
+                </a:solidFill>
+              </a14:hiddenFill>
+            </a:ext>
+          </a:extLst>
+        </p:spPr>
+      </p:pic>
+      <p:pic>
+        <p:nvPicPr>
+          <p:cNvPr id="18" name="Picture 17">
+            <a:extLst>
+              <a:ext uri="{FF2B5EF4-FFF2-40B4-BE49-F238E27FC236}">
+                <a16:creationId xmlns:a16="http://schemas.microsoft.com/office/drawing/2014/main" id="{8AD9FB9B-5F2F-7D5D-7873-6F87538DA056}"/>
+              </a:ext>
+            </a:extLst>
+          </p:cNvPr>
+          <p:cNvPicPr>
+            <a:picLocks noChangeAspect="1"/>
+          </p:cNvPicPr>
+          <p:nvPr/>
+        </p:nvPicPr>
+        <p:blipFill>
+          <a:blip r:embed="rId4"/>
+          <a:srcRect l="5098" t="6033" r="55743" b="9157"/>
+          <a:stretch/>
+        </p:blipFill>
+        <p:spPr>
+          <a:xfrm>
+            <a:off x="6138604" y="4228599"/>
+            <a:ext cx="806924" cy="1639041"/>
+          </a:xfrm>
+          <a:prstGeom prst="rect">
+            <a:avLst/>
+          </a:prstGeom>
+          <a:ln>
+            <a:solidFill>
+              <a:schemeClr val="tx1"/>
+            </a:solidFill>
+          </a:ln>
+        </p:spPr>
+      </p:pic>
+      <p:cxnSp>
+        <p:nvCxnSpPr>
+          <p:cNvPr id="9" name="Straight Connector 8">
+            <a:extLst>
+              <a:ext uri="{FF2B5EF4-FFF2-40B4-BE49-F238E27FC236}">
+                <a16:creationId xmlns:a16="http://schemas.microsoft.com/office/drawing/2014/main" id="{7FA0724E-FCA0-49FF-089B-75B477362269}"/>
+              </a:ext>
+            </a:extLst>
+          </p:cNvPr>
+          <p:cNvCxnSpPr>
+            <a:cxnSpLocks/>
+          </p:cNvCxnSpPr>
+          <p:nvPr/>
+        </p:nvCxnSpPr>
+        <p:spPr>
+          <a:xfrm flipH="1">
+            <a:off x="3489340" y="3463322"/>
+            <a:ext cx="2826972" cy="18594"/>
+          </a:xfrm>
+          <a:prstGeom prst="line">
+            <a:avLst/>
+          </a:prstGeom>
+          <a:ln>
+            <a:solidFill>
+              <a:schemeClr val="tx1"/>
+            </a:solidFill>
+          </a:ln>
+        </p:spPr>
+        <p:style>
+          <a:lnRef idx="2">
+            <a:schemeClr val="accent1"/>
+          </a:lnRef>
+          <a:fillRef idx="0">
+            <a:schemeClr val="accent1"/>
+          </a:fillRef>
+          <a:effectRef idx="1">
+            <a:schemeClr val="accent1"/>
+          </a:effectRef>
+          <a:fontRef idx="minor">
+            <a:schemeClr val="tx1"/>
+          </a:fontRef>
+        </p:style>
+      </p:cxnSp>
+      <p:sp>
+        <p:nvSpPr>
+          <p:cNvPr id="141" name="Rectangle 140">
+            <a:extLst>
+              <a:ext uri="{FF2B5EF4-FFF2-40B4-BE49-F238E27FC236}">
+                <a16:creationId xmlns:a16="http://schemas.microsoft.com/office/drawing/2014/main" id="{174539FA-1F00-D0F0-2D17-254F4BB98C33}"/>
+              </a:ext>
+            </a:extLst>
+          </p:cNvPr>
+          <p:cNvSpPr/>
+          <p:nvPr/>
+        </p:nvSpPr>
+        <p:spPr>
+          <a:xfrm>
+            <a:off x="2991957" y="523949"/>
+            <a:ext cx="5003079" cy="3356311"/>
+          </a:xfrm>
+          <a:prstGeom prst="rect">
+            <a:avLst/>
+          </a:prstGeom>
+          <a:noFill/>
+          <a:ln w="57150"/>
+        </p:spPr>
+        <p:style>
+          <a:lnRef idx="2">
+            <a:schemeClr val="accent1"/>
+          </a:lnRef>
+          <a:fillRef idx="1">
+            <a:schemeClr val="lt1"/>
+          </a:fillRef>
+          <a:effectRef idx="0">
+            <a:schemeClr val="accent1"/>
+          </a:effectRef>
+          <a:fontRef idx="minor">
+            <a:schemeClr val="dk1"/>
+          </a:fontRef>
+        </p:style>
+        <p:txBody>
+          <a:bodyPr rtlCol="0" anchor="ctr"/>
+          <a:lstStyle/>
+          <a:p>
+            <a:pPr algn="ctr"/>
+            <a:endParaRPr lang="en-US"/>
+          </a:p>
+        </p:txBody>
+      </p:sp>
+      <p:pic>
+        <p:nvPicPr>
+          <p:cNvPr id="13" name="Picture 12">
+            <a:extLst>
+              <a:ext uri="{FF2B5EF4-FFF2-40B4-BE49-F238E27FC236}">
+                <a16:creationId xmlns:a16="http://schemas.microsoft.com/office/drawing/2014/main" id="{A3276A8A-1E32-45C8-2E90-BD1BC67ADA87}"/>
+              </a:ext>
+            </a:extLst>
+          </p:cNvPr>
+          <p:cNvPicPr>
+            <a:picLocks noChangeAspect="1"/>
+          </p:cNvPicPr>
+          <p:nvPr/>
+        </p:nvPicPr>
+        <p:blipFill rotWithShape="1">
+          <a:blip r:embed="rId5"/>
+          <a:srcRect l="63762" t="27733" r="29427" b="58785"/>
+          <a:stretch/>
+        </p:blipFill>
+        <p:spPr>
+          <a:xfrm>
+            <a:off x="3666745" y="1751458"/>
+            <a:ext cx="551038" cy="698092"/>
+          </a:xfrm>
+          <a:prstGeom prst="rect">
+            <a:avLst/>
+          </a:prstGeom>
+          <a:ln>
+            <a:solidFill>
+              <a:schemeClr val="tx1"/>
+            </a:solidFill>
+          </a:ln>
+        </p:spPr>
+      </p:pic>
+      <p:sp>
+        <p:nvSpPr>
+          <p:cNvPr id="7" name="Rectangle 6">
+            <a:extLst>
+              <a:ext uri="{FF2B5EF4-FFF2-40B4-BE49-F238E27FC236}">
+                <a16:creationId xmlns:a16="http://schemas.microsoft.com/office/drawing/2014/main" id="{407683C0-640D-6CD3-5C9D-7F906E2F5FFC}"/>
+              </a:ext>
+            </a:extLst>
+          </p:cNvPr>
+          <p:cNvSpPr/>
+          <p:nvPr/>
+        </p:nvSpPr>
+        <p:spPr>
+          <a:xfrm>
+            <a:off x="4222266" y="4573283"/>
+            <a:ext cx="402336" cy="1280160"/>
+          </a:xfrm>
+          <a:prstGeom prst="rect">
+            <a:avLst/>
+          </a:prstGeom>
+        </p:spPr>
+        <p:style>
+          <a:lnRef idx="2">
+            <a:schemeClr val="dk1"/>
+          </a:lnRef>
+          <a:fillRef idx="1">
+            <a:schemeClr val="lt1"/>
+          </a:fillRef>
+          <a:effectRef idx="0">
+            <a:schemeClr val="dk1"/>
+          </a:effectRef>
+          <a:fontRef idx="minor">
+            <a:schemeClr val="dk1"/>
+          </a:fontRef>
+        </p:style>
+        <p:txBody>
+          <a:bodyPr rtlCol="0" anchor="ctr"/>
+          <a:lstStyle/>
+          <a:p>
+            <a:pPr algn="ctr"/>
+            <a:endParaRPr lang="en-US"/>
+          </a:p>
+        </p:txBody>
+      </p:sp>
+      <p:cxnSp>
+        <p:nvCxnSpPr>
+          <p:cNvPr id="10" name="Straight Connector 9">
+            <a:extLst>
+              <a:ext uri="{FF2B5EF4-FFF2-40B4-BE49-F238E27FC236}">
+                <a16:creationId xmlns:a16="http://schemas.microsoft.com/office/drawing/2014/main" id="{47275D74-0BEA-3EB6-E3D6-08CBDD99C61D}"/>
+              </a:ext>
+            </a:extLst>
+          </p:cNvPr>
+          <p:cNvCxnSpPr>
+            <a:cxnSpLocks/>
+          </p:cNvCxnSpPr>
+          <p:nvPr/>
+        </p:nvCxnSpPr>
+        <p:spPr>
+          <a:xfrm flipH="1">
+            <a:off x="3011151" y="1421277"/>
+            <a:ext cx="2752439" cy="0"/>
+          </a:xfrm>
+          <a:prstGeom prst="line">
+            <a:avLst/>
+          </a:prstGeom>
+          <a:ln>
+            <a:solidFill>
+              <a:srgbClr val="FF0000"/>
+            </a:solidFill>
+          </a:ln>
+        </p:spPr>
+        <p:style>
+          <a:lnRef idx="2">
+            <a:schemeClr val="accent1"/>
+          </a:lnRef>
+          <a:fillRef idx="0">
+            <a:schemeClr val="accent1"/>
+          </a:fillRef>
+          <a:effectRef idx="1">
+            <a:schemeClr val="accent1"/>
+          </a:effectRef>
+          <a:fontRef idx="minor">
+            <a:schemeClr val="tx1"/>
+          </a:fontRef>
+        </p:style>
+      </p:cxnSp>
+      <p:sp>
+        <p:nvSpPr>
+          <p:cNvPr id="12" name="Freeform: Shape 11">
+            <a:extLst>
+              <a:ext uri="{FF2B5EF4-FFF2-40B4-BE49-F238E27FC236}">
+                <a16:creationId xmlns:a16="http://schemas.microsoft.com/office/drawing/2014/main" id="{B0B02798-0516-1636-CFB9-F99BD34D84DF}"/>
+              </a:ext>
+            </a:extLst>
+          </p:cNvPr>
+          <p:cNvSpPr/>
+          <p:nvPr/>
+        </p:nvSpPr>
+        <p:spPr>
+          <a:xfrm>
+            <a:off x="4186902" y="3463322"/>
+            <a:ext cx="137626" cy="1133856"/>
+          </a:xfrm>
+          <a:custGeom>
+            <a:avLst/>
+            <a:gdLst>
+              <a:gd name="connsiteX0" fmla="*/ 137626 w 137626"/>
+              <a:gd name="connsiteY0" fmla="*/ 1133856 h 1133856"/>
+              <a:gd name="connsiteX1" fmla="*/ 3514 w 137626"/>
+              <a:gd name="connsiteY1" fmla="*/ 707136 h 1133856"/>
+              <a:gd name="connsiteX2" fmla="*/ 52282 w 137626"/>
+              <a:gd name="connsiteY2" fmla="*/ 0 h 1133856"/>
+            </a:gdLst>
+            <a:ahLst/>
+            <a:cxnLst>
+              <a:cxn ang="0">
+                <a:pos x="connsiteX0" y="connsiteY0"/>
+              </a:cxn>
+              <a:cxn ang="0">
+                <a:pos x="connsiteX1" y="connsiteY1"/>
+              </a:cxn>
+              <a:cxn ang="0">
+                <a:pos x="connsiteX2" y="connsiteY2"/>
+              </a:cxn>
+            </a:cxnLst>
+            <a:rect l="l" t="t" r="r" b="b"/>
+            <a:pathLst>
+              <a:path w="137626" h="1133856">
+                <a:moveTo>
+                  <a:pt x="137626" y="1133856"/>
+                </a:moveTo>
+                <a:cubicBezTo>
+                  <a:pt x="77682" y="1014984"/>
+                  <a:pt x="17738" y="896112"/>
+                  <a:pt x="3514" y="707136"/>
+                </a:cubicBezTo>
+                <a:cubicBezTo>
+                  <a:pt x="-10710" y="518160"/>
+                  <a:pt x="20786" y="259080"/>
+                  <a:pt x="52282" y="0"/>
+                </a:cubicBezTo>
+              </a:path>
+            </a:pathLst>
+          </a:custGeom>
+          <a:noFill/>
+        </p:spPr>
+        <p:style>
+          <a:lnRef idx="2">
+            <a:schemeClr val="accent1">
+              <a:shade val="15000"/>
+            </a:schemeClr>
+          </a:lnRef>
+          <a:fillRef idx="1">
+            <a:schemeClr val="accent1"/>
+          </a:fillRef>
+          <a:effectRef idx="0">
+            <a:schemeClr val="accent1"/>
+          </a:effectRef>
+          <a:fontRef idx="minor">
+            <a:schemeClr val="lt1"/>
+          </a:fontRef>
+        </p:style>
+        <p:txBody>
+          <a:bodyPr rtlCol="0" anchor="ctr"/>
+          <a:lstStyle/>
+          <a:p>
+            <a:pPr algn="ctr"/>
+            <a:endParaRPr lang="en-US"/>
+          </a:p>
+        </p:txBody>
+      </p:sp>
+      <p:cxnSp>
+        <p:nvCxnSpPr>
+          <p:cNvPr id="27" name="Straight Connector 26">
+            <a:extLst>
+              <a:ext uri="{FF2B5EF4-FFF2-40B4-BE49-F238E27FC236}">
+                <a16:creationId xmlns:a16="http://schemas.microsoft.com/office/drawing/2014/main" id="{235B7315-2829-EC30-1E2E-052D2409CF4D}"/>
+              </a:ext>
+            </a:extLst>
+          </p:cNvPr>
+          <p:cNvCxnSpPr>
+            <a:cxnSpLocks/>
+          </p:cNvCxnSpPr>
+          <p:nvPr/>
+        </p:nvCxnSpPr>
+        <p:spPr>
+          <a:xfrm>
+            <a:off x="5911723" y="3452531"/>
+            <a:ext cx="0" cy="2218186"/>
+          </a:xfrm>
+          <a:prstGeom prst="line">
+            <a:avLst/>
+          </a:prstGeom>
+        </p:spPr>
+        <p:style>
+          <a:lnRef idx="2">
+            <a:schemeClr val="dk1"/>
+          </a:lnRef>
+          <a:fillRef idx="0">
+            <a:schemeClr val="dk1"/>
+          </a:fillRef>
+          <a:effectRef idx="1">
+            <a:schemeClr val="dk1"/>
+          </a:effectRef>
+          <a:fontRef idx="minor">
+            <a:schemeClr val="tx1"/>
+          </a:fontRef>
+        </p:style>
+      </p:cxnSp>
+      <p:sp>
+        <p:nvSpPr>
+          <p:cNvPr id="33" name="Freeform: Shape 32">
+            <a:extLst>
+              <a:ext uri="{FF2B5EF4-FFF2-40B4-BE49-F238E27FC236}">
+                <a16:creationId xmlns:a16="http://schemas.microsoft.com/office/drawing/2014/main" id="{E03837F7-8ED6-61C1-D6EA-7859DF289A0E}"/>
+              </a:ext>
+            </a:extLst>
+          </p:cNvPr>
+          <p:cNvSpPr/>
+          <p:nvPr/>
+        </p:nvSpPr>
+        <p:spPr>
+          <a:xfrm>
+            <a:off x="4624162" y="3452531"/>
+            <a:ext cx="450226" cy="1097280"/>
+          </a:xfrm>
+          <a:custGeom>
+            <a:avLst/>
+            <a:gdLst>
+              <a:gd name="connsiteX0" fmla="*/ 0 w 1214299"/>
+              <a:gd name="connsiteY0" fmla="*/ 704787 h 704787"/>
+              <a:gd name="connsiteX1" fmla="*/ 158496 w 1214299"/>
+              <a:gd name="connsiteY1" fmla="*/ 448755 h 704787"/>
+              <a:gd name="connsiteX2" fmla="*/ 853440 w 1214299"/>
+              <a:gd name="connsiteY2" fmla="*/ 485331 h 704787"/>
+              <a:gd name="connsiteX3" fmla="*/ 1182624 w 1214299"/>
+              <a:gd name="connsiteY3" fmla="*/ 46419 h 704787"/>
+              <a:gd name="connsiteX4" fmla="*/ 1182624 w 1214299"/>
+              <a:gd name="connsiteY4" fmla="*/ 34227 h 704787"/>
+            </a:gdLst>
+            <a:ahLst/>
+            <a:cxnLst>
+              <a:cxn ang="0">
+                <a:pos x="connsiteX0" y="connsiteY0"/>
+              </a:cxn>
+              <a:cxn ang="0">
+                <a:pos x="connsiteX1" y="connsiteY1"/>
+              </a:cxn>
+              <a:cxn ang="0">
+                <a:pos x="connsiteX2" y="connsiteY2"/>
+              </a:cxn>
+              <a:cxn ang="0">
+                <a:pos x="connsiteX3" y="connsiteY3"/>
+              </a:cxn>
+              <a:cxn ang="0">
+                <a:pos x="connsiteX4" y="connsiteY4"/>
+              </a:cxn>
+            </a:cxnLst>
+            <a:rect l="l" t="t" r="r" b="b"/>
+            <a:pathLst>
+              <a:path w="1214299" h="704787">
+                <a:moveTo>
+                  <a:pt x="0" y="704787"/>
+                </a:moveTo>
+                <a:cubicBezTo>
+                  <a:pt x="8128" y="595059"/>
+                  <a:pt x="16256" y="485331"/>
+                  <a:pt x="158496" y="448755"/>
+                </a:cubicBezTo>
+                <a:cubicBezTo>
+                  <a:pt x="300736" y="412179"/>
+                  <a:pt x="682752" y="552387"/>
+                  <a:pt x="853440" y="485331"/>
+                </a:cubicBezTo>
+                <a:cubicBezTo>
+                  <a:pt x="1024128" y="418275"/>
+                  <a:pt x="1127760" y="121603"/>
+                  <a:pt x="1182624" y="46419"/>
+                </a:cubicBezTo>
+                <a:cubicBezTo>
+                  <a:pt x="1237488" y="-28765"/>
+                  <a:pt x="1210056" y="2731"/>
+                  <a:pt x="1182624" y="34227"/>
+                </a:cubicBezTo>
+              </a:path>
+            </a:pathLst>
+          </a:custGeom>
+          <a:noFill/>
+        </p:spPr>
+        <p:style>
+          <a:lnRef idx="2">
+            <a:schemeClr val="accent1">
+              <a:shade val="15000"/>
+            </a:schemeClr>
+          </a:lnRef>
+          <a:fillRef idx="1">
+            <a:schemeClr val="accent1"/>
+          </a:fillRef>
+          <a:effectRef idx="0">
+            <a:schemeClr val="accent1"/>
+          </a:effectRef>
+          <a:fontRef idx="minor">
+            <a:schemeClr val="lt1"/>
+          </a:fontRef>
+        </p:style>
+        <p:txBody>
+          <a:bodyPr rtlCol="0" anchor="ctr"/>
+          <a:lstStyle/>
+          <a:p>
+            <a:pPr algn="ctr"/>
+            <a:endParaRPr lang="en-US"/>
+          </a:p>
+        </p:txBody>
+      </p:sp>
+      <p:cxnSp>
+        <p:nvCxnSpPr>
+          <p:cNvPr id="37" name="Connector: Elbow 36">
+            <a:extLst>
+              <a:ext uri="{FF2B5EF4-FFF2-40B4-BE49-F238E27FC236}">
+                <a16:creationId xmlns:a16="http://schemas.microsoft.com/office/drawing/2014/main" id="{5B24157D-9B96-46D7-A179-65D83199A34F}"/>
+              </a:ext>
+            </a:extLst>
+          </p:cNvPr>
+          <p:cNvCxnSpPr>
+            <a:cxnSpLocks/>
+          </p:cNvCxnSpPr>
+          <p:nvPr/>
+        </p:nvCxnSpPr>
+        <p:spPr>
+          <a:xfrm rot="16200000" flipV="1">
+            <a:off x="2383621" y="2363339"/>
+            <a:ext cx="1733250" cy="478188"/>
+          </a:xfrm>
+          <a:prstGeom prst="bentConnector3">
+            <a:avLst>
+              <a:gd name="adj1" fmla="val 103398"/>
+            </a:avLst>
+          </a:prstGeom>
+        </p:spPr>
+        <p:style>
+          <a:lnRef idx="2">
+            <a:schemeClr val="dk1"/>
+          </a:lnRef>
+          <a:fillRef idx="0">
+            <a:schemeClr val="dk1"/>
+          </a:fillRef>
+          <a:effectRef idx="1">
+            <a:schemeClr val="dk1"/>
+          </a:effectRef>
+          <a:fontRef idx="minor">
+            <a:schemeClr val="tx1"/>
+          </a:fontRef>
+        </p:style>
+      </p:cxnSp>
+      <p:sp>
+        <p:nvSpPr>
+          <p:cNvPr id="41" name="Rectangle 40">
+            <a:extLst>
+              <a:ext uri="{FF2B5EF4-FFF2-40B4-BE49-F238E27FC236}">
+                <a16:creationId xmlns:a16="http://schemas.microsoft.com/office/drawing/2014/main" id="{52DFF9BC-6751-D335-1FF3-FC5E54BDF7AD}"/>
+              </a:ext>
+            </a:extLst>
+          </p:cNvPr>
+          <p:cNvSpPr/>
+          <p:nvPr/>
+        </p:nvSpPr>
+        <p:spPr>
+          <a:xfrm rot="16200000">
+            <a:off x="2874680" y="1551097"/>
+            <a:ext cx="591410" cy="111402"/>
+          </a:xfrm>
+          <a:prstGeom prst="rect">
+            <a:avLst/>
+          </a:prstGeom>
+          <a:solidFill>
+            <a:schemeClr val="accent3">
+              <a:lumMod val="40000"/>
+              <a:lumOff val="60000"/>
+            </a:schemeClr>
+          </a:solidFill>
+        </p:spPr>
+        <p:style>
+          <a:lnRef idx="2">
+            <a:schemeClr val="accent1"/>
+          </a:lnRef>
+          <a:fillRef idx="1">
+            <a:schemeClr val="lt1"/>
+          </a:fillRef>
+          <a:effectRef idx="0">
+            <a:schemeClr val="accent1"/>
+          </a:effectRef>
+          <a:fontRef idx="minor">
+            <a:schemeClr val="dk1"/>
+          </a:fontRef>
+        </p:style>
+        <p:txBody>
+          <a:bodyPr rtlCol="0" anchor="ctr"/>
+          <a:lstStyle/>
+          <a:p>
+            <a:pPr algn="ctr"/>
+            <a:endParaRPr lang="en-US"/>
+          </a:p>
+        </p:txBody>
+      </p:sp>
+      <p:cxnSp>
+        <p:nvCxnSpPr>
+          <p:cNvPr id="122" name="Straight Connector 121">
+            <a:extLst>
+              <a:ext uri="{FF2B5EF4-FFF2-40B4-BE49-F238E27FC236}">
+                <a16:creationId xmlns:a16="http://schemas.microsoft.com/office/drawing/2014/main" id="{6687C1A2-A4C6-0256-11AF-AB7E859A8F70}"/>
+              </a:ext>
+            </a:extLst>
+          </p:cNvPr>
+          <p:cNvCxnSpPr/>
+          <p:nvPr/>
+        </p:nvCxnSpPr>
+        <p:spPr>
+          <a:xfrm flipH="1">
+            <a:off x="5911723" y="4814322"/>
+            <a:ext cx="246634" cy="0"/>
+          </a:xfrm>
+          <a:prstGeom prst="line">
+            <a:avLst/>
+          </a:prstGeom>
+        </p:spPr>
+        <p:style>
+          <a:lnRef idx="2">
+            <a:schemeClr val="dk1"/>
+          </a:lnRef>
+          <a:fillRef idx="0">
+            <a:schemeClr val="dk1"/>
+          </a:fillRef>
+          <a:effectRef idx="1">
+            <a:schemeClr val="dk1"/>
+          </a:effectRef>
+          <a:fontRef idx="minor">
+            <a:schemeClr val="tx1"/>
+          </a:fontRef>
+        </p:style>
+      </p:cxnSp>
+      <p:cxnSp>
+        <p:nvCxnSpPr>
+          <p:cNvPr id="123" name="Straight Connector 122">
+            <a:extLst>
+              <a:ext uri="{FF2B5EF4-FFF2-40B4-BE49-F238E27FC236}">
+                <a16:creationId xmlns:a16="http://schemas.microsoft.com/office/drawing/2014/main" id="{20756254-E288-45F0-2474-2490290936D9}"/>
+              </a:ext>
+            </a:extLst>
+          </p:cNvPr>
+          <p:cNvCxnSpPr>
+            <a:cxnSpLocks/>
+          </p:cNvCxnSpPr>
+          <p:nvPr/>
+        </p:nvCxnSpPr>
+        <p:spPr>
+          <a:xfrm flipH="1">
+            <a:off x="5910017" y="5590130"/>
+            <a:ext cx="289949" cy="15487"/>
+          </a:xfrm>
+          <a:prstGeom prst="line">
+            <a:avLst/>
+          </a:prstGeom>
+        </p:spPr>
+        <p:style>
+          <a:lnRef idx="2">
+            <a:schemeClr val="dk1"/>
+          </a:lnRef>
+          <a:fillRef idx="0">
+            <a:schemeClr val="dk1"/>
+          </a:fillRef>
+          <a:effectRef idx="1">
+            <a:schemeClr val="dk1"/>
+          </a:effectRef>
+          <a:fontRef idx="minor">
+            <a:schemeClr val="tx1"/>
+          </a:fontRef>
+        </p:style>
+      </p:cxnSp>
+      <p:sp>
+        <p:nvSpPr>
+          <p:cNvPr id="126" name="Rectangle 125">
+            <a:extLst>
+              <a:ext uri="{FF2B5EF4-FFF2-40B4-BE49-F238E27FC236}">
+                <a16:creationId xmlns:a16="http://schemas.microsoft.com/office/drawing/2014/main" id="{28C883AD-2E2D-88C5-B65B-3AAC4B7EA0CC}"/>
+              </a:ext>
+            </a:extLst>
+          </p:cNvPr>
+          <p:cNvSpPr/>
+          <p:nvPr/>
+        </p:nvSpPr>
+        <p:spPr>
+          <a:xfrm>
+            <a:off x="3969322" y="4415295"/>
+            <a:ext cx="1036587" cy="85657"/>
+          </a:xfrm>
+          <a:prstGeom prst="rect">
+            <a:avLst/>
+          </a:prstGeom>
+        </p:spPr>
+        <p:style>
+          <a:lnRef idx="2">
+            <a:schemeClr val="accent1"/>
+          </a:lnRef>
+          <a:fillRef idx="1">
+            <a:schemeClr val="lt1"/>
+          </a:fillRef>
+          <a:effectRef idx="0">
+            <a:schemeClr val="accent1"/>
+          </a:effectRef>
+          <a:fontRef idx="minor">
+            <a:schemeClr val="dk1"/>
+          </a:fontRef>
+        </p:style>
+        <p:txBody>
+          <a:bodyPr rtlCol="0" anchor="ctr"/>
+          <a:lstStyle/>
+          <a:p>
+            <a:pPr algn="ctr"/>
+            <a:endParaRPr lang="en-US"/>
+          </a:p>
+        </p:txBody>
+      </p:sp>
+      <p:sp>
+        <p:nvSpPr>
+          <p:cNvPr id="127" name="Freeform: Shape 126">
+            <a:extLst>
+              <a:ext uri="{FF2B5EF4-FFF2-40B4-BE49-F238E27FC236}">
+                <a16:creationId xmlns:a16="http://schemas.microsoft.com/office/drawing/2014/main" id="{B9589D9A-026F-2E58-9D03-29F1B4C4BFEC}"/>
+              </a:ext>
+            </a:extLst>
+          </p:cNvPr>
+          <p:cNvSpPr/>
+          <p:nvPr/>
+        </p:nvSpPr>
+        <p:spPr>
+          <a:xfrm>
+            <a:off x="3998464" y="2473022"/>
+            <a:ext cx="373971" cy="2112453"/>
+          </a:xfrm>
+          <a:custGeom>
+            <a:avLst/>
+            <a:gdLst>
+              <a:gd name="connsiteX0" fmla="*/ 8212 w 403839"/>
+              <a:gd name="connsiteY0" fmla="*/ 0 h 1865376"/>
+              <a:gd name="connsiteX1" fmla="*/ 8212 w 403839"/>
+              <a:gd name="connsiteY1" fmla="*/ 60960 h 1865376"/>
+              <a:gd name="connsiteX2" fmla="*/ 93556 w 403839"/>
+              <a:gd name="connsiteY2" fmla="*/ 316992 h 1865376"/>
+              <a:gd name="connsiteX3" fmla="*/ 386164 w 403839"/>
+              <a:gd name="connsiteY3" fmla="*/ 609600 h 1865376"/>
+              <a:gd name="connsiteX4" fmla="*/ 373972 w 403839"/>
+              <a:gd name="connsiteY4" fmla="*/ 1255776 h 1865376"/>
+              <a:gd name="connsiteX5" fmla="*/ 398356 w 403839"/>
+              <a:gd name="connsiteY5" fmla="*/ 1865376 h 1865376"/>
+            </a:gdLst>
+            <a:ahLst/>
+            <a:cxnLst>
+              <a:cxn ang="0">
+                <a:pos x="connsiteX0" y="connsiteY0"/>
+              </a:cxn>
+              <a:cxn ang="0">
+                <a:pos x="connsiteX1" y="connsiteY1"/>
+              </a:cxn>
+              <a:cxn ang="0">
+                <a:pos x="connsiteX2" y="connsiteY2"/>
+              </a:cxn>
+              <a:cxn ang="0">
+                <a:pos x="connsiteX3" y="connsiteY3"/>
+              </a:cxn>
+              <a:cxn ang="0">
+                <a:pos x="connsiteX4" y="connsiteY4"/>
+              </a:cxn>
+              <a:cxn ang="0">
+                <a:pos x="connsiteX5" y="connsiteY5"/>
+              </a:cxn>
+            </a:cxnLst>
+            <a:rect l="l" t="t" r="r" b="b"/>
+            <a:pathLst>
+              <a:path w="403839" h="1865376">
+                <a:moveTo>
+                  <a:pt x="8212" y="0"/>
+                </a:moveTo>
+                <a:cubicBezTo>
+                  <a:pt x="1100" y="4064"/>
+                  <a:pt x="-6012" y="8128"/>
+                  <a:pt x="8212" y="60960"/>
+                </a:cubicBezTo>
+                <a:cubicBezTo>
+                  <a:pt x="22436" y="113792"/>
+                  <a:pt x="30564" y="225552"/>
+                  <a:pt x="93556" y="316992"/>
+                </a:cubicBezTo>
+                <a:cubicBezTo>
+                  <a:pt x="156548" y="408432"/>
+                  <a:pt x="339428" y="453136"/>
+                  <a:pt x="386164" y="609600"/>
+                </a:cubicBezTo>
+                <a:cubicBezTo>
+                  <a:pt x="432900" y="766064"/>
+                  <a:pt x="371940" y="1046480"/>
+                  <a:pt x="373972" y="1255776"/>
+                </a:cubicBezTo>
+                <a:cubicBezTo>
+                  <a:pt x="376004" y="1465072"/>
+                  <a:pt x="387180" y="1665224"/>
+                  <a:pt x="398356" y="1865376"/>
+                </a:cubicBezTo>
+              </a:path>
+            </a:pathLst>
+          </a:custGeom>
+        </p:spPr>
+        <p:style>
+          <a:lnRef idx="1">
+            <a:schemeClr val="accent4"/>
+          </a:lnRef>
+          <a:fillRef idx="0">
+            <a:schemeClr val="accent4"/>
+          </a:fillRef>
+          <a:effectRef idx="0">
+            <a:schemeClr val="accent4"/>
+          </a:effectRef>
+          <a:fontRef idx="minor">
+            <a:schemeClr val="tx1"/>
+          </a:fontRef>
+        </p:style>
+        <p:txBody>
+          <a:bodyPr rtlCol="0" anchor="ctr"/>
+          <a:lstStyle/>
+          <a:p>
+            <a:pPr algn="ctr"/>
+            <a:endParaRPr lang="en-US"/>
+          </a:p>
+        </p:txBody>
+      </p:sp>
+      <p:sp>
+        <p:nvSpPr>
+          <p:cNvPr id="128" name="Freeform: Shape 127">
+            <a:extLst>
+              <a:ext uri="{FF2B5EF4-FFF2-40B4-BE49-F238E27FC236}">
+                <a16:creationId xmlns:a16="http://schemas.microsoft.com/office/drawing/2014/main" id="{8FCFF8D1-50DC-6828-7B20-B1847CB7C66F}"/>
+              </a:ext>
+            </a:extLst>
+          </p:cNvPr>
+          <p:cNvSpPr/>
+          <p:nvPr/>
+        </p:nvSpPr>
+        <p:spPr>
+          <a:xfrm>
+            <a:off x="4372436" y="3226026"/>
+            <a:ext cx="1910722" cy="2128120"/>
+          </a:xfrm>
+          <a:custGeom>
+            <a:avLst/>
+            <a:gdLst>
+              <a:gd name="connsiteX0" fmla="*/ 0 w 1910722"/>
+              <a:gd name="connsiteY0" fmla="*/ 18329 h 2128120"/>
+              <a:gd name="connsiteX1" fmla="*/ 646176 w 1910722"/>
+              <a:gd name="connsiteY1" fmla="*/ 6137 h 2128120"/>
+              <a:gd name="connsiteX2" fmla="*/ 1182624 w 1910722"/>
+              <a:gd name="connsiteY2" fmla="*/ 103673 h 2128120"/>
+              <a:gd name="connsiteX3" fmla="*/ 1060704 w 1910722"/>
+              <a:gd name="connsiteY3" fmla="*/ 664505 h 2128120"/>
+              <a:gd name="connsiteX4" fmla="*/ 1011936 w 1910722"/>
+              <a:gd name="connsiteY4" fmla="*/ 1615481 h 2128120"/>
+              <a:gd name="connsiteX5" fmla="*/ 1133856 w 1910722"/>
+              <a:gd name="connsiteY5" fmla="*/ 2103161 h 2128120"/>
+              <a:gd name="connsiteX6" fmla="*/ 1853184 w 1910722"/>
+              <a:gd name="connsiteY6" fmla="*/ 2054393 h 2128120"/>
+              <a:gd name="connsiteX7" fmla="*/ 1865376 w 1910722"/>
+              <a:gd name="connsiteY7" fmla="*/ 2030009 h 2128120"/>
+              <a:gd name="connsiteX8" fmla="*/ 1865376 w 1910722"/>
+              <a:gd name="connsiteY8" fmla="*/ 2030009 h 2128120"/>
+              <a:gd name="connsiteX9" fmla="*/ 1804416 w 1910722"/>
+              <a:gd name="connsiteY9" fmla="*/ 2005625 h 2128120"/>
+            </a:gdLst>
+            <a:ahLst/>
+            <a:cxnLst>
+              <a:cxn ang="0">
+                <a:pos x="connsiteX0" y="connsiteY0"/>
+              </a:cxn>
+              <a:cxn ang="0">
+                <a:pos x="connsiteX1" y="connsiteY1"/>
+              </a:cxn>
+              <a:cxn ang="0">
+                <a:pos x="connsiteX2" y="connsiteY2"/>
+              </a:cxn>
+              <a:cxn ang="0">
+                <a:pos x="connsiteX3" y="connsiteY3"/>
+              </a:cxn>
+              <a:cxn ang="0">
+                <a:pos x="connsiteX4" y="connsiteY4"/>
+              </a:cxn>
+              <a:cxn ang="0">
+                <a:pos x="connsiteX5" y="connsiteY5"/>
+              </a:cxn>
+              <a:cxn ang="0">
+                <a:pos x="connsiteX6" y="connsiteY6"/>
+              </a:cxn>
+              <a:cxn ang="0">
+                <a:pos x="connsiteX7" y="connsiteY7"/>
+              </a:cxn>
+              <a:cxn ang="0">
+                <a:pos x="connsiteX8" y="connsiteY8"/>
+              </a:cxn>
+              <a:cxn ang="0">
+                <a:pos x="connsiteX9" y="connsiteY9"/>
+              </a:cxn>
+            </a:cxnLst>
+            <a:rect l="l" t="t" r="r" b="b"/>
+            <a:pathLst>
+              <a:path w="1910722" h="2128120">
+                <a:moveTo>
+                  <a:pt x="0" y="18329"/>
+                </a:moveTo>
+                <a:cubicBezTo>
+                  <a:pt x="224536" y="5121"/>
+                  <a:pt x="449072" y="-8087"/>
+                  <a:pt x="646176" y="6137"/>
+                </a:cubicBezTo>
+                <a:cubicBezTo>
+                  <a:pt x="843280" y="20361"/>
+                  <a:pt x="1113536" y="-6055"/>
+                  <a:pt x="1182624" y="103673"/>
+                </a:cubicBezTo>
+                <a:cubicBezTo>
+                  <a:pt x="1251712" y="213401"/>
+                  <a:pt x="1089152" y="412537"/>
+                  <a:pt x="1060704" y="664505"/>
+                </a:cubicBezTo>
+                <a:cubicBezTo>
+                  <a:pt x="1032256" y="916473"/>
+                  <a:pt x="999744" y="1375705"/>
+                  <a:pt x="1011936" y="1615481"/>
+                </a:cubicBezTo>
+                <a:cubicBezTo>
+                  <a:pt x="1024128" y="1855257"/>
+                  <a:pt x="993648" y="2030009"/>
+                  <a:pt x="1133856" y="2103161"/>
+                </a:cubicBezTo>
+                <a:cubicBezTo>
+                  <a:pt x="1274064" y="2176313"/>
+                  <a:pt x="1731264" y="2066585"/>
+                  <a:pt x="1853184" y="2054393"/>
+                </a:cubicBezTo>
+                <a:cubicBezTo>
+                  <a:pt x="1975104" y="2042201"/>
+                  <a:pt x="1865376" y="2030009"/>
+                  <a:pt x="1865376" y="2030009"/>
+                </a:cubicBezTo>
+                <a:lnTo>
+                  <a:pt x="1865376" y="2030009"/>
+                </a:lnTo>
+                <a:lnTo>
+                  <a:pt x="1804416" y="2005625"/>
+                </a:lnTo>
+              </a:path>
+            </a:pathLst>
+          </a:custGeom>
+        </p:spPr>
+        <p:style>
+          <a:lnRef idx="1">
+            <a:schemeClr val="accent4"/>
+          </a:lnRef>
+          <a:fillRef idx="0">
+            <a:schemeClr val="accent4"/>
+          </a:fillRef>
+          <a:effectRef idx="0">
+            <a:schemeClr val="accent4"/>
+          </a:effectRef>
+          <a:fontRef idx="minor">
+            <a:schemeClr val="tx1"/>
+          </a:fontRef>
+        </p:style>
+        <p:txBody>
+          <a:bodyPr rtlCol="0" anchor="ctr"/>
+          <a:lstStyle/>
+          <a:p>
+            <a:pPr algn="ctr"/>
+            <a:endParaRPr lang="en-US"/>
+          </a:p>
+        </p:txBody>
+      </p:sp>
+      <p:sp>
+        <p:nvSpPr>
+          <p:cNvPr id="129" name="Freeform: Shape 128">
+            <a:extLst>
+              <a:ext uri="{FF2B5EF4-FFF2-40B4-BE49-F238E27FC236}">
+                <a16:creationId xmlns:a16="http://schemas.microsoft.com/office/drawing/2014/main" id="{6AE99D9E-F972-5E61-57B0-6B73255B650D}"/>
+              </a:ext>
+            </a:extLst>
+          </p:cNvPr>
+          <p:cNvSpPr/>
+          <p:nvPr/>
+        </p:nvSpPr>
+        <p:spPr>
+          <a:xfrm>
+            <a:off x="4542214" y="2457573"/>
+            <a:ext cx="903439" cy="2091326"/>
+          </a:xfrm>
+          <a:custGeom>
+            <a:avLst/>
+            <a:gdLst>
+              <a:gd name="connsiteX0" fmla="*/ 890926 w 903439"/>
+              <a:gd name="connsiteY0" fmla="*/ 0 h 1755648"/>
+              <a:gd name="connsiteX1" fmla="*/ 829966 w 903439"/>
+              <a:gd name="connsiteY1" fmla="*/ 292608 h 1755648"/>
+              <a:gd name="connsiteX2" fmla="*/ 330094 w 903439"/>
+              <a:gd name="connsiteY2" fmla="*/ 548640 h 1755648"/>
+              <a:gd name="connsiteX3" fmla="*/ 37486 w 903439"/>
+              <a:gd name="connsiteY3" fmla="*/ 1243584 h 1755648"/>
+              <a:gd name="connsiteX4" fmla="*/ 13102 w 903439"/>
+              <a:gd name="connsiteY4" fmla="*/ 1755648 h 1755648"/>
+            </a:gdLst>
+            <a:ahLst/>
+            <a:cxnLst>
+              <a:cxn ang="0">
+                <a:pos x="connsiteX0" y="connsiteY0"/>
+              </a:cxn>
+              <a:cxn ang="0">
+                <a:pos x="connsiteX1" y="connsiteY1"/>
+              </a:cxn>
+              <a:cxn ang="0">
+                <a:pos x="connsiteX2" y="connsiteY2"/>
+              </a:cxn>
+              <a:cxn ang="0">
+                <a:pos x="connsiteX3" y="connsiteY3"/>
+              </a:cxn>
+              <a:cxn ang="0">
+                <a:pos x="connsiteX4" y="connsiteY4"/>
+              </a:cxn>
+            </a:cxnLst>
+            <a:rect l="l" t="t" r="r" b="b"/>
+            <a:pathLst>
+              <a:path w="903439" h="1755648">
+                <a:moveTo>
+                  <a:pt x="890926" y="0"/>
+                </a:moveTo>
+                <a:cubicBezTo>
+                  <a:pt x="907182" y="100584"/>
+                  <a:pt x="923438" y="201168"/>
+                  <a:pt x="829966" y="292608"/>
+                </a:cubicBezTo>
+                <a:cubicBezTo>
+                  <a:pt x="736494" y="384048"/>
+                  <a:pt x="462174" y="390144"/>
+                  <a:pt x="330094" y="548640"/>
+                </a:cubicBezTo>
+                <a:cubicBezTo>
+                  <a:pt x="198014" y="707136"/>
+                  <a:pt x="90318" y="1042416"/>
+                  <a:pt x="37486" y="1243584"/>
+                </a:cubicBezTo>
+                <a:cubicBezTo>
+                  <a:pt x="-15346" y="1444752"/>
+                  <a:pt x="-1122" y="1600200"/>
+                  <a:pt x="13102" y="1755648"/>
+                </a:cubicBezTo>
+              </a:path>
+            </a:pathLst>
+          </a:custGeom>
+          <a:noFill/>
+          <a:ln>
+            <a:solidFill>
+              <a:srgbClr val="FFC000"/>
+            </a:solidFill>
+          </a:ln>
+        </p:spPr>
+        <p:style>
+          <a:lnRef idx="2">
+            <a:schemeClr val="accent1">
+              <a:shade val="15000"/>
+            </a:schemeClr>
+          </a:lnRef>
+          <a:fillRef idx="1">
+            <a:schemeClr val="accent1"/>
+          </a:fillRef>
+          <a:effectRef idx="0">
+            <a:schemeClr val="accent1"/>
+          </a:effectRef>
+          <a:fontRef idx="minor">
+            <a:schemeClr val="lt1"/>
+          </a:fontRef>
+        </p:style>
+        <p:txBody>
+          <a:bodyPr rtlCol="0" anchor="ctr"/>
+          <a:lstStyle/>
+          <a:p>
+            <a:pPr algn="ctr"/>
+            <a:endParaRPr lang="en-US"/>
+          </a:p>
+        </p:txBody>
+      </p:sp>
+      <p:sp>
+        <p:nvSpPr>
+          <p:cNvPr id="130" name="Freeform: Shape 129">
+            <a:extLst>
+              <a:ext uri="{FF2B5EF4-FFF2-40B4-BE49-F238E27FC236}">
+                <a16:creationId xmlns:a16="http://schemas.microsoft.com/office/drawing/2014/main" id="{07186AF4-C6A6-A809-2B6C-D729963E19A3}"/>
+              </a:ext>
+            </a:extLst>
+          </p:cNvPr>
+          <p:cNvSpPr/>
+          <p:nvPr/>
+        </p:nvSpPr>
+        <p:spPr>
+          <a:xfrm>
+            <a:off x="5148991" y="2913645"/>
+            <a:ext cx="1128038" cy="1557458"/>
+          </a:xfrm>
+          <a:custGeom>
+            <a:avLst/>
+            <a:gdLst>
+              <a:gd name="connsiteX0" fmla="*/ 0 w 743712"/>
+              <a:gd name="connsiteY0" fmla="*/ 0 h 1536192"/>
+              <a:gd name="connsiteX1" fmla="*/ 329184 w 743712"/>
+              <a:gd name="connsiteY1" fmla="*/ 219456 h 1536192"/>
+              <a:gd name="connsiteX2" fmla="*/ 280416 w 743712"/>
+              <a:gd name="connsiteY2" fmla="*/ 1109472 h 1536192"/>
+              <a:gd name="connsiteX3" fmla="*/ 268224 w 743712"/>
+              <a:gd name="connsiteY3" fmla="*/ 1463040 h 1536192"/>
+              <a:gd name="connsiteX4" fmla="*/ 743712 w 743712"/>
+              <a:gd name="connsiteY4" fmla="*/ 1536192 h 1536192"/>
+              <a:gd name="connsiteX0" fmla="*/ 0 w 1176021"/>
+              <a:gd name="connsiteY0" fmla="*/ 0 h 1557458"/>
+              <a:gd name="connsiteX1" fmla="*/ 761493 w 1176021"/>
+              <a:gd name="connsiteY1" fmla="*/ 240722 h 1557458"/>
+              <a:gd name="connsiteX2" fmla="*/ 712725 w 1176021"/>
+              <a:gd name="connsiteY2" fmla="*/ 1130738 h 1557458"/>
+              <a:gd name="connsiteX3" fmla="*/ 700533 w 1176021"/>
+              <a:gd name="connsiteY3" fmla="*/ 1484306 h 1557458"/>
+              <a:gd name="connsiteX4" fmla="*/ 1176021 w 1176021"/>
+              <a:gd name="connsiteY4" fmla="*/ 1557458 h 1557458"/>
+            </a:gdLst>
+            <a:ahLst/>
+            <a:cxnLst>
+              <a:cxn ang="0">
+                <a:pos x="connsiteX0" y="connsiteY0"/>
+              </a:cxn>
+              <a:cxn ang="0">
+                <a:pos x="connsiteX1" y="connsiteY1"/>
+              </a:cxn>
+              <a:cxn ang="0">
+                <a:pos x="connsiteX2" y="connsiteY2"/>
+              </a:cxn>
+              <a:cxn ang="0">
+                <a:pos x="connsiteX3" y="connsiteY3"/>
+              </a:cxn>
+              <a:cxn ang="0">
+                <a:pos x="connsiteX4" y="connsiteY4"/>
+              </a:cxn>
+            </a:cxnLst>
+            <a:rect l="l" t="t" r="r" b="b"/>
+            <a:pathLst>
+              <a:path w="1176021" h="1557458">
+                <a:moveTo>
+                  <a:pt x="0" y="0"/>
+                </a:moveTo>
+                <a:cubicBezTo>
+                  <a:pt x="141224" y="17272"/>
+                  <a:pt x="642706" y="52266"/>
+                  <a:pt x="761493" y="240722"/>
+                </a:cubicBezTo>
+                <a:cubicBezTo>
+                  <a:pt x="880281" y="429178"/>
+                  <a:pt x="722885" y="923474"/>
+                  <a:pt x="712725" y="1130738"/>
+                </a:cubicBezTo>
+                <a:cubicBezTo>
+                  <a:pt x="702565" y="1338002"/>
+                  <a:pt x="623317" y="1413186"/>
+                  <a:pt x="700533" y="1484306"/>
+                </a:cubicBezTo>
+                <a:cubicBezTo>
+                  <a:pt x="777749" y="1555426"/>
+                  <a:pt x="976885" y="1556442"/>
+                  <a:pt x="1176021" y="1557458"/>
+                </a:cubicBezTo>
+              </a:path>
+            </a:pathLst>
+          </a:custGeom>
+          <a:noFill/>
+          <a:ln>
+            <a:solidFill>
+              <a:srgbClr val="FFC000"/>
+            </a:solidFill>
+          </a:ln>
+        </p:spPr>
+        <p:style>
+          <a:lnRef idx="2">
+            <a:schemeClr val="accent1">
+              <a:shade val="15000"/>
+            </a:schemeClr>
+          </a:lnRef>
+          <a:fillRef idx="1">
+            <a:schemeClr val="accent1"/>
+          </a:fillRef>
+          <a:effectRef idx="0">
+            <a:schemeClr val="accent1"/>
+          </a:effectRef>
+          <a:fontRef idx="minor">
+            <a:schemeClr val="lt1"/>
+          </a:fontRef>
+        </p:style>
+        <p:txBody>
+          <a:bodyPr rtlCol="0" anchor="ctr"/>
+          <a:lstStyle/>
+          <a:p>
+            <a:pPr algn="ctr"/>
+            <a:endParaRPr lang="en-US" dirty="0"/>
+          </a:p>
+        </p:txBody>
+      </p:sp>
+      <p:cxnSp>
+        <p:nvCxnSpPr>
+          <p:cNvPr id="132" name="Straight Connector 131">
+            <a:extLst>
+              <a:ext uri="{FF2B5EF4-FFF2-40B4-BE49-F238E27FC236}">
+                <a16:creationId xmlns:a16="http://schemas.microsoft.com/office/drawing/2014/main" id="{59A91F2A-8266-9DBE-4347-25447E05E78E}"/>
+              </a:ext>
+            </a:extLst>
+          </p:cNvPr>
+          <p:cNvCxnSpPr>
+            <a:cxnSpLocks/>
+          </p:cNvCxnSpPr>
+          <p:nvPr/>
+        </p:nvCxnSpPr>
+        <p:spPr>
+          <a:xfrm>
+            <a:off x="6316312" y="3445350"/>
+            <a:ext cx="0" cy="761631"/>
+          </a:xfrm>
+          <a:prstGeom prst="line">
+            <a:avLst/>
+          </a:prstGeom>
+        </p:spPr>
+        <p:style>
+          <a:lnRef idx="2">
+            <a:schemeClr val="dk1"/>
+          </a:lnRef>
+          <a:fillRef idx="0">
+            <a:schemeClr val="dk1"/>
+          </a:fillRef>
+          <a:effectRef idx="1">
+            <a:schemeClr val="dk1"/>
+          </a:effectRef>
+          <a:fontRef idx="minor">
+            <a:schemeClr val="tx1"/>
+          </a:fontRef>
+        </p:style>
+      </p:cxnSp>
+      <p:sp>
+        <p:nvSpPr>
+          <p:cNvPr id="40" name="Rectangle 39">
+            <a:extLst>
+              <a:ext uri="{FF2B5EF4-FFF2-40B4-BE49-F238E27FC236}">
+                <a16:creationId xmlns:a16="http://schemas.microsoft.com/office/drawing/2014/main" id="{3A211DC4-22C5-60CF-D207-0EB618C87285}"/>
+              </a:ext>
+            </a:extLst>
+          </p:cNvPr>
+          <p:cNvSpPr/>
+          <p:nvPr/>
+        </p:nvSpPr>
+        <p:spPr>
+          <a:xfrm>
+            <a:off x="4112404" y="3580233"/>
+            <a:ext cx="1036587" cy="127308"/>
+          </a:xfrm>
+          <a:prstGeom prst="rect">
+            <a:avLst/>
+          </a:prstGeom>
+          <a:solidFill>
+            <a:schemeClr val="accent3">
+              <a:lumMod val="40000"/>
+              <a:lumOff val="60000"/>
+            </a:schemeClr>
+          </a:solidFill>
+        </p:spPr>
+        <p:style>
+          <a:lnRef idx="2">
+            <a:schemeClr val="accent1"/>
+          </a:lnRef>
+          <a:fillRef idx="1">
+            <a:schemeClr val="lt1"/>
+          </a:fillRef>
+          <a:effectRef idx="0">
+            <a:schemeClr val="accent1"/>
+          </a:effectRef>
+          <a:fontRef idx="minor">
+            <a:schemeClr val="dk1"/>
+          </a:fontRef>
+        </p:style>
+        <p:txBody>
+          <a:bodyPr rtlCol="0" anchor="ctr"/>
+          <a:lstStyle/>
+          <a:p>
+            <a:pPr algn="ctr"/>
+            <a:endParaRPr lang="en-US"/>
+          </a:p>
+        </p:txBody>
+      </p:sp>
+      <p:cxnSp>
+        <p:nvCxnSpPr>
+          <p:cNvPr id="162" name="Straight Connector 161">
+            <a:extLst>
+              <a:ext uri="{FF2B5EF4-FFF2-40B4-BE49-F238E27FC236}">
+                <a16:creationId xmlns:a16="http://schemas.microsoft.com/office/drawing/2014/main" id="{7A0AB42F-E844-63EF-E539-E6B6A7BDBC7F}"/>
+              </a:ext>
+            </a:extLst>
+          </p:cNvPr>
+          <p:cNvCxnSpPr>
+            <a:cxnSpLocks/>
+          </p:cNvCxnSpPr>
+          <p:nvPr/>
+        </p:nvCxnSpPr>
+        <p:spPr>
+          <a:xfrm>
+            <a:off x="6462548" y="3652787"/>
+            <a:ext cx="0" cy="564971"/>
+          </a:xfrm>
+          <a:prstGeom prst="line">
+            <a:avLst/>
+          </a:prstGeom>
+          <a:ln>
+            <a:solidFill>
+              <a:srgbClr val="FF0000"/>
+            </a:solidFill>
+          </a:ln>
+        </p:spPr>
+        <p:style>
+          <a:lnRef idx="2">
+            <a:schemeClr val="dk1"/>
+          </a:lnRef>
+          <a:fillRef idx="0">
+            <a:schemeClr val="dk1"/>
+          </a:fillRef>
+          <a:effectRef idx="1">
+            <a:schemeClr val="dk1"/>
+          </a:effectRef>
+          <a:fontRef idx="minor">
+            <a:schemeClr val="tx1"/>
+          </a:fontRef>
+        </p:style>
+      </p:cxnSp>
+      <p:sp>
+        <p:nvSpPr>
+          <p:cNvPr id="164" name="Rectangle 163">
+            <a:extLst>
+              <a:ext uri="{FF2B5EF4-FFF2-40B4-BE49-F238E27FC236}">
+                <a16:creationId xmlns:a16="http://schemas.microsoft.com/office/drawing/2014/main" id="{03132E3F-C50A-93EA-731B-0731B6E24316}"/>
+              </a:ext>
+            </a:extLst>
+          </p:cNvPr>
+          <p:cNvSpPr/>
+          <p:nvPr/>
+        </p:nvSpPr>
+        <p:spPr>
+          <a:xfrm>
+            <a:off x="6660809" y="1702202"/>
+            <a:ext cx="708892" cy="1298313"/>
+          </a:xfrm>
+          <a:prstGeom prst="rect">
+            <a:avLst/>
+          </a:prstGeom>
+          <a:noFill/>
+        </p:spPr>
+        <p:style>
+          <a:lnRef idx="2">
+            <a:schemeClr val="accent1">
+              <a:shade val="15000"/>
+            </a:schemeClr>
+          </a:lnRef>
+          <a:fillRef idx="1">
+            <a:schemeClr val="accent1"/>
+          </a:fillRef>
+          <a:effectRef idx="0">
+            <a:schemeClr val="accent1"/>
+          </a:effectRef>
+          <a:fontRef idx="minor">
+            <a:schemeClr val="lt1"/>
+          </a:fontRef>
+        </p:style>
+        <p:txBody>
+          <a:bodyPr rtlCol="0" anchor="ctr"/>
+          <a:lstStyle/>
+          <a:p>
+            <a:pPr algn="ctr"/>
+            <a:endParaRPr lang="en-US"/>
+          </a:p>
+        </p:txBody>
+      </p:sp>
+      <p:sp>
+        <p:nvSpPr>
+          <p:cNvPr id="166" name="TextBox 165">
+            <a:extLst>
+              <a:ext uri="{FF2B5EF4-FFF2-40B4-BE49-F238E27FC236}">
+                <a16:creationId xmlns:a16="http://schemas.microsoft.com/office/drawing/2014/main" id="{402F2BFF-9922-2BA8-76CB-9CFE7097A448}"/>
+              </a:ext>
+            </a:extLst>
+          </p:cNvPr>
+          <p:cNvSpPr txBox="1"/>
+          <p:nvPr/>
+        </p:nvSpPr>
+        <p:spPr>
+          <a:xfrm>
+            <a:off x="6585418" y="1981991"/>
+            <a:ext cx="857414" cy="830997"/>
+          </a:xfrm>
+          <a:prstGeom prst="rect">
+            <a:avLst/>
+          </a:prstGeom>
+          <a:noFill/>
+        </p:spPr>
+        <p:txBody>
+          <a:bodyPr wrap="none" rtlCol="0">
+            <a:spAutoFit/>
+          </a:bodyPr>
+          <a:lstStyle/>
+          <a:p>
+            <a:pPr algn="ctr"/>
+            <a:r>
+              <a:rPr lang="en-US" sz="1200" dirty="0"/>
+              <a:t>Motor</a:t>
+            </a:r>
+          </a:p>
+          <a:p>
+            <a:pPr algn="ctr"/>
+            <a:r>
+              <a:rPr lang="en-US" sz="1200" dirty="0"/>
+              <a:t>Controller</a:t>
+            </a:r>
+          </a:p>
+          <a:p>
+            <a:pPr algn="ctr"/>
+            <a:r>
+              <a:rPr lang="en-US" sz="1200" dirty="0" err="1"/>
+              <a:t>Pololu</a:t>
+            </a:r>
+            <a:endParaRPr lang="en-US" sz="1200" dirty="0"/>
+          </a:p>
+          <a:p>
+            <a:pPr algn="ctr"/>
+            <a:r>
+              <a:rPr lang="en-US" sz="1200" dirty="0"/>
+              <a:t>18V7</a:t>
+            </a:r>
+          </a:p>
+        </p:txBody>
+      </p:sp>
+      <p:cxnSp>
+        <p:nvCxnSpPr>
+          <p:cNvPr id="189" name="Straight Connector 188">
+            <a:extLst>
+              <a:ext uri="{FF2B5EF4-FFF2-40B4-BE49-F238E27FC236}">
+                <a16:creationId xmlns:a16="http://schemas.microsoft.com/office/drawing/2014/main" id="{4B1F9CAF-945B-46AA-D9AE-F8E85A0F1EA4}"/>
+              </a:ext>
+            </a:extLst>
+          </p:cNvPr>
+          <p:cNvCxnSpPr>
+            <a:cxnSpLocks/>
+          </p:cNvCxnSpPr>
+          <p:nvPr/>
+        </p:nvCxnSpPr>
+        <p:spPr>
+          <a:xfrm flipV="1">
+            <a:off x="7388849" y="1991126"/>
+            <a:ext cx="2364751" cy="26035"/>
+          </a:xfrm>
+          <a:prstGeom prst="line">
+            <a:avLst/>
+          </a:prstGeom>
+          <a:ln>
+            <a:solidFill>
+              <a:schemeClr val="accent1">
+                <a:lumMod val="60000"/>
+                <a:lumOff val="40000"/>
+              </a:schemeClr>
+            </a:solidFill>
+          </a:ln>
+        </p:spPr>
+        <p:style>
+          <a:lnRef idx="2">
+            <a:schemeClr val="accent2"/>
+          </a:lnRef>
+          <a:fillRef idx="0">
+            <a:schemeClr val="accent2"/>
+          </a:fillRef>
+          <a:effectRef idx="1">
+            <a:schemeClr val="accent2"/>
+          </a:effectRef>
+          <a:fontRef idx="minor">
+            <a:schemeClr val="tx1"/>
+          </a:fontRef>
+        </p:style>
+      </p:cxnSp>
+      <p:cxnSp>
+        <p:nvCxnSpPr>
+          <p:cNvPr id="190" name="Straight Connector 189">
+            <a:extLst>
+              <a:ext uri="{FF2B5EF4-FFF2-40B4-BE49-F238E27FC236}">
+                <a16:creationId xmlns:a16="http://schemas.microsoft.com/office/drawing/2014/main" id="{C8588C13-8D3D-2AE3-1245-88ED607B6E8B}"/>
+              </a:ext>
+            </a:extLst>
+          </p:cNvPr>
+          <p:cNvCxnSpPr>
+            <a:cxnSpLocks/>
+          </p:cNvCxnSpPr>
+          <p:nvPr/>
+        </p:nvCxnSpPr>
+        <p:spPr>
+          <a:xfrm>
+            <a:off x="7388849" y="2317847"/>
+            <a:ext cx="2203084" cy="0"/>
+          </a:xfrm>
+          <a:prstGeom prst="line">
+            <a:avLst/>
+          </a:prstGeom>
+          <a:ln>
+            <a:solidFill>
+              <a:srgbClr val="00B050"/>
+            </a:solidFill>
+          </a:ln>
+        </p:spPr>
+        <p:style>
+          <a:lnRef idx="2">
+            <a:schemeClr val="accent2"/>
+          </a:lnRef>
+          <a:fillRef idx="0">
+            <a:schemeClr val="accent2"/>
+          </a:fillRef>
+          <a:effectRef idx="1">
+            <a:schemeClr val="accent2"/>
+          </a:effectRef>
+          <a:fontRef idx="minor">
+            <a:schemeClr val="tx1"/>
+          </a:fontRef>
+        </p:style>
+      </p:cxnSp>
+      <p:sp>
+        <p:nvSpPr>
+          <p:cNvPr id="191" name="TextBox 190">
+            <a:extLst>
+              <a:ext uri="{FF2B5EF4-FFF2-40B4-BE49-F238E27FC236}">
+                <a16:creationId xmlns:a16="http://schemas.microsoft.com/office/drawing/2014/main" id="{412DC8E8-53BB-A241-C504-2BB355D6CEA9}"/>
+              </a:ext>
+            </a:extLst>
+          </p:cNvPr>
+          <p:cNvSpPr txBox="1"/>
+          <p:nvPr/>
+        </p:nvSpPr>
+        <p:spPr>
+          <a:xfrm>
+            <a:off x="8136145" y="1751458"/>
+            <a:ext cx="495649" cy="600164"/>
+          </a:xfrm>
+          <a:prstGeom prst="rect">
+            <a:avLst/>
+          </a:prstGeom>
+          <a:noFill/>
+        </p:spPr>
+        <p:txBody>
+          <a:bodyPr wrap="none" rtlCol="0">
+            <a:spAutoFit/>
+          </a:bodyPr>
+          <a:lstStyle/>
+          <a:p>
+            <a:r>
+              <a:rPr lang="en-US" sz="1100" dirty="0"/>
+              <a:t>Left</a:t>
+            </a:r>
+          </a:p>
+          <a:p>
+            <a:endParaRPr lang="en-US" sz="1100" dirty="0"/>
+          </a:p>
+          <a:p>
+            <a:r>
+              <a:rPr lang="en-US" sz="1100" dirty="0"/>
+              <a:t>Right</a:t>
+            </a:r>
+          </a:p>
+        </p:txBody>
+      </p:sp>
+      <p:sp>
+        <p:nvSpPr>
+          <p:cNvPr id="194" name="Rectangle 193">
+            <a:extLst>
+              <a:ext uri="{FF2B5EF4-FFF2-40B4-BE49-F238E27FC236}">
+                <a16:creationId xmlns:a16="http://schemas.microsoft.com/office/drawing/2014/main" id="{D8EF95C6-93B6-63E4-D8C6-C85E3CAF1273}"/>
+              </a:ext>
+            </a:extLst>
+          </p:cNvPr>
+          <p:cNvSpPr/>
+          <p:nvPr/>
+        </p:nvSpPr>
+        <p:spPr>
+          <a:xfrm rot="16200000">
+            <a:off x="7404579" y="2122330"/>
+            <a:ext cx="668524" cy="156482"/>
+          </a:xfrm>
+          <a:prstGeom prst="rect">
+            <a:avLst/>
+          </a:prstGeom>
+          <a:solidFill>
+            <a:schemeClr val="accent3">
+              <a:lumMod val="40000"/>
+              <a:lumOff val="60000"/>
+            </a:schemeClr>
+          </a:solidFill>
+        </p:spPr>
+        <p:style>
+          <a:lnRef idx="2">
+            <a:schemeClr val="accent1"/>
+          </a:lnRef>
+          <a:fillRef idx="1">
+            <a:schemeClr val="lt1"/>
+          </a:fillRef>
+          <a:effectRef idx="0">
+            <a:schemeClr val="accent1"/>
+          </a:effectRef>
+          <a:fontRef idx="minor">
+            <a:schemeClr val="dk1"/>
+          </a:fontRef>
+        </p:style>
+        <p:txBody>
+          <a:bodyPr rtlCol="0" anchor="ctr"/>
+          <a:lstStyle/>
+          <a:p>
+            <a:pPr algn="ctr"/>
+            <a:endParaRPr lang="en-US"/>
+          </a:p>
+        </p:txBody>
+      </p:sp>
+      <p:sp>
+        <p:nvSpPr>
+          <p:cNvPr id="198" name="TextBox 197">
+            <a:extLst>
+              <a:ext uri="{FF2B5EF4-FFF2-40B4-BE49-F238E27FC236}">
+                <a16:creationId xmlns:a16="http://schemas.microsoft.com/office/drawing/2014/main" id="{39FA5918-88AB-CC02-5059-6F9C5801BA9D}"/>
+              </a:ext>
+            </a:extLst>
+          </p:cNvPr>
+          <p:cNvSpPr txBox="1"/>
+          <p:nvPr/>
+        </p:nvSpPr>
+        <p:spPr>
+          <a:xfrm>
+            <a:off x="3555223" y="4984814"/>
+            <a:ext cx="657552" cy="738664"/>
+          </a:xfrm>
+          <a:prstGeom prst="rect">
+            <a:avLst/>
+          </a:prstGeom>
+          <a:noFill/>
+        </p:spPr>
+        <p:txBody>
+          <a:bodyPr wrap="none" rtlCol="0">
+            <a:spAutoFit/>
+          </a:bodyPr>
+          <a:lstStyle/>
+          <a:p>
+            <a:r>
+              <a:rPr lang="en-US" dirty="0"/>
+              <a:t>DUT </a:t>
+            </a:r>
+          </a:p>
+          <a:p>
+            <a:r>
+              <a:rPr lang="en-US" sz="1200" dirty="0"/>
+              <a:t>Sensor</a:t>
+            </a:r>
+          </a:p>
+          <a:p>
+            <a:r>
+              <a:rPr lang="en-US" sz="1200" dirty="0"/>
+              <a:t>x4</a:t>
+            </a:r>
+          </a:p>
+        </p:txBody>
+      </p:sp>
+      <p:sp>
+        <p:nvSpPr>
+          <p:cNvPr id="199" name="TextBox 198">
+            <a:extLst>
+              <a:ext uri="{FF2B5EF4-FFF2-40B4-BE49-F238E27FC236}">
+                <a16:creationId xmlns:a16="http://schemas.microsoft.com/office/drawing/2014/main" id="{C5ACEF96-2543-8F41-7249-C99A21E4EBAE}"/>
+              </a:ext>
+            </a:extLst>
+          </p:cNvPr>
+          <p:cNvSpPr txBox="1"/>
+          <p:nvPr/>
+        </p:nvSpPr>
+        <p:spPr>
+          <a:xfrm>
+            <a:off x="6054991" y="5860553"/>
+            <a:ext cx="877163" cy="553998"/>
+          </a:xfrm>
+          <a:prstGeom prst="rect">
+            <a:avLst/>
+          </a:prstGeom>
+          <a:noFill/>
+        </p:spPr>
+        <p:txBody>
+          <a:bodyPr wrap="none" rtlCol="0">
+            <a:spAutoFit/>
+          </a:bodyPr>
+          <a:lstStyle/>
+          <a:p>
+            <a:r>
+              <a:rPr lang="en-US" dirty="0" err="1"/>
+              <a:t>DataQ</a:t>
+            </a:r>
+            <a:r>
+              <a:rPr lang="en-US" dirty="0"/>
+              <a:t> </a:t>
+            </a:r>
+          </a:p>
+          <a:p>
+            <a:r>
+              <a:rPr lang="en-US" sz="1200" dirty="0"/>
+              <a:t>DI-2108</a:t>
+            </a:r>
+          </a:p>
+        </p:txBody>
+      </p:sp>
+      <p:sp>
+        <p:nvSpPr>
+          <p:cNvPr id="200" name="TextBox 199">
+            <a:extLst>
+              <a:ext uri="{FF2B5EF4-FFF2-40B4-BE49-F238E27FC236}">
+                <a16:creationId xmlns:a16="http://schemas.microsoft.com/office/drawing/2014/main" id="{51756C2F-72DE-7509-406B-9B3C1C5D749A}"/>
+              </a:ext>
+            </a:extLst>
+          </p:cNvPr>
+          <p:cNvSpPr txBox="1"/>
+          <p:nvPr/>
+        </p:nvSpPr>
+        <p:spPr>
+          <a:xfrm>
+            <a:off x="5768017" y="2591857"/>
+            <a:ext cx="716157" cy="738664"/>
+          </a:xfrm>
+          <a:prstGeom prst="rect">
+            <a:avLst/>
+          </a:prstGeom>
+          <a:noFill/>
+        </p:spPr>
+        <p:txBody>
+          <a:bodyPr wrap="none" rtlCol="0">
+            <a:spAutoFit/>
+          </a:bodyPr>
+          <a:lstStyle/>
+          <a:p>
+            <a:pPr algn="ctr"/>
+            <a:r>
+              <a:rPr lang="en-US" sz="1400" dirty="0"/>
+              <a:t>Buffer/</a:t>
+            </a:r>
+          </a:p>
+          <a:p>
+            <a:pPr algn="ctr"/>
+            <a:r>
+              <a:rPr lang="en-US" sz="1400" dirty="0"/>
+              <a:t>Scaler</a:t>
+            </a:r>
+          </a:p>
+          <a:p>
+            <a:pPr algn="ctr"/>
+            <a:r>
+              <a:rPr lang="en-US" sz="1400" dirty="0"/>
+              <a:t>x8</a:t>
+            </a:r>
+          </a:p>
+        </p:txBody>
+      </p:sp>
+      <p:sp>
+        <p:nvSpPr>
+          <p:cNvPr id="131" name="Rectangle 130">
+            <a:extLst>
+              <a:ext uri="{FF2B5EF4-FFF2-40B4-BE49-F238E27FC236}">
+                <a16:creationId xmlns:a16="http://schemas.microsoft.com/office/drawing/2014/main" id="{7549C7F3-37EA-BC64-2DDB-E71BC6EFA25E}"/>
+              </a:ext>
+            </a:extLst>
+          </p:cNvPr>
+          <p:cNvSpPr/>
+          <p:nvPr/>
+        </p:nvSpPr>
+        <p:spPr>
+          <a:xfrm>
+            <a:off x="5346027" y="3609404"/>
+            <a:ext cx="1520939" cy="127308"/>
+          </a:xfrm>
+          <a:prstGeom prst="rect">
+            <a:avLst/>
+          </a:prstGeom>
+          <a:solidFill>
+            <a:schemeClr val="accent3">
+              <a:lumMod val="40000"/>
+              <a:lumOff val="60000"/>
+            </a:schemeClr>
+          </a:solidFill>
+        </p:spPr>
+        <p:style>
+          <a:lnRef idx="2">
+            <a:schemeClr val="accent1"/>
+          </a:lnRef>
+          <a:fillRef idx="1">
+            <a:schemeClr val="lt1"/>
+          </a:fillRef>
+          <a:effectRef idx="0">
+            <a:schemeClr val="accent1"/>
+          </a:effectRef>
+          <a:fontRef idx="minor">
+            <a:schemeClr val="dk1"/>
+          </a:fontRef>
+        </p:style>
+        <p:txBody>
+          <a:bodyPr rtlCol="0" anchor="ctr"/>
+          <a:lstStyle/>
+          <a:p>
+            <a:pPr algn="ctr"/>
+            <a:endParaRPr lang="en-US"/>
+          </a:p>
+        </p:txBody>
+      </p:sp>
+      <p:sp>
+        <p:nvSpPr>
+          <p:cNvPr id="11" name="TextBox 10">
+            <a:extLst>
+              <a:ext uri="{FF2B5EF4-FFF2-40B4-BE49-F238E27FC236}">
+                <a16:creationId xmlns:a16="http://schemas.microsoft.com/office/drawing/2014/main" id="{A6E0834C-7D85-BB13-BC9F-94DA32ABFC07}"/>
+              </a:ext>
+            </a:extLst>
+          </p:cNvPr>
+          <p:cNvSpPr txBox="1"/>
+          <p:nvPr/>
+        </p:nvSpPr>
+        <p:spPr>
+          <a:xfrm>
+            <a:off x="6408141" y="3978577"/>
+            <a:ext cx="598112" cy="276999"/>
+          </a:xfrm>
+          <a:prstGeom prst="rect">
+            <a:avLst/>
+          </a:prstGeom>
+          <a:noFill/>
+        </p:spPr>
+        <p:txBody>
+          <a:bodyPr wrap="none" rtlCol="0">
+            <a:spAutoFit/>
+          </a:bodyPr>
+          <a:lstStyle/>
+          <a:p>
+            <a:r>
+              <a:rPr lang="en-US" sz="1200" dirty="0"/>
+              <a:t>+5Vdc</a:t>
+            </a:r>
+          </a:p>
+        </p:txBody>
+      </p:sp>
+      <p:cxnSp>
+        <p:nvCxnSpPr>
+          <p:cNvPr id="23" name="Connector: Elbow 22">
+            <a:extLst>
+              <a:ext uri="{FF2B5EF4-FFF2-40B4-BE49-F238E27FC236}">
+                <a16:creationId xmlns:a16="http://schemas.microsoft.com/office/drawing/2014/main" id="{F1CD7499-0A7D-1868-2028-16AD3631EBB2}"/>
+              </a:ext>
+            </a:extLst>
+          </p:cNvPr>
+          <p:cNvCxnSpPr>
+            <a:cxnSpLocks/>
+          </p:cNvCxnSpPr>
+          <p:nvPr/>
+        </p:nvCxnSpPr>
+        <p:spPr>
+          <a:xfrm>
+            <a:off x="3011151" y="706358"/>
+            <a:ext cx="3620516" cy="1423400"/>
+          </a:xfrm>
+          <a:prstGeom prst="bentConnector3">
+            <a:avLst>
+              <a:gd name="adj1" fmla="val 89751"/>
+            </a:avLst>
+          </a:prstGeom>
+          <a:ln>
+            <a:solidFill>
+              <a:srgbClr val="FF0000"/>
+            </a:solidFill>
+          </a:ln>
+        </p:spPr>
+        <p:style>
+          <a:lnRef idx="2">
+            <a:schemeClr val="accent1"/>
+          </a:lnRef>
+          <a:fillRef idx="0">
+            <a:schemeClr val="accent1"/>
+          </a:fillRef>
+          <a:effectRef idx="1">
+            <a:schemeClr val="accent1"/>
+          </a:effectRef>
+          <a:fontRef idx="minor">
+            <a:schemeClr val="tx1"/>
+          </a:fontRef>
+        </p:style>
+      </p:cxnSp>
+      <p:cxnSp>
+        <p:nvCxnSpPr>
+          <p:cNvPr id="26" name="Connector: Elbow 25">
+            <a:extLst>
+              <a:ext uri="{FF2B5EF4-FFF2-40B4-BE49-F238E27FC236}">
+                <a16:creationId xmlns:a16="http://schemas.microsoft.com/office/drawing/2014/main" id="{F83A1D8A-482E-232F-EF17-0E66ED723FA6}"/>
+              </a:ext>
+            </a:extLst>
+          </p:cNvPr>
+          <p:cNvCxnSpPr>
+            <a:cxnSpLocks/>
+          </p:cNvCxnSpPr>
+          <p:nvPr/>
+        </p:nvCxnSpPr>
+        <p:spPr>
+          <a:xfrm>
+            <a:off x="2991957" y="899575"/>
+            <a:ext cx="3639710" cy="1456304"/>
+          </a:xfrm>
+          <a:prstGeom prst="bentConnector3">
+            <a:avLst>
+              <a:gd name="adj1" fmla="val 86046"/>
+            </a:avLst>
+          </a:prstGeom>
+          <a:ln>
+            <a:solidFill>
+              <a:schemeClr val="tx1"/>
+            </a:solidFill>
+          </a:ln>
+        </p:spPr>
+        <p:style>
+          <a:lnRef idx="2">
+            <a:schemeClr val="accent1"/>
+          </a:lnRef>
+          <a:fillRef idx="0">
+            <a:schemeClr val="accent1"/>
+          </a:fillRef>
+          <a:effectRef idx="1">
+            <a:schemeClr val="accent1"/>
+          </a:effectRef>
+          <a:fontRef idx="minor">
+            <a:schemeClr val="tx1"/>
+          </a:fontRef>
+        </p:style>
+      </p:cxnSp>
+      <p:pic>
+        <p:nvPicPr>
+          <p:cNvPr id="1028" name="Picture 4" descr="Water, level, sensor, technology, system, sensors, detection icon ...">
+            <a:extLst>
+              <a:ext uri="{FF2B5EF4-FFF2-40B4-BE49-F238E27FC236}">
+                <a16:creationId xmlns:a16="http://schemas.microsoft.com/office/drawing/2014/main" id="{448FCFB3-C032-E7C9-107B-8257641CA29E}"/>
+              </a:ext>
+            </a:extLst>
+          </p:cNvPr>
+          <p:cNvPicPr>
+            <a:picLocks noChangeAspect="1" noChangeArrowheads="1"/>
+          </p:cNvPicPr>
+          <p:nvPr/>
+        </p:nvPicPr>
+        <p:blipFill rotWithShape="1">
+          <a:blip r:embed="rId6">
+            <a:extLst>
+              <a:ext uri="{28A0092B-C50C-407E-A947-70E740481C1C}">
+                <a14:useLocalDpi xmlns:a14="http://schemas.microsoft.com/office/drawing/2010/main" val="0"/>
+              </a:ext>
+            </a:extLst>
+          </a:blip>
+          <a:srcRect r="45164" b="48976"/>
+          <a:stretch/>
+        </p:blipFill>
+        <p:spPr bwMode="auto">
+          <a:xfrm>
+            <a:off x="9591933" y="4056018"/>
+            <a:ext cx="772248" cy="718553"/>
+          </a:xfrm>
+          <a:prstGeom prst="rect">
+            <a:avLst/>
+          </a:prstGeom>
+          <a:noFill/>
+          <a:extLst>
+            <a:ext uri="{909E8E84-426E-40DD-AFC4-6F175D3DCCD1}">
+              <a14:hiddenFill xmlns:a14="http://schemas.microsoft.com/office/drawing/2010/main">
+                <a:solidFill>
+                  <a:srgbClr val="FFFFFF"/>
+                </a:solidFill>
+              </a14:hiddenFill>
+            </a:ext>
+          </a:extLst>
+        </p:spPr>
+      </p:pic>
+      <p:pic>
+        <p:nvPicPr>
+          <p:cNvPr id="1030" name="Picture 6" descr="Laptop icon vector. computer illustration sign. PC symbol or logo ...">
+            <a:extLst>
+              <a:ext uri="{FF2B5EF4-FFF2-40B4-BE49-F238E27FC236}">
+                <a16:creationId xmlns:a16="http://schemas.microsoft.com/office/drawing/2014/main" id="{78639909-E65B-EBD0-B805-D42C9D824A5A}"/>
+              </a:ext>
+            </a:extLst>
+          </p:cNvPr>
+          <p:cNvPicPr>
+            <a:picLocks noChangeAspect="1" noChangeArrowheads="1"/>
+          </p:cNvPicPr>
+          <p:nvPr/>
+        </p:nvPicPr>
+        <p:blipFill>
+          <a:blip r:embed="rId7">
+            <a:extLst>
+              <a:ext uri="{28A0092B-C50C-407E-A947-70E740481C1C}">
+                <a14:useLocalDpi xmlns:a14="http://schemas.microsoft.com/office/drawing/2010/main" val="0"/>
+              </a:ext>
+            </a:extLst>
+          </a:blip>
+          <a:srcRect/>
+          <a:stretch>
+            <a:fillRect/>
+          </a:stretch>
+        </p:blipFill>
+        <p:spPr bwMode="auto">
+          <a:xfrm>
+            <a:off x="7342184" y="4710717"/>
+            <a:ext cx="1961794" cy="2062534"/>
+          </a:xfrm>
+          <a:prstGeom prst="rect">
+            <a:avLst/>
+          </a:prstGeom>
+          <a:noFill/>
+          <a:extLst>
+            <a:ext uri="{909E8E84-426E-40DD-AFC4-6F175D3DCCD1}">
+              <a14:hiddenFill xmlns:a14="http://schemas.microsoft.com/office/drawing/2010/main">
+                <a:solidFill>
+                  <a:srgbClr val="FFFFFF"/>
+                </a:solidFill>
+              </a14:hiddenFill>
+            </a:ext>
+          </a:extLst>
+        </p:spPr>
+      </p:pic>
+      <p:sp>
+        <p:nvSpPr>
+          <p:cNvPr id="43" name="Rectangle 42">
+            <a:extLst>
+              <a:ext uri="{FF2B5EF4-FFF2-40B4-BE49-F238E27FC236}">
+                <a16:creationId xmlns:a16="http://schemas.microsoft.com/office/drawing/2014/main" id="{17C25CA4-08C7-8D0F-8484-3A9DD62E8739}"/>
+              </a:ext>
+            </a:extLst>
+          </p:cNvPr>
+          <p:cNvSpPr/>
+          <p:nvPr/>
+        </p:nvSpPr>
+        <p:spPr>
+          <a:xfrm>
+            <a:off x="7738841" y="4153590"/>
+            <a:ext cx="1034061" cy="543934"/>
+          </a:xfrm>
+          <a:prstGeom prst="rect">
+            <a:avLst/>
+          </a:prstGeom>
+        </p:spPr>
+        <p:style>
+          <a:lnRef idx="2">
+            <a:schemeClr val="dk1"/>
+          </a:lnRef>
+          <a:fillRef idx="1">
+            <a:schemeClr val="lt1"/>
+          </a:fillRef>
+          <a:effectRef idx="0">
+            <a:schemeClr val="dk1"/>
+          </a:effectRef>
+          <a:fontRef idx="minor">
+            <a:schemeClr val="dk1"/>
+          </a:fontRef>
+        </p:style>
+        <p:txBody>
+          <a:bodyPr rtlCol="0" anchor="ctr"/>
+          <a:lstStyle/>
+          <a:p>
+            <a:pPr algn="ctr"/>
+            <a:r>
+              <a:rPr lang="en-US" dirty="0"/>
+              <a:t>USB Hub</a:t>
+            </a:r>
+          </a:p>
+        </p:txBody>
+      </p:sp>
+      <p:sp>
+        <p:nvSpPr>
+          <p:cNvPr id="44" name="TextBox 43">
+            <a:extLst>
+              <a:ext uri="{FF2B5EF4-FFF2-40B4-BE49-F238E27FC236}">
+                <a16:creationId xmlns:a16="http://schemas.microsoft.com/office/drawing/2014/main" id="{58162BB8-36E4-13CA-3A98-345A4D24F6BF}"/>
+              </a:ext>
+            </a:extLst>
+          </p:cNvPr>
+          <p:cNvSpPr txBox="1"/>
+          <p:nvPr/>
+        </p:nvSpPr>
+        <p:spPr>
+          <a:xfrm>
+            <a:off x="9543725" y="4761692"/>
+            <a:ext cx="783804" cy="738664"/>
+          </a:xfrm>
+          <a:prstGeom prst="rect">
+            <a:avLst/>
+          </a:prstGeom>
+          <a:noFill/>
+        </p:spPr>
+        <p:txBody>
+          <a:bodyPr wrap="none" rtlCol="0">
+            <a:spAutoFit/>
+          </a:bodyPr>
+          <a:lstStyle/>
+          <a:p>
+            <a:r>
+              <a:rPr lang="en-US" dirty="0"/>
+              <a:t>Laser </a:t>
+            </a:r>
+            <a:endParaRPr lang="en-US" sz="1200" dirty="0"/>
+          </a:p>
+          <a:p>
+            <a:r>
+              <a:rPr lang="en-US" sz="1200" dirty="0" err="1"/>
+              <a:t>Keyance</a:t>
+            </a:r>
+            <a:endParaRPr lang="en-US" sz="1200" dirty="0"/>
+          </a:p>
+          <a:p>
+            <a:r>
+              <a:rPr lang="en-US" sz="1200" dirty="0"/>
+              <a:t>LG-K</a:t>
+            </a:r>
+            <a:endParaRPr lang="en-US" dirty="0"/>
+          </a:p>
+        </p:txBody>
+      </p:sp>
+      <p:cxnSp>
+        <p:nvCxnSpPr>
+          <p:cNvPr id="46" name="Connector: Elbow 45">
+            <a:extLst>
+              <a:ext uri="{FF2B5EF4-FFF2-40B4-BE49-F238E27FC236}">
+                <a16:creationId xmlns:a16="http://schemas.microsoft.com/office/drawing/2014/main" id="{4D0C022C-3F26-AD54-57CC-FAE5EA6225AC}"/>
+              </a:ext>
+            </a:extLst>
+          </p:cNvPr>
+          <p:cNvCxnSpPr>
+            <a:cxnSpLocks/>
+            <a:endCxn id="43" idx="0"/>
+          </p:cNvCxnSpPr>
+          <p:nvPr/>
+        </p:nvCxnSpPr>
+        <p:spPr>
+          <a:xfrm rot="16200000" flipH="1">
+            <a:off x="7092875" y="2990593"/>
+            <a:ext cx="1224900" cy="1101094"/>
+          </a:xfrm>
+          <a:prstGeom prst="bentConnector3">
+            <a:avLst/>
+          </a:prstGeom>
+        </p:spPr>
+        <p:style>
+          <a:lnRef idx="2">
+            <a:schemeClr val="accent1"/>
+          </a:lnRef>
+          <a:fillRef idx="0">
+            <a:schemeClr val="accent1"/>
+          </a:fillRef>
+          <a:effectRef idx="1">
+            <a:schemeClr val="accent1"/>
+          </a:effectRef>
+          <a:fontRef idx="minor">
+            <a:schemeClr val="tx1"/>
+          </a:fontRef>
+        </p:style>
+      </p:cxnSp>
+      <p:cxnSp>
+        <p:nvCxnSpPr>
+          <p:cNvPr id="49" name="Straight Connector 48">
+            <a:extLst>
+              <a:ext uri="{FF2B5EF4-FFF2-40B4-BE49-F238E27FC236}">
+                <a16:creationId xmlns:a16="http://schemas.microsoft.com/office/drawing/2014/main" id="{3F35A103-ACC9-4420-B1EA-96F63C987545}"/>
+              </a:ext>
+            </a:extLst>
+          </p:cNvPr>
+          <p:cNvCxnSpPr>
+            <a:cxnSpLocks/>
+            <a:stCxn id="43" idx="1"/>
+          </p:cNvCxnSpPr>
+          <p:nvPr/>
+        </p:nvCxnSpPr>
+        <p:spPr>
+          <a:xfrm flipH="1">
+            <a:off x="6945528" y="4425557"/>
+            <a:ext cx="793313" cy="19385"/>
+          </a:xfrm>
+          <a:prstGeom prst="line">
+            <a:avLst/>
+          </a:prstGeom>
+        </p:spPr>
+        <p:style>
+          <a:lnRef idx="2">
+            <a:schemeClr val="accent1"/>
+          </a:lnRef>
+          <a:fillRef idx="0">
+            <a:schemeClr val="accent1"/>
+          </a:fillRef>
+          <a:effectRef idx="1">
+            <a:schemeClr val="accent1"/>
+          </a:effectRef>
+          <a:fontRef idx="minor">
+            <a:schemeClr val="tx1"/>
+          </a:fontRef>
+        </p:style>
+      </p:cxnSp>
+      <p:cxnSp>
+        <p:nvCxnSpPr>
+          <p:cNvPr id="51" name="Straight Connector 50">
+            <a:extLst>
+              <a:ext uri="{FF2B5EF4-FFF2-40B4-BE49-F238E27FC236}">
+                <a16:creationId xmlns:a16="http://schemas.microsoft.com/office/drawing/2014/main" id="{DC1563EA-54E2-82BE-8C41-7A15039CEA95}"/>
+              </a:ext>
+            </a:extLst>
+          </p:cNvPr>
+          <p:cNvCxnSpPr>
+            <a:stCxn id="43" idx="3"/>
+          </p:cNvCxnSpPr>
+          <p:nvPr/>
+        </p:nvCxnSpPr>
+        <p:spPr>
+          <a:xfrm flipV="1">
+            <a:off x="8772902" y="4393955"/>
+            <a:ext cx="980698" cy="31602"/>
+          </a:xfrm>
+          <a:prstGeom prst="line">
+            <a:avLst/>
+          </a:prstGeom>
+        </p:spPr>
+        <p:style>
+          <a:lnRef idx="2">
+            <a:schemeClr val="accent1"/>
+          </a:lnRef>
+          <a:fillRef idx="0">
+            <a:schemeClr val="accent1"/>
+          </a:fillRef>
+          <a:effectRef idx="1">
+            <a:schemeClr val="accent1"/>
+          </a:effectRef>
+          <a:fontRef idx="minor">
+            <a:schemeClr val="tx1"/>
+          </a:fontRef>
+        </p:style>
+      </p:cxnSp>
+      <p:cxnSp>
+        <p:nvCxnSpPr>
+          <p:cNvPr id="61" name="Straight Connector 60">
+            <a:extLst>
+              <a:ext uri="{FF2B5EF4-FFF2-40B4-BE49-F238E27FC236}">
+                <a16:creationId xmlns:a16="http://schemas.microsoft.com/office/drawing/2014/main" id="{6B882A94-66D5-314B-CE92-FD0275118606}"/>
+              </a:ext>
+            </a:extLst>
+          </p:cNvPr>
+          <p:cNvCxnSpPr>
+            <a:cxnSpLocks/>
+          </p:cNvCxnSpPr>
+          <p:nvPr/>
+        </p:nvCxnSpPr>
+        <p:spPr>
+          <a:xfrm flipV="1">
+            <a:off x="8268730" y="4742259"/>
+            <a:ext cx="1" cy="388765"/>
+          </a:xfrm>
+          <a:prstGeom prst="line">
+            <a:avLst/>
+          </a:prstGeom>
+        </p:spPr>
+        <p:style>
+          <a:lnRef idx="2">
+            <a:schemeClr val="accent1"/>
+          </a:lnRef>
+          <a:fillRef idx="0">
+            <a:schemeClr val="accent1"/>
+          </a:fillRef>
+          <a:effectRef idx="1">
+            <a:schemeClr val="accent1"/>
+          </a:effectRef>
+          <a:fontRef idx="minor">
+            <a:schemeClr val="tx1"/>
+          </a:fontRef>
+        </p:style>
+      </p:cxnSp>
+      <p:sp>
+        <p:nvSpPr>
+          <p:cNvPr id="21" name="Rectangle 20">
+            <a:extLst>
+              <a:ext uri="{FF2B5EF4-FFF2-40B4-BE49-F238E27FC236}">
+                <a16:creationId xmlns:a16="http://schemas.microsoft.com/office/drawing/2014/main" id="{1725B988-41A7-E851-FFA5-D153B76EBF79}"/>
+              </a:ext>
+            </a:extLst>
+          </p:cNvPr>
+          <p:cNvSpPr/>
+          <p:nvPr/>
+        </p:nvSpPr>
+        <p:spPr>
+          <a:xfrm rot="16200000">
+            <a:off x="2870874" y="832749"/>
+            <a:ext cx="591410" cy="111402"/>
+          </a:xfrm>
+          <a:prstGeom prst="rect">
+            <a:avLst/>
+          </a:prstGeom>
+          <a:solidFill>
+            <a:schemeClr val="accent3">
+              <a:lumMod val="40000"/>
+              <a:lumOff val="60000"/>
+            </a:schemeClr>
+          </a:solidFill>
+        </p:spPr>
+        <p:style>
+          <a:lnRef idx="2">
+            <a:schemeClr val="accent1"/>
+          </a:lnRef>
+          <a:fillRef idx="1">
+            <a:schemeClr val="lt1"/>
+          </a:fillRef>
+          <a:effectRef idx="0">
+            <a:schemeClr val="accent1"/>
+          </a:effectRef>
+          <a:fontRef idx="minor">
+            <a:schemeClr val="dk1"/>
+          </a:fontRef>
+        </p:style>
+        <p:txBody>
+          <a:bodyPr rtlCol="0" anchor="ctr"/>
+          <a:lstStyle/>
+          <a:p>
+            <a:pPr algn="ctr"/>
+            <a:endParaRPr lang="en-US"/>
+          </a:p>
+        </p:txBody>
+      </p:sp>
+      <p:sp>
+        <p:nvSpPr>
+          <p:cNvPr id="63" name="TextBox 62">
+            <a:extLst>
+              <a:ext uri="{FF2B5EF4-FFF2-40B4-BE49-F238E27FC236}">
+                <a16:creationId xmlns:a16="http://schemas.microsoft.com/office/drawing/2014/main" id="{4BF7A101-03BB-E932-3102-B5C7062222C4}"/>
+              </a:ext>
+            </a:extLst>
+          </p:cNvPr>
+          <p:cNvSpPr txBox="1"/>
+          <p:nvPr/>
+        </p:nvSpPr>
+        <p:spPr>
+          <a:xfrm>
+            <a:off x="2103724" y="522334"/>
+            <a:ext cx="919546" cy="1384995"/>
+          </a:xfrm>
+          <a:prstGeom prst="rect">
+            <a:avLst/>
+          </a:prstGeom>
+          <a:noFill/>
+        </p:spPr>
+        <p:txBody>
+          <a:bodyPr wrap="none" rtlCol="0">
+            <a:spAutoFit/>
+          </a:bodyPr>
+          <a:lstStyle/>
+          <a:p>
+            <a:pPr algn="ctr"/>
+            <a:r>
+              <a:rPr lang="en-US" sz="1200" dirty="0"/>
+              <a:t>24Vdc</a:t>
+            </a:r>
+          </a:p>
+          <a:p>
+            <a:pPr algn="ctr"/>
+            <a:r>
+              <a:rPr lang="en-US" sz="1200" dirty="0"/>
+              <a:t>SMPS</a:t>
+            </a:r>
+          </a:p>
+          <a:p>
+            <a:pPr algn="ctr"/>
+            <a:endParaRPr lang="en-US" sz="1200" dirty="0"/>
+          </a:p>
+          <a:p>
+            <a:pPr algn="ctr"/>
+            <a:endParaRPr lang="en-US" sz="1200" dirty="0"/>
+          </a:p>
+          <a:p>
+            <a:pPr algn="ctr"/>
+            <a:r>
+              <a:rPr lang="en-US" sz="1200" dirty="0"/>
+              <a:t>24Vdc</a:t>
+            </a:r>
+          </a:p>
+          <a:p>
+            <a:pPr algn="ctr"/>
+            <a:r>
+              <a:rPr lang="en-US" sz="1200" dirty="0"/>
+              <a:t>Instrument</a:t>
+            </a:r>
+          </a:p>
+          <a:p>
+            <a:pPr algn="ctr"/>
+            <a:r>
+              <a:rPr lang="en-US" sz="1200" dirty="0"/>
+              <a:t>Power</a:t>
+            </a:r>
+          </a:p>
+        </p:txBody>
+      </p:sp>
+      <p:pic>
+        <p:nvPicPr>
+          <p:cNvPr id="65" name="Picture 64">
+            <a:extLst>
+              <a:ext uri="{FF2B5EF4-FFF2-40B4-BE49-F238E27FC236}">
+                <a16:creationId xmlns:a16="http://schemas.microsoft.com/office/drawing/2014/main" id="{EF2A9D5C-1696-44D1-F3BC-9B7E61039734}"/>
+              </a:ext>
+            </a:extLst>
+          </p:cNvPr>
+          <p:cNvPicPr>
+            <a:picLocks noChangeAspect="1"/>
+          </p:cNvPicPr>
+          <p:nvPr/>
+        </p:nvPicPr>
+        <p:blipFill rotWithShape="1">
+          <a:blip r:embed="rId5"/>
+          <a:srcRect l="63762" t="27733" r="29427" b="58785"/>
+          <a:stretch/>
+        </p:blipFill>
+        <p:spPr>
+          <a:xfrm>
+            <a:off x="5070005" y="1749093"/>
+            <a:ext cx="551038" cy="698092"/>
+          </a:xfrm>
+          <a:prstGeom prst="rect">
+            <a:avLst/>
+          </a:prstGeom>
+          <a:ln>
+            <a:solidFill>
+              <a:schemeClr val="tx1"/>
+            </a:solidFill>
+          </a:ln>
+        </p:spPr>
+      </p:pic>
+      <p:cxnSp>
+        <p:nvCxnSpPr>
+          <p:cNvPr id="66" name="Straight Connector 65">
+            <a:extLst>
+              <a:ext uri="{FF2B5EF4-FFF2-40B4-BE49-F238E27FC236}">
+                <a16:creationId xmlns:a16="http://schemas.microsoft.com/office/drawing/2014/main" id="{0A6F8EC0-4D0E-FB2D-535E-A976DF7D595C}"/>
+              </a:ext>
+            </a:extLst>
+          </p:cNvPr>
+          <p:cNvCxnSpPr>
+            <a:cxnSpLocks/>
+            <a:endCxn id="13" idx="0"/>
+          </p:cNvCxnSpPr>
+          <p:nvPr/>
+        </p:nvCxnSpPr>
+        <p:spPr>
+          <a:xfrm>
+            <a:off x="3936721" y="1396757"/>
+            <a:ext cx="5543" cy="354701"/>
+          </a:xfrm>
+          <a:prstGeom prst="line">
+            <a:avLst/>
+          </a:prstGeom>
+          <a:ln>
+            <a:solidFill>
+              <a:srgbClr val="FF0000"/>
+            </a:solidFill>
+          </a:ln>
+        </p:spPr>
+        <p:style>
+          <a:lnRef idx="2">
+            <a:schemeClr val="accent1"/>
+          </a:lnRef>
+          <a:fillRef idx="0">
+            <a:schemeClr val="accent1"/>
+          </a:fillRef>
+          <a:effectRef idx="1">
+            <a:schemeClr val="accent1"/>
+          </a:effectRef>
+          <a:fontRef idx="minor">
+            <a:schemeClr val="tx1"/>
+          </a:fontRef>
+        </p:style>
+      </p:cxnSp>
+      <p:cxnSp>
+        <p:nvCxnSpPr>
+          <p:cNvPr id="69" name="Straight Connector 68">
+            <a:extLst>
+              <a:ext uri="{FF2B5EF4-FFF2-40B4-BE49-F238E27FC236}">
+                <a16:creationId xmlns:a16="http://schemas.microsoft.com/office/drawing/2014/main" id="{627D2D12-5034-B88C-0BE0-6949291254E1}"/>
+              </a:ext>
+            </a:extLst>
+          </p:cNvPr>
+          <p:cNvCxnSpPr>
+            <a:cxnSpLocks/>
+          </p:cNvCxnSpPr>
+          <p:nvPr/>
+        </p:nvCxnSpPr>
+        <p:spPr>
+          <a:xfrm>
+            <a:off x="5327797" y="1418058"/>
+            <a:ext cx="18230" cy="345189"/>
+          </a:xfrm>
+          <a:prstGeom prst="line">
+            <a:avLst/>
+          </a:prstGeom>
+          <a:ln>
+            <a:solidFill>
+              <a:srgbClr val="FF0000"/>
+            </a:solidFill>
+          </a:ln>
+        </p:spPr>
+        <p:style>
+          <a:lnRef idx="2">
+            <a:schemeClr val="accent1"/>
+          </a:lnRef>
+          <a:fillRef idx="0">
+            <a:schemeClr val="accent1"/>
+          </a:fillRef>
+          <a:effectRef idx="1">
+            <a:schemeClr val="accent1"/>
+          </a:effectRef>
+          <a:fontRef idx="minor">
+            <a:schemeClr val="tx1"/>
+          </a:fontRef>
+        </p:style>
+      </p:cxnSp>
+      <p:sp>
+        <p:nvSpPr>
+          <p:cNvPr id="70" name="TextBox 69">
+            <a:extLst>
+              <a:ext uri="{FF2B5EF4-FFF2-40B4-BE49-F238E27FC236}">
+                <a16:creationId xmlns:a16="http://schemas.microsoft.com/office/drawing/2014/main" id="{7EDFBD18-5615-2FF7-4B0A-0452C296605A}"/>
+              </a:ext>
+            </a:extLst>
+          </p:cNvPr>
+          <p:cNvSpPr txBox="1"/>
+          <p:nvPr/>
+        </p:nvSpPr>
+        <p:spPr>
+          <a:xfrm>
+            <a:off x="9543725" y="2460561"/>
+            <a:ext cx="1025474" cy="553998"/>
+          </a:xfrm>
+          <a:prstGeom prst="rect">
+            <a:avLst/>
+          </a:prstGeom>
+          <a:noFill/>
+        </p:spPr>
+        <p:txBody>
+          <a:bodyPr wrap="none" rtlCol="0">
+            <a:spAutoFit/>
+          </a:bodyPr>
+          <a:lstStyle/>
+          <a:p>
+            <a:pPr algn="ctr"/>
+            <a:r>
+              <a:rPr lang="en-US" dirty="0"/>
+              <a:t>Pump </a:t>
+            </a:r>
+            <a:endParaRPr lang="en-US" sz="1200" dirty="0"/>
+          </a:p>
+          <a:p>
+            <a:pPr algn="ctr"/>
+            <a:r>
+              <a:rPr lang="en-US" sz="1200" dirty="0"/>
+              <a:t>4A DC Motor</a:t>
+            </a:r>
+            <a:endParaRPr lang="en-US" dirty="0"/>
+          </a:p>
+        </p:txBody>
+      </p:sp>
+      <p:sp>
+        <p:nvSpPr>
+          <p:cNvPr id="72" name="TextBox 71">
+            <a:extLst>
+              <a:ext uri="{FF2B5EF4-FFF2-40B4-BE49-F238E27FC236}">
+                <a16:creationId xmlns:a16="http://schemas.microsoft.com/office/drawing/2014/main" id="{92A853C1-5D04-E4C9-6660-278465840829}"/>
+              </a:ext>
+            </a:extLst>
+          </p:cNvPr>
+          <p:cNvSpPr txBox="1"/>
+          <p:nvPr/>
+        </p:nvSpPr>
+        <p:spPr>
+          <a:xfrm>
+            <a:off x="7797599" y="5223357"/>
+            <a:ext cx="1100238" cy="553998"/>
+          </a:xfrm>
+          <a:prstGeom prst="rect">
+            <a:avLst/>
+          </a:prstGeom>
+          <a:noFill/>
+        </p:spPr>
+        <p:txBody>
+          <a:bodyPr wrap="none" rtlCol="0">
+            <a:spAutoFit/>
+          </a:bodyPr>
+          <a:lstStyle/>
+          <a:p>
+            <a:r>
+              <a:rPr lang="en-US" dirty="0"/>
+              <a:t>LV Win11</a:t>
+            </a:r>
+          </a:p>
+          <a:p>
+            <a:r>
+              <a:rPr lang="en-US" sz="1200" dirty="0"/>
+              <a:t>Workstation</a:t>
+            </a:r>
+          </a:p>
+        </p:txBody>
+      </p:sp>
+      <p:sp>
+        <p:nvSpPr>
+          <p:cNvPr id="73" name="TextBox 72">
+            <a:extLst>
+              <a:ext uri="{FF2B5EF4-FFF2-40B4-BE49-F238E27FC236}">
+                <a16:creationId xmlns:a16="http://schemas.microsoft.com/office/drawing/2014/main" id="{A2252771-877D-CD9E-255A-4986C4073FC0}"/>
+              </a:ext>
+            </a:extLst>
+          </p:cNvPr>
+          <p:cNvSpPr txBox="1"/>
+          <p:nvPr/>
+        </p:nvSpPr>
+        <p:spPr>
+          <a:xfrm>
+            <a:off x="6377417" y="682611"/>
+            <a:ext cx="1554721" cy="553998"/>
+          </a:xfrm>
+          <a:prstGeom prst="rect">
+            <a:avLst/>
+          </a:prstGeom>
+          <a:noFill/>
+        </p:spPr>
+        <p:txBody>
+          <a:bodyPr wrap="none" rtlCol="0">
+            <a:spAutoFit/>
+          </a:bodyPr>
+          <a:lstStyle/>
+          <a:p>
+            <a:pPr algn="ctr"/>
+            <a:r>
+              <a:rPr lang="en-US" dirty="0"/>
+              <a:t>Interface PCB</a:t>
+            </a:r>
+          </a:p>
+          <a:p>
+            <a:pPr algn="ctr"/>
+            <a:r>
+              <a:rPr lang="en-US" sz="1200" dirty="0"/>
+              <a:t>Custom Unit</a:t>
+            </a:r>
+          </a:p>
+        </p:txBody>
+      </p:sp>
+      <p:pic>
+        <p:nvPicPr>
+          <p:cNvPr id="92" name="Picture 91">
+            <a:extLst>
+              <a:ext uri="{FF2B5EF4-FFF2-40B4-BE49-F238E27FC236}">
+                <a16:creationId xmlns:a16="http://schemas.microsoft.com/office/drawing/2014/main" id="{AC3DED35-8301-3BB9-D105-2073E0A594BE}"/>
+              </a:ext>
+            </a:extLst>
+          </p:cNvPr>
+          <p:cNvPicPr>
+            <a:picLocks noChangeAspect="1"/>
+          </p:cNvPicPr>
+          <p:nvPr/>
+        </p:nvPicPr>
+        <p:blipFill>
+          <a:blip r:embed="rId8"/>
+          <a:stretch>
+            <a:fillRect/>
+          </a:stretch>
+        </p:blipFill>
+        <p:spPr>
+          <a:xfrm>
+            <a:off x="4947618" y="3057358"/>
+            <a:ext cx="394649" cy="384055"/>
+          </a:xfrm>
+          <a:prstGeom prst="rect">
+            <a:avLst/>
+          </a:prstGeom>
+        </p:spPr>
+      </p:pic>
+      <p:pic>
+        <p:nvPicPr>
+          <p:cNvPr id="93" name="Picture 92">
+            <a:extLst>
+              <a:ext uri="{FF2B5EF4-FFF2-40B4-BE49-F238E27FC236}">
+                <a16:creationId xmlns:a16="http://schemas.microsoft.com/office/drawing/2014/main" id="{DAB7BEA8-E02F-EC5C-937A-FC6756781E94}"/>
+              </a:ext>
+            </a:extLst>
+          </p:cNvPr>
+          <p:cNvPicPr>
+            <a:picLocks noChangeAspect="1"/>
+          </p:cNvPicPr>
+          <p:nvPr/>
+        </p:nvPicPr>
+        <p:blipFill>
+          <a:blip r:embed="rId8"/>
+          <a:stretch>
+            <a:fillRect/>
+          </a:stretch>
+        </p:blipFill>
+        <p:spPr>
+          <a:xfrm>
+            <a:off x="5440219" y="2836393"/>
+            <a:ext cx="394649" cy="384055"/>
+          </a:xfrm>
+          <a:prstGeom prst="rect">
+            <a:avLst/>
+          </a:prstGeom>
+        </p:spPr>
+      </p:pic>
+      <p:sp>
+        <p:nvSpPr>
+          <p:cNvPr id="94" name="TextBox 93">
+            <a:extLst>
+              <a:ext uri="{FF2B5EF4-FFF2-40B4-BE49-F238E27FC236}">
+                <a16:creationId xmlns:a16="http://schemas.microsoft.com/office/drawing/2014/main" id="{BD95B64A-CCC1-137C-BDAE-45171FBF51A4}"/>
+              </a:ext>
+            </a:extLst>
+          </p:cNvPr>
+          <p:cNvSpPr txBox="1"/>
+          <p:nvPr/>
+        </p:nvSpPr>
+        <p:spPr>
+          <a:xfrm>
+            <a:off x="4368229" y="2146062"/>
+            <a:ext cx="825034" cy="738664"/>
+          </a:xfrm>
+          <a:prstGeom prst="rect">
+            <a:avLst/>
+          </a:prstGeom>
+          <a:noFill/>
+        </p:spPr>
+        <p:txBody>
+          <a:bodyPr wrap="none" rtlCol="0">
+            <a:spAutoFit/>
+          </a:bodyPr>
+          <a:lstStyle/>
+          <a:p>
+            <a:pPr algn="ctr"/>
+            <a:r>
+              <a:rPr lang="en-US" sz="1400" dirty="0"/>
+              <a:t>14ma </a:t>
+            </a:r>
+          </a:p>
+          <a:p>
+            <a:pPr algn="ctr"/>
+            <a:r>
+              <a:rPr lang="en-US" sz="1400" dirty="0"/>
+              <a:t>I-source</a:t>
+            </a:r>
+          </a:p>
+          <a:p>
+            <a:pPr algn="ctr"/>
+            <a:r>
+              <a:rPr lang="en-US" sz="1400" dirty="0"/>
+              <a:t>x8</a:t>
+            </a:r>
+          </a:p>
+        </p:txBody>
+      </p:sp>
+      <p:sp>
+        <p:nvSpPr>
+          <p:cNvPr id="95" name="Speech Bubble: Rectangle 94">
+            <a:extLst>
+              <a:ext uri="{FF2B5EF4-FFF2-40B4-BE49-F238E27FC236}">
+                <a16:creationId xmlns:a16="http://schemas.microsoft.com/office/drawing/2014/main" id="{AF892C74-375F-9B08-F5E9-C95DD15F4EFB}"/>
+              </a:ext>
+            </a:extLst>
+          </p:cNvPr>
+          <p:cNvSpPr/>
+          <p:nvPr/>
+        </p:nvSpPr>
+        <p:spPr>
+          <a:xfrm>
+            <a:off x="8091868" y="1184155"/>
+            <a:ext cx="1013182" cy="310155"/>
+          </a:xfrm>
+          <a:prstGeom prst="wedgeRectCallout">
+            <a:avLst>
+              <a:gd name="adj1" fmla="val -75163"/>
+              <a:gd name="adj2" fmla="val 169041"/>
+            </a:avLst>
+          </a:prstGeom>
+        </p:spPr>
+        <p:style>
+          <a:lnRef idx="2">
+            <a:schemeClr val="accent6"/>
+          </a:lnRef>
+          <a:fillRef idx="1">
+            <a:schemeClr val="lt1"/>
+          </a:fillRef>
+          <a:effectRef idx="0">
+            <a:schemeClr val="accent6"/>
+          </a:effectRef>
+          <a:fontRef idx="minor">
+            <a:schemeClr val="dk1"/>
+          </a:fontRef>
+        </p:style>
+        <p:txBody>
+          <a:bodyPr rtlCol="0" anchor="ctr"/>
+          <a:lstStyle/>
+          <a:p>
+            <a:pPr algn="ctr"/>
+            <a:r>
+              <a:rPr lang="en-US" sz="1200" dirty="0"/>
+              <a:t>Connector</a:t>
+            </a:r>
+          </a:p>
+        </p:txBody>
+      </p:sp>
+    </p:spTree>
+    <p:extLst>
+      <p:ext uri="{BB962C8B-B14F-4D97-AF65-F5344CB8AC3E}">
+        <p14:creationId xmlns:p14="http://schemas.microsoft.com/office/powerpoint/2010/main" val="3547915242"/>
+      </p:ext>
+    </p:extLst>
+  </p:cSld>
+  <p:clrMapOvr>
+    <a:masterClrMapping/>
+  </p:clrMapOvr>
+</p:sld>
+</file>
+
+<file path=ppt/slides/slide7.xml><?xml version="1.0" encoding="utf-8"?>
+<p:sld xmlns:a="http://schemas.openxmlformats.org/drawingml/2006/main" xmlns:r="http://schemas.openxmlformats.org/officeDocument/2006/relationships" xmlns:p="http://schemas.openxmlformats.org/presentationml/2006/main" show="0">
   <p:cSld>
     <p:spTree>
       <p:nvGrpSpPr>
